--- a/presentation/Final_Presentation.pptx
+++ b/presentation/Final_Presentation.pptx
@@ -5,10 +5,10 @@
     <p:sldMasterId id="2147483648" r:id="rId1"/>
   </p:sldMasterIdLst>
   <p:notesMasterIdLst>
-    <p:notesMasterId r:id="rId11"/>
+    <p:notesMasterId r:id="rId12"/>
   </p:notesMasterIdLst>
   <p:handoutMasterIdLst>
-    <p:handoutMasterId r:id="rId12"/>
+    <p:handoutMasterId r:id="rId13"/>
   </p:handoutMasterIdLst>
   <p:sldIdLst>
     <p:sldId id="256" r:id="rId2"/>
@@ -19,7 +19,8 @@
     <p:sldId id="262" r:id="rId7"/>
     <p:sldId id="263" r:id="rId8"/>
     <p:sldId id="277" r:id="rId9"/>
-    <p:sldId id="275" r:id="rId10"/>
+    <p:sldId id="278" r:id="rId10"/>
+    <p:sldId id="275" r:id="rId11"/>
   </p:sldIdLst>
   <p:sldSz cx="12192000" cy="6858000"/>
   <p:notesSz cx="6797675" cy="9926638"/>
@@ -220,7 +221,7 @@
           <a:p>
             <a:fld id="{5233E4E4-8B62-4356-A202-E54336A2C808}" type="datetimeFigureOut">
               <a:rPr lang="de-CH" smtClean="0"/>
-              <a:t>27.06.2021</a:t>
+              <a:t>28.06.2021</a:t>
             </a:fld>
             <a:endParaRPr lang="de-CH"/>
           </a:p>
@@ -398,7 +399,7 @@
           <a:p>
             <a:fld id="{771077F2-B8AE-4D44-9AB2-A014164F0B23}" type="datetimeFigureOut">
               <a:rPr lang="de-CH" smtClean="0"/>
-              <a:t>27.06.2021</a:t>
+              <a:t>28.06.2021</a:t>
             </a:fld>
             <a:endParaRPr lang="de-CH"/>
           </a:p>
@@ -798,6 +799,115 @@
     <p:extLst>
       <p:ext uri="{BB962C8B-B14F-4D97-AF65-F5344CB8AC3E}">
         <p14:creationId xmlns:p14="http://schemas.microsoft.com/office/powerpoint/2010/main" val="395534824"/>
+      </p:ext>
+    </p:extLst>
+  </p:cSld>
+  <p:clrMapOvr>
+    <a:masterClrMapping/>
+  </p:clrMapOvr>
+</p:notes>
+</file>
+
+<file path=ppt/notesSlides/notesSlide10.xml><?xml version="1.0" encoding="utf-8"?>
+<p:notes xmlns:a="http://schemas.openxmlformats.org/drawingml/2006/main" xmlns:r="http://schemas.openxmlformats.org/officeDocument/2006/relationships" xmlns:p="http://schemas.openxmlformats.org/presentationml/2006/main">
+  <p:cSld>
+    <p:spTree>
+      <p:nvGrpSpPr>
+        <p:cNvPr id="1" name=""/>
+        <p:cNvGrpSpPr/>
+        <p:nvPr/>
+      </p:nvGrpSpPr>
+      <p:grpSpPr>
+        <a:xfrm>
+          <a:off x="0" y="0"/>
+          <a:ext cx="0" cy="0"/>
+          <a:chOff x="0" y="0"/>
+          <a:chExt cx="0" cy="0"/>
+        </a:xfrm>
+      </p:grpSpPr>
+      <p:sp>
+        <p:nvSpPr>
+          <p:cNvPr id="2" name="Folienbildplatzhalter 1"/>
+          <p:cNvSpPr>
+            <a:spLocks noGrp="1" noRot="1" noChangeAspect="1"/>
+          </p:cNvSpPr>
+          <p:nvPr>
+            <p:ph type="sldImg"/>
+          </p:nvPr>
+        </p:nvSpPr>
+        <p:spPr/>
+      </p:sp>
+      <p:sp>
+        <p:nvSpPr>
+          <p:cNvPr id="3" name="Notizenplatzhalter 2"/>
+          <p:cNvSpPr>
+            <a:spLocks noGrp="1"/>
+          </p:cNvSpPr>
+          <p:nvPr>
+            <p:ph type="body" idx="1"/>
+          </p:nvPr>
+        </p:nvSpPr>
+        <p:spPr/>
+        <p:txBody>
+          <a:bodyPr/>
+          <a:lstStyle/>
+          <a:p>
+            <a:endParaRPr lang="de-CH"/>
+          </a:p>
+        </p:txBody>
+      </p:sp>
+      <p:sp>
+        <p:nvSpPr>
+          <p:cNvPr id="4" name="Foliennummernplatzhalter 3"/>
+          <p:cNvSpPr>
+            <a:spLocks noGrp="1"/>
+          </p:cNvSpPr>
+          <p:nvPr>
+            <p:ph type="sldNum" sz="quarter" idx="10"/>
+          </p:nvPr>
+        </p:nvSpPr>
+        <p:spPr/>
+        <p:txBody>
+          <a:bodyPr/>
+          <a:lstStyle/>
+          <a:p>
+            <a:fld id="{CF8F3001-8820-440F-AE2B-9E23CEB8CE24}" type="slidenum">
+              <a:rPr lang="de-CH" smtClean="0"/>
+              <a:t>10</a:t>
+            </a:fld>
+            <a:endParaRPr lang="de-CH"/>
+          </a:p>
+        </p:txBody>
+      </p:sp>
+      <p:sp>
+        <p:nvSpPr>
+          <p:cNvPr id="5" name="Fußzeilenplatzhalter 4">
+            <a:extLst>
+              <a:ext uri="{FF2B5EF4-FFF2-40B4-BE49-F238E27FC236}">
+                <a16:creationId xmlns:a16="http://schemas.microsoft.com/office/drawing/2014/main" id="{EA567B5F-DD09-4F65-BAB0-9723E58E9C02}"/>
+              </a:ext>
+            </a:extLst>
+          </p:cNvPr>
+          <p:cNvSpPr>
+            <a:spLocks noGrp="1"/>
+          </p:cNvSpPr>
+          <p:nvPr>
+            <p:ph type="ftr" sz="quarter" idx="4"/>
+          </p:nvPr>
+        </p:nvSpPr>
+        <p:spPr/>
+        <p:txBody>
+          <a:bodyPr/>
+          <a:lstStyle/>
+          <a:p>
+            <a:endParaRPr lang="de-CH"/>
+          </a:p>
+        </p:txBody>
+      </p:sp>
+    </p:spTree>
+    <p:extLst>
+      <p:ext uri="{BB962C8B-B14F-4D97-AF65-F5344CB8AC3E}">
+        <p14:creationId xmlns:p14="http://schemas.microsoft.com/office/powerpoint/2010/main" val="3147181471"/>
       </p:ext>
     </p:extLst>
   </p:cSld>
@@ -1867,7 +1977,7 @@
     </p:spTree>
     <p:extLst>
       <p:ext uri="{BB962C8B-B14F-4D97-AF65-F5344CB8AC3E}">
-        <p14:creationId xmlns:p14="http://schemas.microsoft.com/office/powerpoint/2010/main" val="3147181471"/>
+        <p14:creationId xmlns:p14="http://schemas.microsoft.com/office/powerpoint/2010/main" val="1974200741"/>
       </p:ext>
     </p:extLst>
   </p:cSld>
@@ -2026,7 +2136,7 @@
           <a:p>
             <a:fld id="{2122A0B2-C68B-4CFC-AF3E-92977241CFF8}" type="datetime1">
               <a:rPr lang="en-GB" smtClean="0"/>
-              <a:t>27/06/2021</a:t>
+              <a:t>28/06/2021</a:t>
             </a:fld>
             <a:endParaRPr lang="de-CH"/>
           </a:p>
@@ -2229,7 +2339,7 @@
           <a:p>
             <a:fld id="{95D010D2-9FCB-4F37-A210-3A311315C6D6}" type="datetime1">
               <a:rPr lang="en-GB" smtClean="0"/>
-              <a:t>27/06/2021</a:t>
+              <a:t>28/06/2021</a:t>
             </a:fld>
             <a:endParaRPr lang="de-CH"/>
           </a:p>
@@ -2442,7 +2552,7 @@
           <a:p>
             <a:fld id="{DA1A7200-B217-44B0-B993-314DC6EBCCD6}" type="datetime1">
               <a:rPr lang="en-GB" smtClean="0"/>
-              <a:t>27/06/2021</a:t>
+              <a:t>28/06/2021</a:t>
             </a:fld>
             <a:endParaRPr lang="de-CH"/>
           </a:p>
@@ -2645,7 +2755,7 @@
           <a:p>
             <a:fld id="{D34BE53F-357E-42E6-AE8E-DFACCE00A26D}" type="datetime1">
               <a:rPr lang="en-GB" smtClean="0"/>
-              <a:t>27/06/2021</a:t>
+              <a:t>28/06/2021</a:t>
             </a:fld>
             <a:endParaRPr lang="de-CH"/>
           </a:p>
@@ -2924,7 +3034,7 @@
           <a:p>
             <a:fld id="{60F14748-6DFA-4414-8FE2-328A61FE0787}" type="datetime1">
               <a:rPr lang="en-GB" smtClean="0"/>
-              <a:t>27/06/2021</a:t>
+              <a:t>28/06/2021</a:t>
             </a:fld>
             <a:endParaRPr lang="de-CH"/>
           </a:p>
@@ -3195,7 +3305,7 @@
           <a:p>
             <a:fld id="{3A6C4DAA-5200-4E49-97EF-AFAA3787933C}" type="datetime1">
               <a:rPr lang="en-GB" smtClean="0"/>
-              <a:t>27/06/2021</a:t>
+              <a:t>28/06/2021</a:t>
             </a:fld>
             <a:endParaRPr lang="de-CH"/>
           </a:p>
@@ -3613,7 +3723,7 @@
           <a:p>
             <a:fld id="{97412C70-6D58-48C3-AB5B-51B9A5F7A762}" type="datetime1">
               <a:rPr lang="en-GB" smtClean="0"/>
-              <a:t>27/06/2021</a:t>
+              <a:t>28/06/2021</a:t>
             </a:fld>
             <a:endParaRPr lang="de-CH"/>
           </a:p>
@@ -3758,7 +3868,7 @@
           <a:p>
             <a:fld id="{38A65BCC-E555-4E25-90B7-781FDC447933}" type="datetime1">
               <a:rPr lang="en-GB" smtClean="0"/>
-              <a:t>27/06/2021</a:t>
+              <a:t>28/06/2021</a:t>
             </a:fld>
             <a:endParaRPr lang="de-CH"/>
           </a:p>
@@ -3874,7 +3984,7 @@
           <a:p>
             <a:fld id="{9CDE39CB-DD2D-403A-9BCB-482E19A32A92}" type="datetime1">
               <a:rPr lang="en-GB" smtClean="0"/>
-              <a:t>27/06/2021</a:t>
+              <a:t>28/06/2021</a:t>
             </a:fld>
             <a:endParaRPr lang="de-CH"/>
           </a:p>
@@ -4190,7 +4300,7 @@
           <a:p>
             <a:fld id="{30F67639-CCF9-41B9-B413-9F124362649E}" type="datetime1">
               <a:rPr lang="en-GB" smtClean="0"/>
-              <a:t>27/06/2021</a:t>
+              <a:t>28/06/2021</a:t>
             </a:fld>
             <a:endParaRPr lang="de-CH"/>
           </a:p>
@@ -4482,7 +4592,7 @@
           <a:p>
             <a:fld id="{65C79ECD-86AF-436D-9778-5222C52DEF1C}" type="datetime1">
               <a:rPr lang="en-GB" smtClean="0"/>
-              <a:t>27/06/2021</a:t>
+              <a:t>28/06/2021</a:t>
             </a:fld>
             <a:endParaRPr lang="de-CH"/>
           </a:p>
@@ -4728,7 +4838,7 @@
           <a:p>
             <a:fld id="{86D0E6A5-2101-4529-A593-35971253E0E4}" type="datetime1">
               <a:rPr lang="en-GB" smtClean="0"/>
-              <a:t>27/06/2021</a:t>
+              <a:t>28/06/2021</a:t>
             </a:fld>
             <a:endParaRPr lang="de-CH"/>
           </a:p>
@@ -5411,6 +5521,3378 @@
   <p:clrMapOvr>
     <a:masterClrMapping/>
   </p:clrMapOvr>
+</p:sld>
+</file>
+
+<file path=ppt/slides/slide10.xml><?xml version="1.0" encoding="utf-8"?>
+<p:sld xmlns:a="http://schemas.openxmlformats.org/drawingml/2006/main" xmlns:r="http://schemas.openxmlformats.org/officeDocument/2006/relationships" xmlns:p="http://schemas.openxmlformats.org/presentationml/2006/main">
+  <p:cSld>
+    <p:bg>
+      <p:bgPr>
+        <a:solidFill>
+          <a:schemeClr val="bg1">
+            <a:alpha val="99000"/>
+          </a:schemeClr>
+        </a:solidFill>
+        <a:effectLst/>
+      </p:bgPr>
+    </p:bg>
+    <p:spTree>
+      <p:nvGrpSpPr>
+        <p:cNvPr id="1" name=""/>
+        <p:cNvGrpSpPr/>
+        <p:nvPr/>
+      </p:nvGrpSpPr>
+      <p:grpSpPr>
+        <a:xfrm>
+          <a:off x="0" y="0"/>
+          <a:ext cx="0" cy="0"/>
+          <a:chOff x="0" y="0"/>
+          <a:chExt cx="0" cy="0"/>
+        </a:xfrm>
+      </p:grpSpPr>
+      <p:sp>
+        <p:nvSpPr>
+          <p:cNvPr id="4" name="Freeform 11">
+            <a:extLst>
+              <a:ext uri="{FF2B5EF4-FFF2-40B4-BE49-F238E27FC236}">
+                <a16:creationId xmlns:a16="http://schemas.microsoft.com/office/drawing/2014/main" id="{02E2E8EE-6F4A-4B19-8DD7-FEA4D9D12A4B}"/>
+              </a:ext>
+            </a:extLst>
+          </p:cNvPr>
+          <p:cNvSpPr/>
+          <p:nvPr/>
+        </p:nvSpPr>
+        <p:spPr>
+          <a:xfrm>
+            <a:off x="1508486" y="248019"/>
+            <a:ext cx="236426" cy="230154"/>
+          </a:xfrm>
+          <a:custGeom>
+            <a:avLst/>
+            <a:gdLst>
+              <a:gd name="f0" fmla="val 10800000"/>
+              <a:gd name="f1" fmla="val 5400000"/>
+              <a:gd name="f2" fmla="val 180"/>
+              <a:gd name="f3" fmla="val w"/>
+              <a:gd name="f4" fmla="val h"/>
+              <a:gd name="f5" fmla="val 0"/>
+              <a:gd name="f6" fmla="val 1854"/>
+              <a:gd name="f7" fmla="val 927"/>
+              <a:gd name="f8" fmla="val 415"/>
+              <a:gd name="f9" fmla="val 1439"/>
+              <a:gd name="f10" fmla="val 758"/>
+              <a:gd name="f11" fmla="val 1319"/>
+              <a:gd name="f12" fmla="val 435"/>
+              <a:gd name="f13" fmla="val 874"/>
+              <a:gd name="f14" fmla="val 671"/>
+              <a:gd name="f15" fmla="val 995"/>
+              <a:gd name="f16" fmla="val 1027"/>
+              <a:gd name="f17" fmla="val 1284"/>
+              <a:gd name="f18" fmla="val 897"/>
+              <a:gd name="f19" fmla="val 1105"/>
+              <a:gd name="f20" fmla="val 1193"/>
+              <a:gd name="f21" fmla="val 511"/>
+              <a:gd name="f22" fmla="val 1408"/>
+              <a:gd name="f23" fmla="+- 0 0 -90"/>
+              <a:gd name="f24" fmla="*/ f3 1 1854"/>
+              <a:gd name="f25" fmla="*/ f4 1 1854"/>
+              <a:gd name="f26" fmla="val f5"/>
+              <a:gd name="f27" fmla="val f6"/>
+              <a:gd name="f28" fmla="*/ f23 f0 1"/>
+              <a:gd name="f29" fmla="+- f27 0 f26"/>
+              <a:gd name="f30" fmla="*/ f28 1 f2"/>
+              <a:gd name="f31" fmla="*/ f29 1 1854"/>
+              <a:gd name="f32" fmla="*/ 927 f29 1"/>
+              <a:gd name="f33" fmla="*/ 0 f29 1"/>
+              <a:gd name="f34" fmla="*/ 1854 f29 1"/>
+              <a:gd name="f35" fmla="*/ 758 f29 1"/>
+              <a:gd name="f36" fmla="*/ 1319 f29 1"/>
+              <a:gd name="f37" fmla="*/ 435 f29 1"/>
+              <a:gd name="f38" fmla="*/ 874 f29 1"/>
+              <a:gd name="f39" fmla="*/ 671 f29 1"/>
+              <a:gd name="f40" fmla="*/ 995 f29 1"/>
+              <a:gd name="f41" fmla="*/ 1027 f29 1"/>
+              <a:gd name="f42" fmla="*/ 1284 f29 1"/>
+              <a:gd name="f43" fmla="*/ 897 f29 1"/>
+              <a:gd name="f44" fmla="*/ 1105 f29 1"/>
+              <a:gd name="f45" fmla="*/ 1193 f29 1"/>
+              <a:gd name="f46" fmla="*/ 511 f29 1"/>
+              <a:gd name="f47" fmla="*/ 1408 f29 1"/>
+              <a:gd name="f48" fmla="+- f30 0 f1"/>
+              <a:gd name="f49" fmla="*/ f32 1 1854"/>
+              <a:gd name="f50" fmla="*/ f33 1 1854"/>
+              <a:gd name="f51" fmla="*/ f34 1 1854"/>
+              <a:gd name="f52" fmla="*/ f35 1 1854"/>
+              <a:gd name="f53" fmla="*/ f36 1 1854"/>
+              <a:gd name="f54" fmla="*/ f37 1 1854"/>
+              <a:gd name="f55" fmla="*/ f38 1 1854"/>
+              <a:gd name="f56" fmla="*/ f39 1 1854"/>
+              <a:gd name="f57" fmla="*/ f40 1 1854"/>
+              <a:gd name="f58" fmla="*/ f41 1 1854"/>
+              <a:gd name="f59" fmla="*/ f42 1 1854"/>
+              <a:gd name="f60" fmla="*/ f43 1 1854"/>
+              <a:gd name="f61" fmla="*/ f44 1 1854"/>
+              <a:gd name="f62" fmla="*/ f45 1 1854"/>
+              <a:gd name="f63" fmla="*/ f46 1 1854"/>
+              <a:gd name="f64" fmla="*/ f47 1 1854"/>
+              <a:gd name="f65" fmla="*/ 0 1 f31"/>
+              <a:gd name="f66" fmla="*/ f27 1 f31"/>
+              <a:gd name="f67" fmla="*/ f49 1 f31"/>
+              <a:gd name="f68" fmla="*/ f50 1 f31"/>
+              <a:gd name="f69" fmla="*/ f51 1 f31"/>
+              <a:gd name="f70" fmla="*/ f52 1 f31"/>
+              <a:gd name="f71" fmla="*/ f53 1 f31"/>
+              <a:gd name="f72" fmla="*/ f54 1 f31"/>
+              <a:gd name="f73" fmla="*/ f55 1 f31"/>
+              <a:gd name="f74" fmla="*/ f56 1 f31"/>
+              <a:gd name="f75" fmla="*/ f57 1 f31"/>
+              <a:gd name="f76" fmla="*/ f58 1 f31"/>
+              <a:gd name="f77" fmla="*/ f59 1 f31"/>
+              <a:gd name="f78" fmla="*/ f60 1 f31"/>
+              <a:gd name="f79" fmla="*/ f61 1 f31"/>
+              <a:gd name="f80" fmla="*/ f62 1 f31"/>
+              <a:gd name="f81" fmla="*/ f63 1 f31"/>
+              <a:gd name="f82" fmla="*/ f64 1 f31"/>
+              <a:gd name="f83" fmla="*/ f65 f24 1"/>
+              <a:gd name="f84" fmla="*/ f66 f24 1"/>
+              <a:gd name="f85" fmla="*/ f66 f25 1"/>
+              <a:gd name="f86" fmla="*/ f65 f25 1"/>
+              <a:gd name="f87" fmla="*/ f67 f24 1"/>
+              <a:gd name="f88" fmla="*/ f68 f25 1"/>
+              <a:gd name="f89" fmla="*/ f68 f24 1"/>
+              <a:gd name="f90" fmla="*/ f67 f25 1"/>
+              <a:gd name="f91" fmla="*/ f69 f25 1"/>
+              <a:gd name="f92" fmla="*/ f69 f24 1"/>
+              <a:gd name="f93" fmla="*/ f70 f24 1"/>
+              <a:gd name="f94" fmla="*/ f71 f25 1"/>
+              <a:gd name="f95" fmla="*/ f72 f24 1"/>
+              <a:gd name="f96" fmla="*/ f73 f25 1"/>
+              <a:gd name="f97" fmla="*/ f74 f24 1"/>
+              <a:gd name="f98" fmla="*/ f75 f24 1"/>
+              <a:gd name="f99" fmla="*/ f76 f24 1"/>
+              <a:gd name="f100" fmla="*/ f77 f25 1"/>
+              <a:gd name="f101" fmla="*/ f78 f24 1"/>
+              <a:gd name="f102" fmla="*/ f79 f25 1"/>
+              <a:gd name="f103" fmla="*/ f80 f24 1"/>
+              <a:gd name="f104" fmla="*/ f81 f25 1"/>
+              <a:gd name="f105" fmla="*/ f82 f24 1"/>
+            </a:gdLst>
+            <a:ahLst/>
+            <a:cxnLst>
+              <a:cxn ang="3cd4">
+                <a:pos x="hc" y="t"/>
+              </a:cxn>
+              <a:cxn ang="0">
+                <a:pos x="r" y="vc"/>
+              </a:cxn>
+              <a:cxn ang="cd4">
+                <a:pos x="hc" y="b"/>
+              </a:cxn>
+              <a:cxn ang="cd2">
+                <a:pos x="l" y="vc"/>
+              </a:cxn>
+              <a:cxn ang="f48">
+                <a:pos x="f87" y="f88"/>
+              </a:cxn>
+              <a:cxn ang="f48">
+                <a:pos x="f89" y="f90"/>
+              </a:cxn>
+              <a:cxn ang="f48">
+                <a:pos x="f87" y="f91"/>
+              </a:cxn>
+              <a:cxn ang="f48">
+                <a:pos x="f92" y="f90"/>
+              </a:cxn>
+              <a:cxn ang="f48">
+                <a:pos x="f87" y="f88"/>
+              </a:cxn>
+              <a:cxn ang="f48">
+                <a:pos x="f93" y="f94"/>
+              </a:cxn>
+              <a:cxn ang="f48">
+                <a:pos x="f95" y="f96"/>
+              </a:cxn>
+              <a:cxn ang="f48">
+                <a:pos x="f97" y="f96"/>
+              </a:cxn>
+              <a:cxn ang="f48">
+                <a:pos x="f98" y="f94"/>
+              </a:cxn>
+              <a:cxn ang="f48">
+                <a:pos x="f93" y="f94"/>
+              </a:cxn>
+              <a:cxn ang="f48">
+                <a:pos x="f99" y="f100"/>
+              </a:cxn>
+              <a:cxn ang="f48">
+                <a:pos x="f101" y="f102"/>
+              </a:cxn>
+              <a:cxn ang="f48">
+                <a:pos x="f103" y="f104"/>
+              </a:cxn>
+              <a:cxn ang="f48">
+                <a:pos x="f105" y="f104"/>
+              </a:cxn>
+              <a:cxn ang="f48">
+                <a:pos x="f99" y="f100"/>
+              </a:cxn>
+            </a:cxnLst>
+            <a:rect l="f83" t="f86" r="f84" b="f85"/>
+            <a:pathLst>
+              <a:path w="1854" h="1854">
+                <a:moveTo>
+                  <a:pt x="f7" y="f5"/>
+                </a:moveTo>
+                <a:cubicBezTo>
+                  <a:pt x="f8" y="f5"/>
+                  <a:pt x="f5" y="f8"/>
+                  <a:pt x="f5" y="f7"/>
+                </a:cubicBezTo>
+                <a:cubicBezTo>
+                  <a:pt x="f5" y="f9"/>
+                  <a:pt x="f8" y="f6"/>
+                  <a:pt x="f7" y="f6"/>
+                </a:cubicBezTo>
+                <a:cubicBezTo>
+                  <a:pt x="f9" y="f6"/>
+                  <a:pt x="f6" y="f9"/>
+                  <a:pt x="f6" y="f7"/>
+                </a:cubicBezTo>
+                <a:cubicBezTo>
+                  <a:pt x="f6" y="f8"/>
+                  <a:pt x="f9" y="f5"/>
+                  <a:pt x="f7" y="f5"/>
+                </a:cubicBezTo>
+                <a:close/>
+                <a:moveTo>
+                  <a:pt x="f10" y="f11"/>
+                </a:moveTo>
+                <a:cubicBezTo>
+                  <a:pt x="f12" y="f13"/>
+                  <a:pt x="f12" y="f13"/>
+                  <a:pt x="f12" y="f13"/>
+                </a:cubicBezTo>
+                <a:cubicBezTo>
+                  <a:pt x="f14" y="f13"/>
+                  <a:pt x="f14" y="f13"/>
+                  <a:pt x="f14" y="f13"/>
+                </a:cubicBezTo>
+                <a:cubicBezTo>
+                  <a:pt x="f15" y="f11"/>
+                  <a:pt x="f15" y="f11"/>
+                  <a:pt x="f15" y="f11"/>
+                </a:cubicBezTo>
+                <a:lnTo>
+                  <a:pt x="f10" y="f11"/>
+                </a:lnTo>
+                <a:close/>
+                <a:moveTo>
+                  <a:pt x="f16" y="f17"/>
+                </a:moveTo>
+                <a:cubicBezTo>
+                  <a:pt x="f18" y="f19"/>
+                  <a:pt x="f18" y="f19"/>
+                  <a:pt x="f18" y="f19"/>
+                </a:cubicBezTo>
+                <a:cubicBezTo>
+                  <a:pt x="f20" y="f21"/>
+                  <a:pt x="f20" y="f21"/>
+                  <a:pt x="f20" y="f21"/>
+                </a:cubicBezTo>
+                <a:cubicBezTo>
+                  <a:pt x="f22" y="f21"/>
+                  <a:pt x="f22" y="f21"/>
+                  <a:pt x="f22" y="f21"/>
+                </a:cubicBezTo>
+                <a:lnTo>
+                  <a:pt x="f16" y="f17"/>
+                </a:lnTo>
+                <a:close/>
+              </a:path>
+            </a:pathLst>
+          </a:custGeom>
+          <a:solidFill>
+            <a:srgbClr val="2F5597"/>
+          </a:solidFill>
+          <a:ln cap="flat">
+            <a:noFill/>
+            <a:prstDash val="solid"/>
+          </a:ln>
+        </p:spPr>
+        <p:txBody>
+          <a:bodyPr vert="horz" wrap="square" lIns="91426" tIns="45717" rIns="91426" bIns="45717" anchor="t" anchorCtr="0" compatLnSpc="1">
+            <a:noAutofit/>
+          </a:bodyPr>
+          <a:lstStyle/>
+          <a:p>
+            <a:pPr defTabSz="914224">
+              <a:defRPr sz="1800" b="0" i="0" u="none" strike="noStrike" kern="0" cap="none" spc="0" baseline="0">
+                <a:solidFill>
+                  <a:srgbClr val="000000"/>
+                </a:solidFill>
+                <a:uFillTx/>
+              </a:defRPr>
+            </a:pPr>
+            <a:endParaRPr lang="en-US">
+              <a:solidFill>
+                <a:srgbClr val="505050"/>
+              </a:solidFill>
+              <a:latin typeface="Segoe UI"/>
+            </a:endParaRPr>
+          </a:p>
+        </p:txBody>
+      </p:sp>
+      <p:sp>
+        <p:nvSpPr>
+          <p:cNvPr id="5" name="Freeform 11">
+            <a:extLst>
+              <a:ext uri="{FF2B5EF4-FFF2-40B4-BE49-F238E27FC236}">
+                <a16:creationId xmlns:a16="http://schemas.microsoft.com/office/drawing/2014/main" id="{F9A4DB26-5BB0-4109-877E-61166583775F}"/>
+              </a:ext>
+            </a:extLst>
+          </p:cNvPr>
+          <p:cNvSpPr/>
+          <p:nvPr/>
+        </p:nvSpPr>
+        <p:spPr>
+          <a:xfrm>
+            <a:off x="4509714" y="248019"/>
+            <a:ext cx="236426" cy="230154"/>
+          </a:xfrm>
+          <a:custGeom>
+            <a:avLst/>
+            <a:gdLst>
+              <a:gd name="f0" fmla="val 10800000"/>
+              <a:gd name="f1" fmla="val 5400000"/>
+              <a:gd name="f2" fmla="val 180"/>
+              <a:gd name="f3" fmla="val w"/>
+              <a:gd name="f4" fmla="val h"/>
+              <a:gd name="f5" fmla="val 0"/>
+              <a:gd name="f6" fmla="val 1854"/>
+              <a:gd name="f7" fmla="val 927"/>
+              <a:gd name="f8" fmla="val 415"/>
+              <a:gd name="f9" fmla="val 1439"/>
+              <a:gd name="f10" fmla="val 758"/>
+              <a:gd name="f11" fmla="val 1319"/>
+              <a:gd name="f12" fmla="val 435"/>
+              <a:gd name="f13" fmla="val 874"/>
+              <a:gd name="f14" fmla="val 671"/>
+              <a:gd name="f15" fmla="val 995"/>
+              <a:gd name="f16" fmla="val 1027"/>
+              <a:gd name="f17" fmla="val 1284"/>
+              <a:gd name="f18" fmla="val 897"/>
+              <a:gd name="f19" fmla="val 1105"/>
+              <a:gd name="f20" fmla="val 1193"/>
+              <a:gd name="f21" fmla="val 511"/>
+              <a:gd name="f22" fmla="val 1408"/>
+              <a:gd name="f23" fmla="+- 0 0 -90"/>
+              <a:gd name="f24" fmla="*/ f3 1 1854"/>
+              <a:gd name="f25" fmla="*/ f4 1 1854"/>
+              <a:gd name="f26" fmla="val f5"/>
+              <a:gd name="f27" fmla="val f6"/>
+              <a:gd name="f28" fmla="*/ f23 f0 1"/>
+              <a:gd name="f29" fmla="+- f27 0 f26"/>
+              <a:gd name="f30" fmla="*/ f28 1 f2"/>
+              <a:gd name="f31" fmla="*/ f29 1 1854"/>
+              <a:gd name="f32" fmla="*/ 927 f29 1"/>
+              <a:gd name="f33" fmla="*/ 0 f29 1"/>
+              <a:gd name="f34" fmla="*/ 1854 f29 1"/>
+              <a:gd name="f35" fmla="*/ 758 f29 1"/>
+              <a:gd name="f36" fmla="*/ 1319 f29 1"/>
+              <a:gd name="f37" fmla="*/ 435 f29 1"/>
+              <a:gd name="f38" fmla="*/ 874 f29 1"/>
+              <a:gd name="f39" fmla="*/ 671 f29 1"/>
+              <a:gd name="f40" fmla="*/ 995 f29 1"/>
+              <a:gd name="f41" fmla="*/ 1027 f29 1"/>
+              <a:gd name="f42" fmla="*/ 1284 f29 1"/>
+              <a:gd name="f43" fmla="*/ 897 f29 1"/>
+              <a:gd name="f44" fmla="*/ 1105 f29 1"/>
+              <a:gd name="f45" fmla="*/ 1193 f29 1"/>
+              <a:gd name="f46" fmla="*/ 511 f29 1"/>
+              <a:gd name="f47" fmla="*/ 1408 f29 1"/>
+              <a:gd name="f48" fmla="+- f30 0 f1"/>
+              <a:gd name="f49" fmla="*/ f32 1 1854"/>
+              <a:gd name="f50" fmla="*/ f33 1 1854"/>
+              <a:gd name="f51" fmla="*/ f34 1 1854"/>
+              <a:gd name="f52" fmla="*/ f35 1 1854"/>
+              <a:gd name="f53" fmla="*/ f36 1 1854"/>
+              <a:gd name="f54" fmla="*/ f37 1 1854"/>
+              <a:gd name="f55" fmla="*/ f38 1 1854"/>
+              <a:gd name="f56" fmla="*/ f39 1 1854"/>
+              <a:gd name="f57" fmla="*/ f40 1 1854"/>
+              <a:gd name="f58" fmla="*/ f41 1 1854"/>
+              <a:gd name="f59" fmla="*/ f42 1 1854"/>
+              <a:gd name="f60" fmla="*/ f43 1 1854"/>
+              <a:gd name="f61" fmla="*/ f44 1 1854"/>
+              <a:gd name="f62" fmla="*/ f45 1 1854"/>
+              <a:gd name="f63" fmla="*/ f46 1 1854"/>
+              <a:gd name="f64" fmla="*/ f47 1 1854"/>
+              <a:gd name="f65" fmla="*/ 0 1 f31"/>
+              <a:gd name="f66" fmla="*/ f27 1 f31"/>
+              <a:gd name="f67" fmla="*/ f49 1 f31"/>
+              <a:gd name="f68" fmla="*/ f50 1 f31"/>
+              <a:gd name="f69" fmla="*/ f51 1 f31"/>
+              <a:gd name="f70" fmla="*/ f52 1 f31"/>
+              <a:gd name="f71" fmla="*/ f53 1 f31"/>
+              <a:gd name="f72" fmla="*/ f54 1 f31"/>
+              <a:gd name="f73" fmla="*/ f55 1 f31"/>
+              <a:gd name="f74" fmla="*/ f56 1 f31"/>
+              <a:gd name="f75" fmla="*/ f57 1 f31"/>
+              <a:gd name="f76" fmla="*/ f58 1 f31"/>
+              <a:gd name="f77" fmla="*/ f59 1 f31"/>
+              <a:gd name="f78" fmla="*/ f60 1 f31"/>
+              <a:gd name="f79" fmla="*/ f61 1 f31"/>
+              <a:gd name="f80" fmla="*/ f62 1 f31"/>
+              <a:gd name="f81" fmla="*/ f63 1 f31"/>
+              <a:gd name="f82" fmla="*/ f64 1 f31"/>
+              <a:gd name="f83" fmla="*/ f65 f24 1"/>
+              <a:gd name="f84" fmla="*/ f66 f24 1"/>
+              <a:gd name="f85" fmla="*/ f66 f25 1"/>
+              <a:gd name="f86" fmla="*/ f65 f25 1"/>
+              <a:gd name="f87" fmla="*/ f67 f24 1"/>
+              <a:gd name="f88" fmla="*/ f68 f25 1"/>
+              <a:gd name="f89" fmla="*/ f68 f24 1"/>
+              <a:gd name="f90" fmla="*/ f67 f25 1"/>
+              <a:gd name="f91" fmla="*/ f69 f25 1"/>
+              <a:gd name="f92" fmla="*/ f69 f24 1"/>
+              <a:gd name="f93" fmla="*/ f70 f24 1"/>
+              <a:gd name="f94" fmla="*/ f71 f25 1"/>
+              <a:gd name="f95" fmla="*/ f72 f24 1"/>
+              <a:gd name="f96" fmla="*/ f73 f25 1"/>
+              <a:gd name="f97" fmla="*/ f74 f24 1"/>
+              <a:gd name="f98" fmla="*/ f75 f24 1"/>
+              <a:gd name="f99" fmla="*/ f76 f24 1"/>
+              <a:gd name="f100" fmla="*/ f77 f25 1"/>
+              <a:gd name="f101" fmla="*/ f78 f24 1"/>
+              <a:gd name="f102" fmla="*/ f79 f25 1"/>
+              <a:gd name="f103" fmla="*/ f80 f24 1"/>
+              <a:gd name="f104" fmla="*/ f81 f25 1"/>
+              <a:gd name="f105" fmla="*/ f82 f24 1"/>
+            </a:gdLst>
+            <a:ahLst/>
+            <a:cxnLst>
+              <a:cxn ang="3cd4">
+                <a:pos x="hc" y="t"/>
+              </a:cxn>
+              <a:cxn ang="0">
+                <a:pos x="r" y="vc"/>
+              </a:cxn>
+              <a:cxn ang="cd4">
+                <a:pos x="hc" y="b"/>
+              </a:cxn>
+              <a:cxn ang="cd2">
+                <a:pos x="l" y="vc"/>
+              </a:cxn>
+              <a:cxn ang="f48">
+                <a:pos x="f87" y="f88"/>
+              </a:cxn>
+              <a:cxn ang="f48">
+                <a:pos x="f89" y="f90"/>
+              </a:cxn>
+              <a:cxn ang="f48">
+                <a:pos x="f87" y="f91"/>
+              </a:cxn>
+              <a:cxn ang="f48">
+                <a:pos x="f92" y="f90"/>
+              </a:cxn>
+              <a:cxn ang="f48">
+                <a:pos x="f87" y="f88"/>
+              </a:cxn>
+              <a:cxn ang="f48">
+                <a:pos x="f93" y="f94"/>
+              </a:cxn>
+              <a:cxn ang="f48">
+                <a:pos x="f95" y="f96"/>
+              </a:cxn>
+              <a:cxn ang="f48">
+                <a:pos x="f97" y="f96"/>
+              </a:cxn>
+              <a:cxn ang="f48">
+                <a:pos x="f98" y="f94"/>
+              </a:cxn>
+              <a:cxn ang="f48">
+                <a:pos x="f93" y="f94"/>
+              </a:cxn>
+              <a:cxn ang="f48">
+                <a:pos x="f99" y="f100"/>
+              </a:cxn>
+              <a:cxn ang="f48">
+                <a:pos x="f101" y="f102"/>
+              </a:cxn>
+              <a:cxn ang="f48">
+                <a:pos x="f103" y="f104"/>
+              </a:cxn>
+              <a:cxn ang="f48">
+                <a:pos x="f105" y="f104"/>
+              </a:cxn>
+              <a:cxn ang="f48">
+                <a:pos x="f99" y="f100"/>
+              </a:cxn>
+            </a:cxnLst>
+            <a:rect l="f83" t="f86" r="f84" b="f85"/>
+            <a:pathLst>
+              <a:path w="1854" h="1854">
+                <a:moveTo>
+                  <a:pt x="f7" y="f5"/>
+                </a:moveTo>
+                <a:cubicBezTo>
+                  <a:pt x="f8" y="f5"/>
+                  <a:pt x="f5" y="f8"/>
+                  <a:pt x="f5" y="f7"/>
+                </a:cubicBezTo>
+                <a:cubicBezTo>
+                  <a:pt x="f5" y="f9"/>
+                  <a:pt x="f8" y="f6"/>
+                  <a:pt x="f7" y="f6"/>
+                </a:cubicBezTo>
+                <a:cubicBezTo>
+                  <a:pt x="f9" y="f6"/>
+                  <a:pt x="f6" y="f9"/>
+                  <a:pt x="f6" y="f7"/>
+                </a:cubicBezTo>
+                <a:cubicBezTo>
+                  <a:pt x="f6" y="f8"/>
+                  <a:pt x="f9" y="f5"/>
+                  <a:pt x="f7" y="f5"/>
+                </a:cubicBezTo>
+                <a:close/>
+                <a:moveTo>
+                  <a:pt x="f10" y="f11"/>
+                </a:moveTo>
+                <a:cubicBezTo>
+                  <a:pt x="f12" y="f13"/>
+                  <a:pt x="f12" y="f13"/>
+                  <a:pt x="f12" y="f13"/>
+                </a:cubicBezTo>
+                <a:cubicBezTo>
+                  <a:pt x="f14" y="f13"/>
+                  <a:pt x="f14" y="f13"/>
+                  <a:pt x="f14" y="f13"/>
+                </a:cubicBezTo>
+                <a:cubicBezTo>
+                  <a:pt x="f15" y="f11"/>
+                  <a:pt x="f15" y="f11"/>
+                  <a:pt x="f15" y="f11"/>
+                </a:cubicBezTo>
+                <a:lnTo>
+                  <a:pt x="f10" y="f11"/>
+                </a:lnTo>
+                <a:close/>
+                <a:moveTo>
+                  <a:pt x="f16" y="f17"/>
+                </a:moveTo>
+                <a:cubicBezTo>
+                  <a:pt x="f18" y="f19"/>
+                  <a:pt x="f18" y="f19"/>
+                  <a:pt x="f18" y="f19"/>
+                </a:cubicBezTo>
+                <a:cubicBezTo>
+                  <a:pt x="f20" y="f21"/>
+                  <a:pt x="f20" y="f21"/>
+                  <a:pt x="f20" y="f21"/>
+                </a:cubicBezTo>
+                <a:cubicBezTo>
+                  <a:pt x="f22" y="f21"/>
+                  <a:pt x="f22" y="f21"/>
+                  <a:pt x="f22" y="f21"/>
+                </a:cubicBezTo>
+                <a:lnTo>
+                  <a:pt x="f16" y="f17"/>
+                </a:lnTo>
+                <a:close/>
+              </a:path>
+            </a:pathLst>
+          </a:custGeom>
+          <a:solidFill>
+            <a:schemeClr val="bg2">
+              <a:lumMod val="90000"/>
+            </a:schemeClr>
+          </a:solidFill>
+          <a:ln cap="flat">
+            <a:noFill/>
+            <a:prstDash val="solid"/>
+          </a:ln>
+        </p:spPr>
+        <p:txBody>
+          <a:bodyPr vert="horz" wrap="square" lIns="91426" tIns="45717" rIns="91426" bIns="45717" anchor="t" anchorCtr="0" compatLnSpc="1">
+            <a:noAutofit/>
+          </a:bodyPr>
+          <a:lstStyle/>
+          <a:p>
+            <a:pPr defTabSz="914224">
+              <a:defRPr sz="1800" b="0" i="0" u="none" strike="noStrike" kern="0" cap="none" spc="0" baseline="0">
+                <a:solidFill>
+                  <a:srgbClr val="000000"/>
+                </a:solidFill>
+                <a:uFillTx/>
+              </a:defRPr>
+            </a:pPr>
+            <a:endParaRPr lang="en-US">
+              <a:solidFill>
+                <a:srgbClr val="505050"/>
+              </a:solidFill>
+              <a:latin typeface="Segoe UI"/>
+            </a:endParaRPr>
+          </a:p>
+        </p:txBody>
+      </p:sp>
+      <p:sp>
+        <p:nvSpPr>
+          <p:cNvPr id="6" name="Freeform 11">
+            <a:extLst>
+              <a:ext uri="{FF2B5EF4-FFF2-40B4-BE49-F238E27FC236}">
+                <a16:creationId xmlns:a16="http://schemas.microsoft.com/office/drawing/2014/main" id="{2E088FE7-28E7-4988-A2B3-745E64167E77}"/>
+              </a:ext>
+            </a:extLst>
+          </p:cNvPr>
+          <p:cNvSpPr/>
+          <p:nvPr/>
+        </p:nvSpPr>
+        <p:spPr>
+          <a:xfrm>
+            <a:off x="7510942" y="248019"/>
+            <a:ext cx="236426" cy="230154"/>
+          </a:xfrm>
+          <a:custGeom>
+            <a:avLst/>
+            <a:gdLst>
+              <a:gd name="f0" fmla="val 10800000"/>
+              <a:gd name="f1" fmla="val 5400000"/>
+              <a:gd name="f2" fmla="val 180"/>
+              <a:gd name="f3" fmla="val w"/>
+              <a:gd name="f4" fmla="val h"/>
+              <a:gd name="f5" fmla="val 0"/>
+              <a:gd name="f6" fmla="val 1854"/>
+              <a:gd name="f7" fmla="val 927"/>
+              <a:gd name="f8" fmla="val 415"/>
+              <a:gd name="f9" fmla="val 1439"/>
+              <a:gd name="f10" fmla="val 758"/>
+              <a:gd name="f11" fmla="val 1319"/>
+              <a:gd name="f12" fmla="val 435"/>
+              <a:gd name="f13" fmla="val 874"/>
+              <a:gd name="f14" fmla="val 671"/>
+              <a:gd name="f15" fmla="val 995"/>
+              <a:gd name="f16" fmla="val 1027"/>
+              <a:gd name="f17" fmla="val 1284"/>
+              <a:gd name="f18" fmla="val 897"/>
+              <a:gd name="f19" fmla="val 1105"/>
+              <a:gd name="f20" fmla="val 1193"/>
+              <a:gd name="f21" fmla="val 511"/>
+              <a:gd name="f22" fmla="val 1408"/>
+              <a:gd name="f23" fmla="+- 0 0 -90"/>
+              <a:gd name="f24" fmla="*/ f3 1 1854"/>
+              <a:gd name="f25" fmla="*/ f4 1 1854"/>
+              <a:gd name="f26" fmla="val f5"/>
+              <a:gd name="f27" fmla="val f6"/>
+              <a:gd name="f28" fmla="*/ f23 f0 1"/>
+              <a:gd name="f29" fmla="+- f27 0 f26"/>
+              <a:gd name="f30" fmla="*/ f28 1 f2"/>
+              <a:gd name="f31" fmla="*/ f29 1 1854"/>
+              <a:gd name="f32" fmla="*/ 927 f29 1"/>
+              <a:gd name="f33" fmla="*/ 0 f29 1"/>
+              <a:gd name="f34" fmla="*/ 1854 f29 1"/>
+              <a:gd name="f35" fmla="*/ 758 f29 1"/>
+              <a:gd name="f36" fmla="*/ 1319 f29 1"/>
+              <a:gd name="f37" fmla="*/ 435 f29 1"/>
+              <a:gd name="f38" fmla="*/ 874 f29 1"/>
+              <a:gd name="f39" fmla="*/ 671 f29 1"/>
+              <a:gd name="f40" fmla="*/ 995 f29 1"/>
+              <a:gd name="f41" fmla="*/ 1027 f29 1"/>
+              <a:gd name="f42" fmla="*/ 1284 f29 1"/>
+              <a:gd name="f43" fmla="*/ 897 f29 1"/>
+              <a:gd name="f44" fmla="*/ 1105 f29 1"/>
+              <a:gd name="f45" fmla="*/ 1193 f29 1"/>
+              <a:gd name="f46" fmla="*/ 511 f29 1"/>
+              <a:gd name="f47" fmla="*/ 1408 f29 1"/>
+              <a:gd name="f48" fmla="+- f30 0 f1"/>
+              <a:gd name="f49" fmla="*/ f32 1 1854"/>
+              <a:gd name="f50" fmla="*/ f33 1 1854"/>
+              <a:gd name="f51" fmla="*/ f34 1 1854"/>
+              <a:gd name="f52" fmla="*/ f35 1 1854"/>
+              <a:gd name="f53" fmla="*/ f36 1 1854"/>
+              <a:gd name="f54" fmla="*/ f37 1 1854"/>
+              <a:gd name="f55" fmla="*/ f38 1 1854"/>
+              <a:gd name="f56" fmla="*/ f39 1 1854"/>
+              <a:gd name="f57" fmla="*/ f40 1 1854"/>
+              <a:gd name="f58" fmla="*/ f41 1 1854"/>
+              <a:gd name="f59" fmla="*/ f42 1 1854"/>
+              <a:gd name="f60" fmla="*/ f43 1 1854"/>
+              <a:gd name="f61" fmla="*/ f44 1 1854"/>
+              <a:gd name="f62" fmla="*/ f45 1 1854"/>
+              <a:gd name="f63" fmla="*/ f46 1 1854"/>
+              <a:gd name="f64" fmla="*/ f47 1 1854"/>
+              <a:gd name="f65" fmla="*/ 0 1 f31"/>
+              <a:gd name="f66" fmla="*/ f27 1 f31"/>
+              <a:gd name="f67" fmla="*/ f49 1 f31"/>
+              <a:gd name="f68" fmla="*/ f50 1 f31"/>
+              <a:gd name="f69" fmla="*/ f51 1 f31"/>
+              <a:gd name="f70" fmla="*/ f52 1 f31"/>
+              <a:gd name="f71" fmla="*/ f53 1 f31"/>
+              <a:gd name="f72" fmla="*/ f54 1 f31"/>
+              <a:gd name="f73" fmla="*/ f55 1 f31"/>
+              <a:gd name="f74" fmla="*/ f56 1 f31"/>
+              <a:gd name="f75" fmla="*/ f57 1 f31"/>
+              <a:gd name="f76" fmla="*/ f58 1 f31"/>
+              <a:gd name="f77" fmla="*/ f59 1 f31"/>
+              <a:gd name="f78" fmla="*/ f60 1 f31"/>
+              <a:gd name="f79" fmla="*/ f61 1 f31"/>
+              <a:gd name="f80" fmla="*/ f62 1 f31"/>
+              <a:gd name="f81" fmla="*/ f63 1 f31"/>
+              <a:gd name="f82" fmla="*/ f64 1 f31"/>
+              <a:gd name="f83" fmla="*/ f65 f24 1"/>
+              <a:gd name="f84" fmla="*/ f66 f24 1"/>
+              <a:gd name="f85" fmla="*/ f66 f25 1"/>
+              <a:gd name="f86" fmla="*/ f65 f25 1"/>
+              <a:gd name="f87" fmla="*/ f67 f24 1"/>
+              <a:gd name="f88" fmla="*/ f68 f25 1"/>
+              <a:gd name="f89" fmla="*/ f68 f24 1"/>
+              <a:gd name="f90" fmla="*/ f67 f25 1"/>
+              <a:gd name="f91" fmla="*/ f69 f25 1"/>
+              <a:gd name="f92" fmla="*/ f69 f24 1"/>
+              <a:gd name="f93" fmla="*/ f70 f24 1"/>
+              <a:gd name="f94" fmla="*/ f71 f25 1"/>
+              <a:gd name="f95" fmla="*/ f72 f24 1"/>
+              <a:gd name="f96" fmla="*/ f73 f25 1"/>
+              <a:gd name="f97" fmla="*/ f74 f24 1"/>
+              <a:gd name="f98" fmla="*/ f75 f24 1"/>
+              <a:gd name="f99" fmla="*/ f76 f24 1"/>
+              <a:gd name="f100" fmla="*/ f77 f25 1"/>
+              <a:gd name="f101" fmla="*/ f78 f24 1"/>
+              <a:gd name="f102" fmla="*/ f79 f25 1"/>
+              <a:gd name="f103" fmla="*/ f80 f24 1"/>
+              <a:gd name="f104" fmla="*/ f81 f25 1"/>
+              <a:gd name="f105" fmla="*/ f82 f24 1"/>
+            </a:gdLst>
+            <a:ahLst/>
+            <a:cxnLst>
+              <a:cxn ang="3cd4">
+                <a:pos x="hc" y="t"/>
+              </a:cxn>
+              <a:cxn ang="0">
+                <a:pos x="r" y="vc"/>
+              </a:cxn>
+              <a:cxn ang="cd4">
+                <a:pos x="hc" y="b"/>
+              </a:cxn>
+              <a:cxn ang="cd2">
+                <a:pos x="l" y="vc"/>
+              </a:cxn>
+              <a:cxn ang="f48">
+                <a:pos x="f87" y="f88"/>
+              </a:cxn>
+              <a:cxn ang="f48">
+                <a:pos x="f89" y="f90"/>
+              </a:cxn>
+              <a:cxn ang="f48">
+                <a:pos x="f87" y="f91"/>
+              </a:cxn>
+              <a:cxn ang="f48">
+                <a:pos x="f92" y="f90"/>
+              </a:cxn>
+              <a:cxn ang="f48">
+                <a:pos x="f87" y="f88"/>
+              </a:cxn>
+              <a:cxn ang="f48">
+                <a:pos x="f93" y="f94"/>
+              </a:cxn>
+              <a:cxn ang="f48">
+                <a:pos x="f95" y="f96"/>
+              </a:cxn>
+              <a:cxn ang="f48">
+                <a:pos x="f97" y="f96"/>
+              </a:cxn>
+              <a:cxn ang="f48">
+                <a:pos x="f98" y="f94"/>
+              </a:cxn>
+              <a:cxn ang="f48">
+                <a:pos x="f93" y="f94"/>
+              </a:cxn>
+              <a:cxn ang="f48">
+                <a:pos x="f99" y="f100"/>
+              </a:cxn>
+              <a:cxn ang="f48">
+                <a:pos x="f101" y="f102"/>
+              </a:cxn>
+              <a:cxn ang="f48">
+                <a:pos x="f103" y="f104"/>
+              </a:cxn>
+              <a:cxn ang="f48">
+                <a:pos x="f105" y="f104"/>
+              </a:cxn>
+              <a:cxn ang="f48">
+                <a:pos x="f99" y="f100"/>
+              </a:cxn>
+            </a:cxnLst>
+            <a:rect l="f83" t="f86" r="f84" b="f85"/>
+            <a:pathLst>
+              <a:path w="1854" h="1854">
+                <a:moveTo>
+                  <a:pt x="f7" y="f5"/>
+                </a:moveTo>
+                <a:cubicBezTo>
+                  <a:pt x="f8" y="f5"/>
+                  <a:pt x="f5" y="f8"/>
+                  <a:pt x="f5" y="f7"/>
+                </a:cubicBezTo>
+                <a:cubicBezTo>
+                  <a:pt x="f5" y="f9"/>
+                  <a:pt x="f8" y="f6"/>
+                  <a:pt x="f7" y="f6"/>
+                </a:cubicBezTo>
+                <a:cubicBezTo>
+                  <a:pt x="f9" y="f6"/>
+                  <a:pt x="f6" y="f9"/>
+                  <a:pt x="f6" y="f7"/>
+                </a:cubicBezTo>
+                <a:cubicBezTo>
+                  <a:pt x="f6" y="f8"/>
+                  <a:pt x="f9" y="f5"/>
+                  <a:pt x="f7" y="f5"/>
+                </a:cubicBezTo>
+                <a:close/>
+                <a:moveTo>
+                  <a:pt x="f10" y="f11"/>
+                </a:moveTo>
+                <a:cubicBezTo>
+                  <a:pt x="f12" y="f13"/>
+                  <a:pt x="f12" y="f13"/>
+                  <a:pt x="f12" y="f13"/>
+                </a:cubicBezTo>
+                <a:cubicBezTo>
+                  <a:pt x="f14" y="f13"/>
+                  <a:pt x="f14" y="f13"/>
+                  <a:pt x="f14" y="f13"/>
+                </a:cubicBezTo>
+                <a:cubicBezTo>
+                  <a:pt x="f15" y="f11"/>
+                  <a:pt x="f15" y="f11"/>
+                  <a:pt x="f15" y="f11"/>
+                </a:cubicBezTo>
+                <a:lnTo>
+                  <a:pt x="f10" y="f11"/>
+                </a:lnTo>
+                <a:close/>
+                <a:moveTo>
+                  <a:pt x="f16" y="f17"/>
+                </a:moveTo>
+                <a:cubicBezTo>
+                  <a:pt x="f18" y="f19"/>
+                  <a:pt x="f18" y="f19"/>
+                  <a:pt x="f18" y="f19"/>
+                </a:cubicBezTo>
+                <a:cubicBezTo>
+                  <a:pt x="f20" y="f21"/>
+                  <a:pt x="f20" y="f21"/>
+                  <a:pt x="f20" y="f21"/>
+                </a:cubicBezTo>
+                <a:cubicBezTo>
+                  <a:pt x="f22" y="f21"/>
+                  <a:pt x="f22" y="f21"/>
+                  <a:pt x="f22" y="f21"/>
+                </a:cubicBezTo>
+                <a:lnTo>
+                  <a:pt x="f16" y="f17"/>
+                </a:lnTo>
+                <a:close/>
+              </a:path>
+            </a:pathLst>
+          </a:custGeom>
+          <a:solidFill>
+            <a:schemeClr val="bg2"/>
+          </a:solidFill>
+          <a:ln cap="flat">
+            <a:noFill/>
+            <a:prstDash val="solid"/>
+          </a:ln>
+        </p:spPr>
+        <p:txBody>
+          <a:bodyPr vert="horz" wrap="square" lIns="91426" tIns="45717" rIns="91426" bIns="45717" anchor="t" anchorCtr="0" compatLnSpc="1">
+            <a:noAutofit/>
+          </a:bodyPr>
+          <a:lstStyle/>
+          <a:p>
+            <a:pPr defTabSz="914224">
+              <a:defRPr sz="1800" b="0" i="0" u="none" strike="noStrike" kern="0" cap="none" spc="0" baseline="0">
+                <a:solidFill>
+                  <a:srgbClr val="000000"/>
+                </a:solidFill>
+                <a:uFillTx/>
+              </a:defRPr>
+            </a:pPr>
+            <a:endParaRPr lang="en-US">
+              <a:solidFill>
+                <a:srgbClr val="505050"/>
+              </a:solidFill>
+              <a:latin typeface="Segoe UI"/>
+            </a:endParaRPr>
+          </a:p>
+        </p:txBody>
+      </p:sp>
+      <p:sp>
+        <p:nvSpPr>
+          <p:cNvPr id="7" name="Freeform 11">
+            <a:extLst>
+              <a:ext uri="{FF2B5EF4-FFF2-40B4-BE49-F238E27FC236}">
+                <a16:creationId xmlns:a16="http://schemas.microsoft.com/office/drawing/2014/main" id="{F9B105B5-F0AA-495F-AC9D-0F7362E1F5AE}"/>
+              </a:ext>
+            </a:extLst>
+          </p:cNvPr>
+          <p:cNvSpPr/>
+          <p:nvPr/>
+        </p:nvSpPr>
+        <p:spPr>
+          <a:xfrm>
+            <a:off x="10512170" y="248019"/>
+            <a:ext cx="236426" cy="230154"/>
+          </a:xfrm>
+          <a:custGeom>
+            <a:avLst/>
+            <a:gdLst>
+              <a:gd name="f0" fmla="val 10800000"/>
+              <a:gd name="f1" fmla="val 5400000"/>
+              <a:gd name="f2" fmla="val 180"/>
+              <a:gd name="f3" fmla="val w"/>
+              <a:gd name="f4" fmla="val h"/>
+              <a:gd name="f5" fmla="val 0"/>
+              <a:gd name="f6" fmla="val 1854"/>
+              <a:gd name="f7" fmla="val 927"/>
+              <a:gd name="f8" fmla="val 415"/>
+              <a:gd name="f9" fmla="val 1439"/>
+              <a:gd name="f10" fmla="val 758"/>
+              <a:gd name="f11" fmla="val 1319"/>
+              <a:gd name="f12" fmla="val 435"/>
+              <a:gd name="f13" fmla="val 874"/>
+              <a:gd name="f14" fmla="val 671"/>
+              <a:gd name="f15" fmla="val 995"/>
+              <a:gd name="f16" fmla="val 1027"/>
+              <a:gd name="f17" fmla="val 1284"/>
+              <a:gd name="f18" fmla="val 897"/>
+              <a:gd name="f19" fmla="val 1105"/>
+              <a:gd name="f20" fmla="val 1193"/>
+              <a:gd name="f21" fmla="val 511"/>
+              <a:gd name="f22" fmla="val 1408"/>
+              <a:gd name="f23" fmla="+- 0 0 -90"/>
+              <a:gd name="f24" fmla="*/ f3 1 1854"/>
+              <a:gd name="f25" fmla="*/ f4 1 1854"/>
+              <a:gd name="f26" fmla="val f5"/>
+              <a:gd name="f27" fmla="val f6"/>
+              <a:gd name="f28" fmla="*/ f23 f0 1"/>
+              <a:gd name="f29" fmla="+- f27 0 f26"/>
+              <a:gd name="f30" fmla="*/ f28 1 f2"/>
+              <a:gd name="f31" fmla="*/ f29 1 1854"/>
+              <a:gd name="f32" fmla="*/ 927 f29 1"/>
+              <a:gd name="f33" fmla="*/ 0 f29 1"/>
+              <a:gd name="f34" fmla="*/ 1854 f29 1"/>
+              <a:gd name="f35" fmla="*/ 758 f29 1"/>
+              <a:gd name="f36" fmla="*/ 1319 f29 1"/>
+              <a:gd name="f37" fmla="*/ 435 f29 1"/>
+              <a:gd name="f38" fmla="*/ 874 f29 1"/>
+              <a:gd name="f39" fmla="*/ 671 f29 1"/>
+              <a:gd name="f40" fmla="*/ 995 f29 1"/>
+              <a:gd name="f41" fmla="*/ 1027 f29 1"/>
+              <a:gd name="f42" fmla="*/ 1284 f29 1"/>
+              <a:gd name="f43" fmla="*/ 897 f29 1"/>
+              <a:gd name="f44" fmla="*/ 1105 f29 1"/>
+              <a:gd name="f45" fmla="*/ 1193 f29 1"/>
+              <a:gd name="f46" fmla="*/ 511 f29 1"/>
+              <a:gd name="f47" fmla="*/ 1408 f29 1"/>
+              <a:gd name="f48" fmla="+- f30 0 f1"/>
+              <a:gd name="f49" fmla="*/ f32 1 1854"/>
+              <a:gd name="f50" fmla="*/ f33 1 1854"/>
+              <a:gd name="f51" fmla="*/ f34 1 1854"/>
+              <a:gd name="f52" fmla="*/ f35 1 1854"/>
+              <a:gd name="f53" fmla="*/ f36 1 1854"/>
+              <a:gd name="f54" fmla="*/ f37 1 1854"/>
+              <a:gd name="f55" fmla="*/ f38 1 1854"/>
+              <a:gd name="f56" fmla="*/ f39 1 1854"/>
+              <a:gd name="f57" fmla="*/ f40 1 1854"/>
+              <a:gd name="f58" fmla="*/ f41 1 1854"/>
+              <a:gd name="f59" fmla="*/ f42 1 1854"/>
+              <a:gd name="f60" fmla="*/ f43 1 1854"/>
+              <a:gd name="f61" fmla="*/ f44 1 1854"/>
+              <a:gd name="f62" fmla="*/ f45 1 1854"/>
+              <a:gd name="f63" fmla="*/ f46 1 1854"/>
+              <a:gd name="f64" fmla="*/ f47 1 1854"/>
+              <a:gd name="f65" fmla="*/ 0 1 f31"/>
+              <a:gd name="f66" fmla="*/ f27 1 f31"/>
+              <a:gd name="f67" fmla="*/ f49 1 f31"/>
+              <a:gd name="f68" fmla="*/ f50 1 f31"/>
+              <a:gd name="f69" fmla="*/ f51 1 f31"/>
+              <a:gd name="f70" fmla="*/ f52 1 f31"/>
+              <a:gd name="f71" fmla="*/ f53 1 f31"/>
+              <a:gd name="f72" fmla="*/ f54 1 f31"/>
+              <a:gd name="f73" fmla="*/ f55 1 f31"/>
+              <a:gd name="f74" fmla="*/ f56 1 f31"/>
+              <a:gd name="f75" fmla="*/ f57 1 f31"/>
+              <a:gd name="f76" fmla="*/ f58 1 f31"/>
+              <a:gd name="f77" fmla="*/ f59 1 f31"/>
+              <a:gd name="f78" fmla="*/ f60 1 f31"/>
+              <a:gd name="f79" fmla="*/ f61 1 f31"/>
+              <a:gd name="f80" fmla="*/ f62 1 f31"/>
+              <a:gd name="f81" fmla="*/ f63 1 f31"/>
+              <a:gd name="f82" fmla="*/ f64 1 f31"/>
+              <a:gd name="f83" fmla="*/ f65 f24 1"/>
+              <a:gd name="f84" fmla="*/ f66 f24 1"/>
+              <a:gd name="f85" fmla="*/ f66 f25 1"/>
+              <a:gd name="f86" fmla="*/ f65 f25 1"/>
+              <a:gd name="f87" fmla="*/ f67 f24 1"/>
+              <a:gd name="f88" fmla="*/ f68 f25 1"/>
+              <a:gd name="f89" fmla="*/ f68 f24 1"/>
+              <a:gd name="f90" fmla="*/ f67 f25 1"/>
+              <a:gd name="f91" fmla="*/ f69 f25 1"/>
+              <a:gd name="f92" fmla="*/ f69 f24 1"/>
+              <a:gd name="f93" fmla="*/ f70 f24 1"/>
+              <a:gd name="f94" fmla="*/ f71 f25 1"/>
+              <a:gd name="f95" fmla="*/ f72 f24 1"/>
+              <a:gd name="f96" fmla="*/ f73 f25 1"/>
+              <a:gd name="f97" fmla="*/ f74 f24 1"/>
+              <a:gd name="f98" fmla="*/ f75 f24 1"/>
+              <a:gd name="f99" fmla="*/ f76 f24 1"/>
+              <a:gd name="f100" fmla="*/ f77 f25 1"/>
+              <a:gd name="f101" fmla="*/ f78 f24 1"/>
+              <a:gd name="f102" fmla="*/ f79 f25 1"/>
+              <a:gd name="f103" fmla="*/ f80 f24 1"/>
+              <a:gd name="f104" fmla="*/ f81 f25 1"/>
+              <a:gd name="f105" fmla="*/ f82 f24 1"/>
+            </a:gdLst>
+            <a:ahLst/>
+            <a:cxnLst>
+              <a:cxn ang="3cd4">
+                <a:pos x="hc" y="t"/>
+              </a:cxn>
+              <a:cxn ang="0">
+                <a:pos x="r" y="vc"/>
+              </a:cxn>
+              <a:cxn ang="cd4">
+                <a:pos x="hc" y="b"/>
+              </a:cxn>
+              <a:cxn ang="cd2">
+                <a:pos x="l" y="vc"/>
+              </a:cxn>
+              <a:cxn ang="f48">
+                <a:pos x="f87" y="f88"/>
+              </a:cxn>
+              <a:cxn ang="f48">
+                <a:pos x="f89" y="f90"/>
+              </a:cxn>
+              <a:cxn ang="f48">
+                <a:pos x="f87" y="f91"/>
+              </a:cxn>
+              <a:cxn ang="f48">
+                <a:pos x="f92" y="f90"/>
+              </a:cxn>
+              <a:cxn ang="f48">
+                <a:pos x="f87" y="f88"/>
+              </a:cxn>
+              <a:cxn ang="f48">
+                <a:pos x="f93" y="f94"/>
+              </a:cxn>
+              <a:cxn ang="f48">
+                <a:pos x="f95" y="f96"/>
+              </a:cxn>
+              <a:cxn ang="f48">
+                <a:pos x="f97" y="f96"/>
+              </a:cxn>
+              <a:cxn ang="f48">
+                <a:pos x="f98" y="f94"/>
+              </a:cxn>
+              <a:cxn ang="f48">
+                <a:pos x="f93" y="f94"/>
+              </a:cxn>
+              <a:cxn ang="f48">
+                <a:pos x="f99" y="f100"/>
+              </a:cxn>
+              <a:cxn ang="f48">
+                <a:pos x="f101" y="f102"/>
+              </a:cxn>
+              <a:cxn ang="f48">
+                <a:pos x="f103" y="f104"/>
+              </a:cxn>
+              <a:cxn ang="f48">
+                <a:pos x="f105" y="f104"/>
+              </a:cxn>
+              <a:cxn ang="f48">
+                <a:pos x="f99" y="f100"/>
+              </a:cxn>
+            </a:cxnLst>
+            <a:rect l="f83" t="f86" r="f84" b="f85"/>
+            <a:pathLst>
+              <a:path w="1854" h="1854">
+                <a:moveTo>
+                  <a:pt x="f7" y="f5"/>
+                </a:moveTo>
+                <a:cubicBezTo>
+                  <a:pt x="f8" y="f5"/>
+                  <a:pt x="f5" y="f8"/>
+                  <a:pt x="f5" y="f7"/>
+                </a:cubicBezTo>
+                <a:cubicBezTo>
+                  <a:pt x="f5" y="f9"/>
+                  <a:pt x="f8" y="f6"/>
+                  <a:pt x="f7" y="f6"/>
+                </a:cubicBezTo>
+                <a:cubicBezTo>
+                  <a:pt x="f9" y="f6"/>
+                  <a:pt x="f6" y="f9"/>
+                  <a:pt x="f6" y="f7"/>
+                </a:cubicBezTo>
+                <a:cubicBezTo>
+                  <a:pt x="f6" y="f8"/>
+                  <a:pt x="f9" y="f5"/>
+                  <a:pt x="f7" y="f5"/>
+                </a:cubicBezTo>
+                <a:close/>
+                <a:moveTo>
+                  <a:pt x="f10" y="f11"/>
+                </a:moveTo>
+                <a:cubicBezTo>
+                  <a:pt x="f12" y="f13"/>
+                  <a:pt x="f12" y="f13"/>
+                  <a:pt x="f12" y="f13"/>
+                </a:cubicBezTo>
+                <a:cubicBezTo>
+                  <a:pt x="f14" y="f13"/>
+                  <a:pt x="f14" y="f13"/>
+                  <a:pt x="f14" y="f13"/>
+                </a:cubicBezTo>
+                <a:cubicBezTo>
+                  <a:pt x="f15" y="f11"/>
+                  <a:pt x="f15" y="f11"/>
+                  <a:pt x="f15" y="f11"/>
+                </a:cubicBezTo>
+                <a:lnTo>
+                  <a:pt x="f10" y="f11"/>
+                </a:lnTo>
+                <a:close/>
+                <a:moveTo>
+                  <a:pt x="f16" y="f17"/>
+                </a:moveTo>
+                <a:cubicBezTo>
+                  <a:pt x="f18" y="f19"/>
+                  <a:pt x="f18" y="f19"/>
+                  <a:pt x="f18" y="f19"/>
+                </a:cubicBezTo>
+                <a:cubicBezTo>
+                  <a:pt x="f20" y="f21"/>
+                  <a:pt x="f20" y="f21"/>
+                  <a:pt x="f20" y="f21"/>
+                </a:cubicBezTo>
+                <a:cubicBezTo>
+                  <a:pt x="f22" y="f21"/>
+                  <a:pt x="f22" y="f21"/>
+                  <a:pt x="f22" y="f21"/>
+                </a:cubicBezTo>
+                <a:lnTo>
+                  <a:pt x="f16" y="f17"/>
+                </a:lnTo>
+                <a:close/>
+              </a:path>
+            </a:pathLst>
+          </a:custGeom>
+          <a:solidFill>
+            <a:schemeClr val="bg2"/>
+          </a:solidFill>
+          <a:ln cap="flat">
+            <a:noFill/>
+            <a:prstDash val="solid"/>
+          </a:ln>
+        </p:spPr>
+        <p:txBody>
+          <a:bodyPr vert="horz" wrap="square" lIns="91426" tIns="45717" rIns="91426" bIns="45717" anchor="t" anchorCtr="0" compatLnSpc="1">
+            <a:noAutofit/>
+          </a:bodyPr>
+          <a:lstStyle/>
+          <a:p>
+            <a:pPr defTabSz="914224">
+              <a:defRPr sz="1800" b="0" i="0" u="none" strike="noStrike" kern="0" cap="none" spc="0" baseline="0">
+                <a:solidFill>
+                  <a:srgbClr val="000000"/>
+                </a:solidFill>
+                <a:uFillTx/>
+              </a:defRPr>
+            </a:pPr>
+            <a:endParaRPr lang="en-US">
+              <a:solidFill>
+                <a:srgbClr val="505050"/>
+              </a:solidFill>
+              <a:latin typeface="Segoe UI"/>
+            </a:endParaRPr>
+          </a:p>
+        </p:txBody>
+      </p:sp>
+      <p:cxnSp>
+        <p:nvCxnSpPr>
+          <p:cNvPr id="8" name="Gerader Verbinder 7">
+            <a:extLst>
+              <a:ext uri="{FF2B5EF4-FFF2-40B4-BE49-F238E27FC236}">
+                <a16:creationId xmlns:a16="http://schemas.microsoft.com/office/drawing/2014/main" id="{D775859C-88D4-42CA-932B-3B68C44A383B}"/>
+              </a:ext>
+            </a:extLst>
+          </p:cNvPr>
+          <p:cNvCxnSpPr>
+            <a:cxnSpLocks/>
+          </p:cNvCxnSpPr>
+          <p:nvPr/>
+        </p:nvCxnSpPr>
+        <p:spPr>
+          <a:xfrm>
+            <a:off x="1819469" y="363096"/>
+            <a:ext cx="2603240" cy="0"/>
+          </a:xfrm>
+          <a:prstGeom prst="line">
+            <a:avLst/>
+          </a:prstGeom>
+          <a:ln w="28575" cap="rnd" cmpd="sng" algn="ctr">
+            <a:solidFill>
+              <a:schemeClr val="accent5"/>
+            </a:solidFill>
+            <a:prstDash val="sysDot"/>
+            <a:bevel/>
+            <a:headEnd type="none" w="med" len="med"/>
+            <a:tailEnd type="none" w="med" len="med"/>
+          </a:ln>
+        </p:spPr>
+        <p:style>
+          <a:lnRef idx="0">
+            <a:scrgbClr r="0" g="0" b="0"/>
+          </a:lnRef>
+          <a:fillRef idx="0">
+            <a:scrgbClr r="0" g="0" b="0"/>
+          </a:fillRef>
+          <a:effectRef idx="0">
+            <a:scrgbClr r="0" g="0" b="0"/>
+          </a:effectRef>
+          <a:fontRef idx="minor">
+            <a:schemeClr val="tx1"/>
+          </a:fontRef>
+        </p:style>
+      </p:cxnSp>
+      <p:cxnSp>
+        <p:nvCxnSpPr>
+          <p:cNvPr id="10" name="Gerader Verbinder 9">
+            <a:extLst>
+              <a:ext uri="{FF2B5EF4-FFF2-40B4-BE49-F238E27FC236}">
+                <a16:creationId xmlns:a16="http://schemas.microsoft.com/office/drawing/2014/main" id="{642FDCE3-75A6-4CE4-BED1-BB2526EC3F7A}"/>
+              </a:ext>
+            </a:extLst>
+          </p:cNvPr>
+          <p:cNvCxnSpPr>
+            <a:cxnSpLocks/>
+          </p:cNvCxnSpPr>
+          <p:nvPr/>
+        </p:nvCxnSpPr>
+        <p:spPr>
+          <a:xfrm>
+            <a:off x="7831494" y="363096"/>
+            <a:ext cx="2603240" cy="0"/>
+          </a:xfrm>
+          <a:prstGeom prst="line">
+            <a:avLst/>
+          </a:prstGeom>
+          <a:ln w="28575" cap="rnd" cmpd="sng" algn="ctr">
+            <a:solidFill>
+              <a:schemeClr val="accent5"/>
+            </a:solidFill>
+            <a:prstDash val="sysDot"/>
+            <a:bevel/>
+            <a:headEnd type="none" w="med" len="med"/>
+            <a:tailEnd type="none" w="med" len="med"/>
+          </a:ln>
+        </p:spPr>
+        <p:style>
+          <a:lnRef idx="0">
+            <a:scrgbClr r="0" g="0" b="0"/>
+          </a:lnRef>
+          <a:fillRef idx="0">
+            <a:scrgbClr r="0" g="0" b="0"/>
+          </a:fillRef>
+          <a:effectRef idx="0">
+            <a:scrgbClr r="0" g="0" b="0"/>
+          </a:effectRef>
+          <a:fontRef idx="minor">
+            <a:schemeClr val="tx1"/>
+          </a:fontRef>
+        </p:style>
+      </p:cxnSp>
+      <p:cxnSp>
+        <p:nvCxnSpPr>
+          <p:cNvPr id="11" name="Gerader Verbinder 10">
+            <a:extLst>
+              <a:ext uri="{FF2B5EF4-FFF2-40B4-BE49-F238E27FC236}">
+                <a16:creationId xmlns:a16="http://schemas.microsoft.com/office/drawing/2014/main" id="{EEE48DB1-E2D3-4A73-A242-055B534859FA}"/>
+              </a:ext>
+            </a:extLst>
+          </p:cNvPr>
+          <p:cNvCxnSpPr>
+            <a:cxnSpLocks/>
+          </p:cNvCxnSpPr>
+          <p:nvPr/>
+        </p:nvCxnSpPr>
+        <p:spPr>
+          <a:xfrm>
+            <a:off x="10843725" y="365408"/>
+            <a:ext cx="2603240" cy="0"/>
+          </a:xfrm>
+          <a:prstGeom prst="line">
+            <a:avLst/>
+          </a:prstGeom>
+          <a:ln w="28575" cap="rnd" cmpd="sng" algn="ctr">
+            <a:solidFill>
+              <a:schemeClr val="accent5"/>
+            </a:solidFill>
+            <a:prstDash val="sysDot"/>
+            <a:bevel/>
+            <a:headEnd type="none" w="med" len="med"/>
+            <a:tailEnd type="none" w="med" len="med"/>
+          </a:ln>
+        </p:spPr>
+        <p:style>
+          <a:lnRef idx="0">
+            <a:scrgbClr r="0" g="0" b="0"/>
+          </a:lnRef>
+          <a:fillRef idx="0">
+            <a:scrgbClr r="0" g="0" b="0"/>
+          </a:fillRef>
+          <a:effectRef idx="0">
+            <a:scrgbClr r="0" g="0" b="0"/>
+          </a:effectRef>
+          <a:fontRef idx="minor">
+            <a:schemeClr val="tx1"/>
+          </a:fontRef>
+        </p:style>
+      </p:cxnSp>
+      <p:cxnSp>
+        <p:nvCxnSpPr>
+          <p:cNvPr id="12" name="Gerader Verbinder 11">
+            <a:extLst>
+              <a:ext uri="{FF2B5EF4-FFF2-40B4-BE49-F238E27FC236}">
+                <a16:creationId xmlns:a16="http://schemas.microsoft.com/office/drawing/2014/main" id="{8E0E7932-2BA5-44BD-A619-5F2CAE3950BB}"/>
+              </a:ext>
+            </a:extLst>
+          </p:cNvPr>
+          <p:cNvCxnSpPr>
+            <a:cxnSpLocks/>
+          </p:cNvCxnSpPr>
+          <p:nvPr/>
+        </p:nvCxnSpPr>
+        <p:spPr>
+          <a:xfrm>
+            <a:off x="-1163217" y="356078"/>
+            <a:ext cx="2603240" cy="0"/>
+          </a:xfrm>
+          <a:prstGeom prst="line">
+            <a:avLst/>
+          </a:prstGeom>
+          <a:ln w="28575" cap="rnd" cmpd="sng" algn="ctr">
+            <a:solidFill>
+              <a:schemeClr val="accent5"/>
+            </a:solidFill>
+            <a:prstDash val="sysDot"/>
+            <a:bevel/>
+            <a:headEnd type="none" w="med" len="med"/>
+            <a:tailEnd type="none" w="med" len="med"/>
+          </a:ln>
+        </p:spPr>
+        <p:style>
+          <a:lnRef idx="0">
+            <a:scrgbClr r="0" g="0" b="0"/>
+          </a:lnRef>
+          <a:fillRef idx="0">
+            <a:scrgbClr r="0" g="0" b="0"/>
+          </a:fillRef>
+          <a:effectRef idx="0">
+            <a:scrgbClr r="0" g="0" b="0"/>
+          </a:effectRef>
+          <a:fontRef idx="minor">
+            <a:schemeClr val="tx1"/>
+          </a:fontRef>
+        </p:style>
+      </p:cxnSp>
+      <p:cxnSp>
+        <p:nvCxnSpPr>
+          <p:cNvPr id="13" name="Gerader Verbinder 12">
+            <a:extLst>
+              <a:ext uri="{FF2B5EF4-FFF2-40B4-BE49-F238E27FC236}">
+                <a16:creationId xmlns:a16="http://schemas.microsoft.com/office/drawing/2014/main" id="{6439E2AE-3A20-43F4-8413-D7B165538203}"/>
+              </a:ext>
+            </a:extLst>
+          </p:cNvPr>
+          <p:cNvCxnSpPr>
+            <a:cxnSpLocks/>
+          </p:cNvCxnSpPr>
+          <p:nvPr/>
+        </p:nvCxnSpPr>
+        <p:spPr>
+          <a:xfrm>
+            <a:off x="-1163217" y="355009"/>
+            <a:ext cx="2603240" cy="0"/>
+          </a:xfrm>
+          <a:prstGeom prst="line">
+            <a:avLst/>
+          </a:prstGeom>
+          <a:ln w="31750" cap="rnd">
+            <a:solidFill>
+              <a:schemeClr val="accent1">
+                <a:lumMod val="75000"/>
+              </a:schemeClr>
+            </a:solidFill>
+          </a:ln>
+        </p:spPr>
+        <p:style>
+          <a:lnRef idx="1">
+            <a:schemeClr val="accent1"/>
+          </a:lnRef>
+          <a:fillRef idx="0">
+            <a:schemeClr val="accent1"/>
+          </a:fillRef>
+          <a:effectRef idx="0">
+            <a:schemeClr val="accent1"/>
+          </a:effectRef>
+          <a:fontRef idx="minor">
+            <a:schemeClr val="tx1"/>
+          </a:fontRef>
+        </p:style>
+      </p:cxnSp>
+      <p:cxnSp>
+        <p:nvCxnSpPr>
+          <p:cNvPr id="19" name="Gerader Verbinder 18">
+            <a:extLst>
+              <a:ext uri="{FF2B5EF4-FFF2-40B4-BE49-F238E27FC236}">
+                <a16:creationId xmlns:a16="http://schemas.microsoft.com/office/drawing/2014/main" id="{195EBCF4-1523-44BC-AC2B-E57DD7C07260}"/>
+              </a:ext>
+            </a:extLst>
+          </p:cNvPr>
+          <p:cNvCxnSpPr>
+            <a:cxnSpLocks/>
+          </p:cNvCxnSpPr>
+          <p:nvPr/>
+        </p:nvCxnSpPr>
+        <p:spPr>
+          <a:xfrm>
+            <a:off x="1819469" y="363096"/>
+            <a:ext cx="2603240" cy="0"/>
+          </a:xfrm>
+          <a:prstGeom prst="line">
+            <a:avLst/>
+          </a:prstGeom>
+          <a:ln w="31750" cap="rnd">
+            <a:solidFill>
+              <a:schemeClr val="accent1">
+                <a:lumMod val="75000"/>
+              </a:schemeClr>
+            </a:solidFill>
+          </a:ln>
+        </p:spPr>
+        <p:style>
+          <a:lnRef idx="1">
+            <a:schemeClr val="accent1"/>
+          </a:lnRef>
+          <a:fillRef idx="0">
+            <a:schemeClr val="accent1"/>
+          </a:fillRef>
+          <a:effectRef idx="0">
+            <a:schemeClr val="accent1"/>
+          </a:effectRef>
+          <a:fontRef idx="minor">
+            <a:schemeClr val="tx1"/>
+          </a:fontRef>
+        </p:style>
+      </p:cxnSp>
+      <p:sp>
+        <p:nvSpPr>
+          <p:cNvPr id="20" name="Freeform 11">
+            <a:extLst>
+              <a:ext uri="{FF2B5EF4-FFF2-40B4-BE49-F238E27FC236}">
+                <a16:creationId xmlns:a16="http://schemas.microsoft.com/office/drawing/2014/main" id="{8241CD42-3A25-4BF5-B039-C5CC89689D6E}"/>
+              </a:ext>
+            </a:extLst>
+          </p:cNvPr>
+          <p:cNvSpPr/>
+          <p:nvPr/>
+        </p:nvSpPr>
+        <p:spPr>
+          <a:xfrm>
+            <a:off x="4512146" y="247302"/>
+            <a:ext cx="236426" cy="230154"/>
+          </a:xfrm>
+          <a:custGeom>
+            <a:avLst/>
+            <a:gdLst>
+              <a:gd name="f0" fmla="val 10800000"/>
+              <a:gd name="f1" fmla="val 5400000"/>
+              <a:gd name="f2" fmla="val 180"/>
+              <a:gd name="f3" fmla="val w"/>
+              <a:gd name="f4" fmla="val h"/>
+              <a:gd name="f5" fmla="val 0"/>
+              <a:gd name="f6" fmla="val 1854"/>
+              <a:gd name="f7" fmla="val 927"/>
+              <a:gd name="f8" fmla="val 415"/>
+              <a:gd name="f9" fmla="val 1439"/>
+              <a:gd name="f10" fmla="val 758"/>
+              <a:gd name="f11" fmla="val 1319"/>
+              <a:gd name="f12" fmla="val 435"/>
+              <a:gd name="f13" fmla="val 874"/>
+              <a:gd name="f14" fmla="val 671"/>
+              <a:gd name="f15" fmla="val 995"/>
+              <a:gd name="f16" fmla="val 1027"/>
+              <a:gd name="f17" fmla="val 1284"/>
+              <a:gd name="f18" fmla="val 897"/>
+              <a:gd name="f19" fmla="val 1105"/>
+              <a:gd name="f20" fmla="val 1193"/>
+              <a:gd name="f21" fmla="val 511"/>
+              <a:gd name="f22" fmla="val 1408"/>
+              <a:gd name="f23" fmla="+- 0 0 -90"/>
+              <a:gd name="f24" fmla="*/ f3 1 1854"/>
+              <a:gd name="f25" fmla="*/ f4 1 1854"/>
+              <a:gd name="f26" fmla="val f5"/>
+              <a:gd name="f27" fmla="val f6"/>
+              <a:gd name="f28" fmla="*/ f23 f0 1"/>
+              <a:gd name="f29" fmla="+- f27 0 f26"/>
+              <a:gd name="f30" fmla="*/ f28 1 f2"/>
+              <a:gd name="f31" fmla="*/ f29 1 1854"/>
+              <a:gd name="f32" fmla="*/ 927 f29 1"/>
+              <a:gd name="f33" fmla="*/ 0 f29 1"/>
+              <a:gd name="f34" fmla="*/ 1854 f29 1"/>
+              <a:gd name="f35" fmla="*/ 758 f29 1"/>
+              <a:gd name="f36" fmla="*/ 1319 f29 1"/>
+              <a:gd name="f37" fmla="*/ 435 f29 1"/>
+              <a:gd name="f38" fmla="*/ 874 f29 1"/>
+              <a:gd name="f39" fmla="*/ 671 f29 1"/>
+              <a:gd name="f40" fmla="*/ 995 f29 1"/>
+              <a:gd name="f41" fmla="*/ 1027 f29 1"/>
+              <a:gd name="f42" fmla="*/ 1284 f29 1"/>
+              <a:gd name="f43" fmla="*/ 897 f29 1"/>
+              <a:gd name="f44" fmla="*/ 1105 f29 1"/>
+              <a:gd name="f45" fmla="*/ 1193 f29 1"/>
+              <a:gd name="f46" fmla="*/ 511 f29 1"/>
+              <a:gd name="f47" fmla="*/ 1408 f29 1"/>
+              <a:gd name="f48" fmla="+- f30 0 f1"/>
+              <a:gd name="f49" fmla="*/ f32 1 1854"/>
+              <a:gd name="f50" fmla="*/ f33 1 1854"/>
+              <a:gd name="f51" fmla="*/ f34 1 1854"/>
+              <a:gd name="f52" fmla="*/ f35 1 1854"/>
+              <a:gd name="f53" fmla="*/ f36 1 1854"/>
+              <a:gd name="f54" fmla="*/ f37 1 1854"/>
+              <a:gd name="f55" fmla="*/ f38 1 1854"/>
+              <a:gd name="f56" fmla="*/ f39 1 1854"/>
+              <a:gd name="f57" fmla="*/ f40 1 1854"/>
+              <a:gd name="f58" fmla="*/ f41 1 1854"/>
+              <a:gd name="f59" fmla="*/ f42 1 1854"/>
+              <a:gd name="f60" fmla="*/ f43 1 1854"/>
+              <a:gd name="f61" fmla="*/ f44 1 1854"/>
+              <a:gd name="f62" fmla="*/ f45 1 1854"/>
+              <a:gd name="f63" fmla="*/ f46 1 1854"/>
+              <a:gd name="f64" fmla="*/ f47 1 1854"/>
+              <a:gd name="f65" fmla="*/ 0 1 f31"/>
+              <a:gd name="f66" fmla="*/ f27 1 f31"/>
+              <a:gd name="f67" fmla="*/ f49 1 f31"/>
+              <a:gd name="f68" fmla="*/ f50 1 f31"/>
+              <a:gd name="f69" fmla="*/ f51 1 f31"/>
+              <a:gd name="f70" fmla="*/ f52 1 f31"/>
+              <a:gd name="f71" fmla="*/ f53 1 f31"/>
+              <a:gd name="f72" fmla="*/ f54 1 f31"/>
+              <a:gd name="f73" fmla="*/ f55 1 f31"/>
+              <a:gd name="f74" fmla="*/ f56 1 f31"/>
+              <a:gd name="f75" fmla="*/ f57 1 f31"/>
+              <a:gd name="f76" fmla="*/ f58 1 f31"/>
+              <a:gd name="f77" fmla="*/ f59 1 f31"/>
+              <a:gd name="f78" fmla="*/ f60 1 f31"/>
+              <a:gd name="f79" fmla="*/ f61 1 f31"/>
+              <a:gd name="f80" fmla="*/ f62 1 f31"/>
+              <a:gd name="f81" fmla="*/ f63 1 f31"/>
+              <a:gd name="f82" fmla="*/ f64 1 f31"/>
+              <a:gd name="f83" fmla="*/ f65 f24 1"/>
+              <a:gd name="f84" fmla="*/ f66 f24 1"/>
+              <a:gd name="f85" fmla="*/ f66 f25 1"/>
+              <a:gd name="f86" fmla="*/ f65 f25 1"/>
+              <a:gd name="f87" fmla="*/ f67 f24 1"/>
+              <a:gd name="f88" fmla="*/ f68 f25 1"/>
+              <a:gd name="f89" fmla="*/ f68 f24 1"/>
+              <a:gd name="f90" fmla="*/ f67 f25 1"/>
+              <a:gd name="f91" fmla="*/ f69 f25 1"/>
+              <a:gd name="f92" fmla="*/ f69 f24 1"/>
+              <a:gd name="f93" fmla="*/ f70 f24 1"/>
+              <a:gd name="f94" fmla="*/ f71 f25 1"/>
+              <a:gd name="f95" fmla="*/ f72 f24 1"/>
+              <a:gd name="f96" fmla="*/ f73 f25 1"/>
+              <a:gd name="f97" fmla="*/ f74 f24 1"/>
+              <a:gd name="f98" fmla="*/ f75 f24 1"/>
+              <a:gd name="f99" fmla="*/ f76 f24 1"/>
+              <a:gd name="f100" fmla="*/ f77 f25 1"/>
+              <a:gd name="f101" fmla="*/ f78 f24 1"/>
+              <a:gd name="f102" fmla="*/ f79 f25 1"/>
+              <a:gd name="f103" fmla="*/ f80 f24 1"/>
+              <a:gd name="f104" fmla="*/ f81 f25 1"/>
+              <a:gd name="f105" fmla="*/ f82 f24 1"/>
+            </a:gdLst>
+            <a:ahLst/>
+            <a:cxnLst>
+              <a:cxn ang="3cd4">
+                <a:pos x="hc" y="t"/>
+              </a:cxn>
+              <a:cxn ang="0">
+                <a:pos x="r" y="vc"/>
+              </a:cxn>
+              <a:cxn ang="cd4">
+                <a:pos x="hc" y="b"/>
+              </a:cxn>
+              <a:cxn ang="cd2">
+                <a:pos x="l" y="vc"/>
+              </a:cxn>
+              <a:cxn ang="f48">
+                <a:pos x="f87" y="f88"/>
+              </a:cxn>
+              <a:cxn ang="f48">
+                <a:pos x="f89" y="f90"/>
+              </a:cxn>
+              <a:cxn ang="f48">
+                <a:pos x="f87" y="f91"/>
+              </a:cxn>
+              <a:cxn ang="f48">
+                <a:pos x="f92" y="f90"/>
+              </a:cxn>
+              <a:cxn ang="f48">
+                <a:pos x="f87" y="f88"/>
+              </a:cxn>
+              <a:cxn ang="f48">
+                <a:pos x="f93" y="f94"/>
+              </a:cxn>
+              <a:cxn ang="f48">
+                <a:pos x="f95" y="f96"/>
+              </a:cxn>
+              <a:cxn ang="f48">
+                <a:pos x="f97" y="f96"/>
+              </a:cxn>
+              <a:cxn ang="f48">
+                <a:pos x="f98" y="f94"/>
+              </a:cxn>
+              <a:cxn ang="f48">
+                <a:pos x="f93" y="f94"/>
+              </a:cxn>
+              <a:cxn ang="f48">
+                <a:pos x="f99" y="f100"/>
+              </a:cxn>
+              <a:cxn ang="f48">
+                <a:pos x="f101" y="f102"/>
+              </a:cxn>
+              <a:cxn ang="f48">
+                <a:pos x="f103" y="f104"/>
+              </a:cxn>
+              <a:cxn ang="f48">
+                <a:pos x="f105" y="f104"/>
+              </a:cxn>
+              <a:cxn ang="f48">
+                <a:pos x="f99" y="f100"/>
+              </a:cxn>
+            </a:cxnLst>
+            <a:rect l="f83" t="f86" r="f84" b="f85"/>
+            <a:pathLst>
+              <a:path w="1854" h="1854">
+                <a:moveTo>
+                  <a:pt x="f7" y="f5"/>
+                </a:moveTo>
+                <a:cubicBezTo>
+                  <a:pt x="f8" y="f5"/>
+                  <a:pt x="f5" y="f8"/>
+                  <a:pt x="f5" y="f7"/>
+                </a:cubicBezTo>
+                <a:cubicBezTo>
+                  <a:pt x="f5" y="f9"/>
+                  <a:pt x="f8" y="f6"/>
+                  <a:pt x="f7" y="f6"/>
+                </a:cubicBezTo>
+                <a:cubicBezTo>
+                  <a:pt x="f9" y="f6"/>
+                  <a:pt x="f6" y="f9"/>
+                  <a:pt x="f6" y="f7"/>
+                </a:cubicBezTo>
+                <a:cubicBezTo>
+                  <a:pt x="f6" y="f8"/>
+                  <a:pt x="f9" y="f5"/>
+                  <a:pt x="f7" y="f5"/>
+                </a:cubicBezTo>
+                <a:close/>
+                <a:moveTo>
+                  <a:pt x="f10" y="f11"/>
+                </a:moveTo>
+                <a:cubicBezTo>
+                  <a:pt x="f12" y="f13"/>
+                  <a:pt x="f12" y="f13"/>
+                  <a:pt x="f12" y="f13"/>
+                </a:cubicBezTo>
+                <a:cubicBezTo>
+                  <a:pt x="f14" y="f13"/>
+                  <a:pt x="f14" y="f13"/>
+                  <a:pt x="f14" y="f13"/>
+                </a:cubicBezTo>
+                <a:cubicBezTo>
+                  <a:pt x="f15" y="f11"/>
+                  <a:pt x="f15" y="f11"/>
+                  <a:pt x="f15" y="f11"/>
+                </a:cubicBezTo>
+                <a:lnTo>
+                  <a:pt x="f10" y="f11"/>
+                </a:lnTo>
+                <a:close/>
+                <a:moveTo>
+                  <a:pt x="f16" y="f17"/>
+                </a:moveTo>
+                <a:cubicBezTo>
+                  <a:pt x="f18" y="f19"/>
+                  <a:pt x="f18" y="f19"/>
+                  <a:pt x="f18" y="f19"/>
+                </a:cubicBezTo>
+                <a:cubicBezTo>
+                  <a:pt x="f20" y="f21"/>
+                  <a:pt x="f20" y="f21"/>
+                  <a:pt x="f20" y="f21"/>
+                </a:cubicBezTo>
+                <a:cubicBezTo>
+                  <a:pt x="f22" y="f21"/>
+                  <a:pt x="f22" y="f21"/>
+                  <a:pt x="f22" y="f21"/>
+                </a:cubicBezTo>
+                <a:lnTo>
+                  <a:pt x="f16" y="f17"/>
+                </a:lnTo>
+                <a:close/>
+              </a:path>
+            </a:pathLst>
+          </a:custGeom>
+          <a:solidFill>
+            <a:srgbClr val="2F5597"/>
+          </a:solidFill>
+          <a:ln cap="flat">
+            <a:noFill/>
+            <a:prstDash val="solid"/>
+          </a:ln>
+        </p:spPr>
+        <p:txBody>
+          <a:bodyPr vert="horz" wrap="square" lIns="91426" tIns="45717" rIns="91426" bIns="45717" anchor="t" anchorCtr="0" compatLnSpc="1">
+            <a:noAutofit/>
+          </a:bodyPr>
+          <a:lstStyle/>
+          <a:p>
+            <a:pPr defTabSz="914224">
+              <a:defRPr sz="1800" b="0" i="0" u="none" strike="noStrike" kern="0" cap="none" spc="0" baseline="0">
+                <a:solidFill>
+                  <a:srgbClr val="000000"/>
+                </a:solidFill>
+                <a:uFillTx/>
+              </a:defRPr>
+            </a:pPr>
+            <a:endParaRPr lang="en-US">
+              <a:solidFill>
+                <a:srgbClr val="505050"/>
+              </a:solidFill>
+              <a:latin typeface="Segoe UI"/>
+            </a:endParaRPr>
+          </a:p>
+        </p:txBody>
+      </p:sp>
+      <p:cxnSp>
+        <p:nvCxnSpPr>
+          <p:cNvPr id="21" name="Gerader Verbinder 20">
+            <a:extLst>
+              <a:ext uri="{FF2B5EF4-FFF2-40B4-BE49-F238E27FC236}">
+                <a16:creationId xmlns:a16="http://schemas.microsoft.com/office/drawing/2014/main" id="{3EED2032-9D17-4E31-91D1-97D0DC67D30B}"/>
+              </a:ext>
+            </a:extLst>
+          </p:cNvPr>
+          <p:cNvCxnSpPr>
+            <a:cxnSpLocks/>
+          </p:cNvCxnSpPr>
+          <p:nvPr/>
+        </p:nvCxnSpPr>
+        <p:spPr>
+          <a:xfrm>
+            <a:off x="7831494" y="363096"/>
+            <a:ext cx="2603240" cy="0"/>
+          </a:xfrm>
+          <a:prstGeom prst="line">
+            <a:avLst/>
+          </a:prstGeom>
+          <a:ln w="31750" cap="rnd">
+            <a:solidFill>
+              <a:schemeClr val="accent1">
+                <a:lumMod val="75000"/>
+              </a:schemeClr>
+            </a:solidFill>
+          </a:ln>
+        </p:spPr>
+        <p:style>
+          <a:lnRef idx="1">
+            <a:schemeClr val="accent1"/>
+          </a:lnRef>
+          <a:fillRef idx="0">
+            <a:schemeClr val="accent1"/>
+          </a:fillRef>
+          <a:effectRef idx="0">
+            <a:schemeClr val="accent1"/>
+          </a:effectRef>
+          <a:fontRef idx="minor">
+            <a:schemeClr val="tx1"/>
+          </a:fontRef>
+        </p:style>
+      </p:cxnSp>
+      <p:sp>
+        <p:nvSpPr>
+          <p:cNvPr id="22" name="Freeform 11">
+            <a:extLst>
+              <a:ext uri="{FF2B5EF4-FFF2-40B4-BE49-F238E27FC236}">
+                <a16:creationId xmlns:a16="http://schemas.microsoft.com/office/drawing/2014/main" id="{18AA73CA-54D4-466C-B4FC-8C098AA51CA1}"/>
+              </a:ext>
+            </a:extLst>
+          </p:cNvPr>
+          <p:cNvSpPr/>
+          <p:nvPr/>
+        </p:nvSpPr>
+        <p:spPr>
+          <a:xfrm>
+            <a:off x="10512170" y="260750"/>
+            <a:ext cx="236426" cy="230154"/>
+          </a:xfrm>
+          <a:custGeom>
+            <a:avLst/>
+            <a:gdLst>
+              <a:gd name="f0" fmla="val 10800000"/>
+              <a:gd name="f1" fmla="val 5400000"/>
+              <a:gd name="f2" fmla="val 180"/>
+              <a:gd name="f3" fmla="val w"/>
+              <a:gd name="f4" fmla="val h"/>
+              <a:gd name="f5" fmla="val 0"/>
+              <a:gd name="f6" fmla="val 1854"/>
+              <a:gd name="f7" fmla="val 927"/>
+              <a:gd name="f8" fmla="val 415"/>
+              <a:gd name="f9" fmla="val 1439"/>
+              <a:gd name="f10" fmla="val 758"/>
+              <a:gd name="f11" fmla="val 1319"/>
+              <a:gd name="f12" fmla="val 435"/>
+              <a:gd name="f13" fmla="val 874"/>
+              <a:gd name="f14" fmla="val 671"/>
+              <a:gd name="f15" fmla="val 995"/>
+              <a:gd name="f16" fmla="val 1027"/>
+              <a:gd name="f17" fmla="val 1284"/>
+              <a:gd name="f18" fmla="val 897"/>
+              <a:gd name="f19" fmla="val 1105"/>
+              <a:gd name="f20" fmla="val 1193"/>
+              <a:gd name="f21" fmla="val 511"/>
+              <a:gd name="f22" fmla="val 1408"/>
+              <a:gd name="f23" fmla="+- 0 0 -90"/>
+              <a:gd name="f24" fmla="*/ f3 1 1854"/>
+              <a:gd name="f25" fmla="*/ f4 1 1854"/>
+              <a:gd name="f26" fmla="val f5"/>
+              <a:gd name="f27" fmla="val f6"/>
+              <a:gd name="f28" fmla="*/ f23 f0 1"/>
+              <a:gd name="f29" fmla="+- f27 0 f26"/>
+              <a:gd name="f30" fmla="*/ f28 1 f2"/>
+              <a:gd name="f31" fmla="*/ f29 1 1854"/>
+              <a:gd name="f32" fmla="*/ 927 f29 1"/>
+              <a:gd name="f33" fmla="*/ 0 f29 1"/>
+              <a:gd name="f34" fmla="*/ 1854 f29 1"/>
+              <a:gd name="f35" fmla="*/ 758 f29 1"/>
+              <a:gd name="f36" fmla="*/ 1319 f29 1"/>
+              <a:gd name="f37" fmla="*/ 435 f29 1"/>
+              <a:gd name="f38" fmla="*/ 874 f29 1"/>
+              <a:gd name="f39" fmla="*/ 671 f29 1"/>
+              <a:gd name="f40" fmla="*/ 995 f29 1"/>
+              <a:gd name="f41" fmla="*/ 1027 f29 1"/>
+              <a:gd name="f42" fmla="*/ 1284 f29 1"/>
+              <a:gd name="f43" fmla="*/ 897 f29 1"/>
+              <a:gd name="f44" fmla="*/ 1105 f29 1"/>
+              <a:gd name="f45" fmla="*/ 1193 f29 1"/>
+              <a:gd name="f46" fmla="*/ 511 f29 1"/>
+              <a:gd name="f47" fmla="*/ 1408 f29 1"/>
+              <a:gd name="f48" fmla="+- f30 0 f1"/>
+              <a:gd name="f49" fmla="*/ f32 1 1854"/>
+              <a:gd name="f50" fmla="*/ f33 1 1854"/>
+              <a:gd name="f51" fmla="*/ f34 1 1854"/>
+              <a:gd name="f52" fmla="*/ f35 1 1854"/>
+              <a:gd name="f53" fmla="*/ f36 1 1854"/>
+              <a:gd name="f54" fmla="*/ f37 1 1854"/>
+              <a:gd name="f55" fmla="*/ f38 1 1854"/>
+              <a:gd name="f56" fmla="*/ f39 1 1854"/>
+              <a:gd name="f57" fmla="*/ f40 1 1854"/>
+              <a:gd name="f58" fmla="*/ f41 1 1854"/>
+              <a:gd name="f59" fmla="*/ f42 1 1854"/>
+              <a:gd name="f60" fmla="*/ f43 1 1854"/>
+              <a:gd name="f61" fmla="*/ f44 1 1854"/>
+              <a:gd name="f62" fmla="*/ f45 1 1854"/>
+              <a:gd name="f63" fmla="*/ f46 1 1854"/>
+              <a:gd name="f64" fmla="*/ f47 1 1854"/>
+              <a:gd name="f65" fmla="*/ 0 1 f31"/>
+              <a:gd name="f66" fmla="*/ f27 1 f31"/>
+              <a:gd name="f67" fmla="*/ f49 1 f31"/>
+              <a:gd name="f68" fmla="*/ f50 1 f31"/>
+              <a:gd name="f69" fmla="*/ f51 1 f31"/>
+              <a:gd name="f70" fmla="*/ f52 1 f31"/>
+              <a:gd name="f71" fmla="*/ f53 1 f31"/>
+              <a:gd name="f72" fmla="*/ f54 1 f31"/>
+              <a:gd name="f73" fmla="*/ f55 1 f31"/>
+              <a:gd name="f74" fmla="*/ f56 1 f31"/>
+              <a:gd name="f75" fmla="*/ f57 1 f31"/>
+              <a:gd name="f76" fmla="*/ f58 1 f31"/>
+              <a:gd name="f77" fmla="*/ f59 1 f31"/>
+              <a:gd name="f78" fmla="*/ f60 1 f31"/>
+              <a:gd name="f79" fmla="*/ f61 1 f31"/>
+              <a:gd name="f80" fmla="*/ f62 1 f31"/>
+              <a:gd name="f81" fmla="*/ f63 1 f31"/>
+              <a:gd name="f82" fmla="*/ f64 1 f31"/>
+              <a:gd name="f83" fmla="*/ f65 f24 1"/>
+              <a:gd name="f84" fmla="*/ f66 f24 1"/>
+              <a:gd name="f85" fmla="*/ f66 f25 1"/>
+              <a:gd name="f86" fmla="*/ f65 f25 1"/>
+              <a:gd name="f87" fmla="*/ f67 f24 1"/>
+              <a:gd name="f88" fmla="*/ f68 f25 1"/>
+              <a:gd name="f89" fmla="*/ f68 f24 1"/>
+              <a:gd name="f90" fmla="*/ f67 f25 1"/>
+              <a:gd name="f91" fmla="*/ f69 f25 1"/>
+              <a:gd name="f92" fmla="*/ f69 f24 1"/>
+              <a:gd name="f93" fmla="*/ f70 f24 1"/>
+              <a:gd name="f94" fmla="*/ f71 f25 1"/>
+              <a:gd name="f95" fmla="*/ f72 f24 1"/>
+              <a:gd name="f96" fmla="*/ f73 f25 1"/>
+              <a:gd name="f97" fmla="*/ f74 f24 1"/>
+              <a:gd name="f98" fmla="*/ f75 f24 1"/>
+              <a:gd name="f99" fmla="*/ f76 f24 1"/>
+              <a:gd name="f100" fmla="*/ f77 f25 1"/>
+              <a:gd name="f101" fmla="*/ f78 f24 1"/>
+              <a:gd name="f102" fmla="*/ f79 f25 1"/>
+              <a:gd name="f103" fmla="*/ f80 f24 1"/>
+              <a:gd name="f104" fmla="*/ f81 f25 1"/>
+              <a:gd name="f105" fmla="*/ f82 f24 1"/>
+            </a:gdLst>
+            <a:ahLst/>
+            <a:cxnLst>
+              <a:cxn ang="3cd4">
+                <a:pos x="hc" y="t"/>
+              </a:cxn>
+              <a:cxn ang="0">
+                <a:pos x="r" y="vc"/>
+              </a:cxn>
+              <a:cxn ang="cd4">
+                <a:pos x="hc" y="b"/>
+              </a:cxn>
+              <a:cxn ang="cd2">
+                <a:pos x="l" y="vc"/>
+              </a:cxn>
+              <a:cxn ang="f48">
+                <a:pos x="f87" y="f88"/>
+              </a:cxn>
+              <a:cxn ang="f48">
+                <a:pos x="f89" y="f90"/>
+              </a:cxn>
+              <a:cxn ang="f48">
+                <a:pos x="f87" y="f91"/>
+              </a:cxn>
+              <a:cxn ang="f48">
+                <a:pos x="f92" y="f90"/>
+              </a:cxn>
+              <a:cxn ang="f48">
+                <a:pos x="f87" y="f88"/>
+              </a:cxn>
+              <a:cxn ang="f48">
+                <a:pos x="f93" y="f94"/>
+              </a:cxn>
+              <a:cxn ang="f48">
+                <a:pos x="f95" y="f96"/>
+              </a:cxn>
+              <a:cxn ang="f48">
+                <a:pos x="f97" y="f96"/>
+              </a:cxn>
+              <a:cxn ang="f48">
+                <a:pos x="f98" y="f94"/>
+              </a:cxn>
+              <a:cxn ang="f48">
+                <a:pos x="f93" y="f94"/>
+              </a:cxn>
+              <a:cxn ang="f48">
+                <a:pos x="f99" y="f100"/>
+              </a:cxn>
+              <a:cxn ang="f48">
+                <a:pos x="f101" y="f102"/>
+              </a:cxn>
+              <a:cxn ang="f48">
+                <a:pos x="f103" y="f104"/>
+              </a:cxn>
+              <a:cxn ang="f48">
+                <a:pos x="f105" y="f104"/>
+              </a:cxn>
+              <a:cxn ang="f48">
+                <a:pos x="f99" y="f100"/>
+              </a:cxn>
+            </a:cxnLst>
+            <a:rect l="f83" t="f86" r="f84" b="f85"/>
+            <a:pathLst>
+              <a:path w="1854" h="1854">
+                <a:moveTo>
+                  <a:pt x="f7" y="f5"/>
+                </a:moveTo>
+                <a:cubicBezTo>
+                  <a:pt x="f8" y="f5"/>
+                  <a:pt x="f5" y="f8"/>
+                  <a:pt x="f5" y="f7"/>
+                </a:cubicBezTo>
+                <a:cubicBezTo>
+                  <a:pt x="f5" y="f9"/>
+                  <a:pt x="f8" y="f6"/>
+                  <a:pt x="f7" y="f6"/>
+                </a:cubicBezTo>
+                <a:cubicBezTo>
+                  <a:pt x="f9" y="f6"/>
+                  <a:pt x="f6" y="f9"/>
+                  <a:pt x="f6" y="f7"/>
+                </a:cubicBezTo>
+                <a:cubicBezTo>
+                  <a:pt x="f6" y="f8"/>
+                  <a:pt x="f9" y="f5"/>
+                  <a:pt x="f7" y="f5"/>
+                </a:cubicBezTo>
+                <a:close/>
+                <a:moveTo>
+                  <a:pt x="f10" y="f11"/>
+                </a:moveTo>
+                <a:cubicBezTo>
+                  <a:pt x="f12" y="f13"/>
+                  <a:pt x="f12" y="f13"/>
+                  <a:pt x="f12" y="f13"/>
+                </a:cubicBezTo>
+                <a:cubicBezTo>
+                  <a:pt x="f14" y="f13"/>
+                  <a:pt x="f14" y="f13"/>
+                  <a:pt x="f14" y="f13"/>
+                </a:cubicBezTo>
+                <a:cubicBezTo>
+                  <a:pt x="f15" y="f11"/>
+                  <a:pt x="f15" y="f11"/>
+                  <a:pt x="f15" y="f11"/>
+                </a:cubicBezTo>
+                <a:lnTo>
+                  <a:pt x="f10" y="f11"/>
+                </a:lnTo>
+                <a:close/>
+                <a:moveTo>
+                  <a:pt x="f16" y="f17"/>
+                </a:moveTo>
+                <a:cubicBezTo>
+                  <a:pt x="f18" y="f19"/>
+                  <a:pt x="f18" y="f19"/>
+                  <a:pt x="f18" y="f19"/>
+                </a:cubicBezTo>
+                <a:cubicBezTo>
+                  <a:pt x="f20" y="f21"/>
+                  <a:pt x="f20" y="f21"/>
+                  <a:pt x="f20" y="f21"/>
+                </a:cubicBezTo>
+                <a:cubicBezTo>
+                  <a:pt x="f22" y="f21"/>
+                  <a:pt x="f22" y="f21"/>
+                  <a:pt x="f22" y="f21"/>
+                </a:cubicBezTo>
+                <a:lnTo>
+                  <a:pt x="f16" y="f17"/>
+                </a:lnTo>
+                <a:close/>
+              </a:path>
+            </a:pathLst>
+          </a:custGeom>
+          <a:solidFill>
+            <a:srgbClr val="2F5597"/>
+          </a:solidFill>
+          <a:ln cap="flat">
+            <a:noFill/>
+            <a:prstDash val="solid"/>
+          </a:ln>
+        </p:spPr>
+        <p:txBody>
+          <a:bodyPr vert="horz" wrap="square" lIns="91426" tIns="45717" rIns="91426" bIns="45717" anchor="t" anchorCtr="0" compatLnSpc="1">
+            <a:noAutofit/>
+          </a:bodyPr>
+          <a:lstStyle/>
+          <a:p>
+            <a:pPr defTabSz="914224">
+              <a:defRPr sz="1800" b="0" i="0" u="none" strike="noStrike" kern="0" cap="none" spc="0" baseline="0">
+                <a:solidFill>
+                  <a:srgbClr val="000000"/>
+                </a:solidFill>
+                <a:uFillTx/>
+              </a:defRPr>
+            </a:pPr>
+            <a:endParaRPr lang="en-US">
+              <a:solidFill>
+                <a:srgbClr val="505050"/>
+              </a:solidFill>
+              <a:latin typeface="Segoe UI"/>
+            </a:endParaRPr>
+          </a:p>
+        </p:txBody>
+      </p:sp>
+      <p:sp>
+        <p:nvSpPr>
+          <p:cNvPr id="23" name="Freeform 11">
+            <a:extLst>
+              <a:ext uri="{FF2B5EF4-FFF2-40B4-BE49-F238E27FC236}">
+                <a16:creationId xmlns:a16="http://schemas.microsoft.com/office/drawing/2014/main" id="{B264097C-595F-49A6-8BB7-CAAF9E39B7B2}"/>
+              </a:ext>
+            </a:extLst>
+          </p:cNvPr>
+          <p:cNvSpPr/>
+          <p:nvPr/>
+        </p:nvSpPr>
+        <p:spPr>
+          <a:xfrm>
+            <a:off x="7515806" y="255675"/>
+            <a:ext cx="238251" cy="221778"/>
+          </a:xfrm>
+          <a:custGeom>
+            <a:avLst/>
+            <a:gdLst>
+              <a:gd name="f0" fmla="val 10800000"/>
+              <a:gd name="f1" fmla="val 5400000"/>
+              <a:gd name="f2" fmla="val 180"/>
+              <a:gd name="f3" fmla="val w"/>
+              <a:gd name="f4" fmla="val h"/>
+              <a:gd name="f5" fmla="val 0"/>
+              <a:gd name="f6" fmla="val 1854"/>
+              <a:gd name="f7" fmla="val 927"/>
+              <a:gd name="f8" fmla="val 415"/>
+              <a:gd name="f9" fmla="val 1439"/>
+              <a:gd name="f10" fmla="val 758"/>
+              <a:gd name="f11" fmla="val 1319"/>
+              <a:gd name="f12" fmla="val 435"/>
+              <a:gd name="f13" fmla="val 874"/>
+              <a:gd name="f14" fmla="val 671"/>
+              <a:gd name="f15" fmla="val 995"/>
+              <a:gd name="f16" fmla="val 1027"/>
+              <a:gd name="f17" fmla="val 1284"/>
+              <a:gd name="f18" fmla="val 897"/>
+              <a:gd name="f19" fmla="val 1105"/>
+              <a:gd name="f20" fmla="val 1193"/>
+              <a:gd name="f21" fmla="val 511"/>
+              <a:gd name="f22" fmla="val 1408"/>
+              <a:gd name="f23" fmla="+- 0 0 -90"/>
+              <a:gd name="f24" fmla="*/ f3 1 1854"/>
+              <a:gd name="f25" fmla="*/ f4 1 1854"/>
+              <a:gd name="f26" fmla="val f5"/>
+              <a:gd name="f27" fmla="val f6"/>
+              <a:gd name="f28" fmla="*/ f23 f0 1"/>
+              <a:gd name="f29" fmla="+- f27 0 f26"/>
+              <a:gd name="f30" fmla="*/ f28 1 f2"/>
+              <a:gd name="f31" fmla="*/ f29 1 1854"/>
+              <a:gd name="f32" fmla="*/ 927 f29 1"/>
+              <a:gd name="f33" fmla="*/ 0 f29 1"/>
+              <a:gd name="f34" fmla="*/ 1854 f29 1"/>
+              <a:gd name="f35" fmla="*/ 758 f29 1"/>
+              <a:gd name="f36" fmla="*/ 1319 f29 1"/>
+              <a:gd name="f37" fmla="*/ 435 f29 1"/>
+              <a:gd name="f38" fmla="*/ 874 f29 1"/>
+              <a:gd name="f39" fmla="*/ 671 f29 1"/>
+              <a:gd name="f40" fmla="*/ 995 f29 1"/>
+              <a:gd name="f41" fmla="*/ 1027 f29 1"/>
+              <a:gd name="f42" fmla="*/ 1284 f29 1"/>
+              <a:gd name="f43" fmla="*/ 897 f29 1"/>
+              <a:gd name="f44" fmla="*/ 1105 f29 1"/>
+              <a:gd name="f45" fmla="*/ 1193 f29 1"/>
+              <a:gd name="f46" fmla="*/ 511 f29 1"/>
+              <a:gd name="f47" fmla="*/ 1408 f29 1"/>
+              <a:gd name="f48" fmla="+- f30 0 f1"/>
+              <a:gd name="f49" fmla="*/ f32 1 1854"/>
+              <a:gd name="f50" fmla="*/ f33 1 1854"/>
+              <a:gd name="f51" fmla="*/ f34 1 1854"/>
+              <a:gd name="f52" fmla="*/ f35 1 1854"/>
+              <a:gd name="f53" fmla="*/ f36 1 1854"/>
+              <a:gd name="f54" fmla="*/ f37 1 1854"/>
+              <a:gd name="f55" fmla="*/ f38 1 1854"/>
+              <a:gd name="f56" fmla="*/ f39 1 1854"/>
+              <a:gd name="f57" fmla="*/ f40 1 1854"/>
+              <a:gd name="f58" fmla="*/ f41 1 1854"/>
+              <a:gd name="f59" fmla="*/ f42 1 1854"/>
+              <a:gd name="f60" fmla="*/ f43 1 1854"/>
+              <a:gd name="f61" fmla="*/ f44 1 1854"/>
+              <a:gd name="f62" fmla="*/ f45 1 1854"/>
+              <a:gd name="f63" fmla="*/ f46 1 1854"/>
+              <a:gd name="f64" fmla="*/ f47 1 1854"/>
+              <a:gd name="f65" fmla="*/ 0 1 f31"/>
+              <a:gd name="f66" fmla="*/ f27 1 f31"/>
+              <a:gd name="f67" fmla="*/ f49 1 f31"/>
+              <a:gd name="f68" fmla="*/ f50 1 f31"/>
+              <a:gd name="f69" fmla="*/ f51 1 f31"/>
+              <a:gd name="f70" fmla="*/ f52 1 f31"/>
+              <a:gd name="f71" fmla="*/ f53 1 f31"/>
+              <a:gd name="f72" fmla="*/ f54 1 f31"/>
+              <a:gd name="f73" fmla="*/ f55 1 f31"/>
+              <a:gd name="f74" fmla="*/ f56 1 f31"/>
+              <a:gd name="f75" fmla="*/ f57 1 f31"/>
+              <a:gd name="f76" fmla="*/ f58 1 f31"/>
+              <a:gd name="f77" fmla="*/ f59 1 f31"/>
+              <a:gd name="f78" fmla="*/ f60 1 f31"/>
+              <a:gd name="f79" fmla="*/ f61 1 f31"/>
+              <a:gd name="f80" fmla="*/ f62 1 f31"/>
+              <a:gd name="f81" fmla="*/ f63 1 f31"/>
+              <a:gd name="f82" fmla="*/ f64 1 f31"/>
+              <a:gd name="f83" fmla="*/ f65 f24 1"/>
+              <a:gd name="f84" fmla="*/ f66 f24 1"/>
+              <a:gd name="f85" fmla="*/ f66 f25 1"/>
+              <a:gd name="f86" fmla="*/ f65 f25 1"/>
+              <a:gd name="f87" fmla="*/ f67 f24 1"/>
+              <a:gd name="f88" fmla="*/ f68 f25 1"/>
+              <a:gd name="f89" fmla="*/ f68 f24 1"/>
+              <a:gd name="f90" fmla="*/ f67 f25 1"/>
+              <a:gd name="f91" fmla="*/ f69 f25 1"/>
+              <a:gd name="f92" fmla="*/ f69 f24 1"/>
+              <a:gd name="f93" fmla="*/ f70 f24 1"/>
+              <a:gd name="f94" fmla="*/ f71 f25 1"/>
+              <a:gd name="f95" fmla="*/ f72 f24 1"/>
+              <a:gd name="f96" fmla="*/ f73 f25 1"/>
+              <a:gd name="f97" fmla="*/ f74 f24 1"/>
+              <a:gd name="f98" fmla="*/ f75 f24 1"/>
+              <a:gd name="f99" fmla="*/ f76 f24 1"/>
+              <a:gd name="f100" fmla="*/ f77 f25 1"/>
+              <a:gd name="f101" fmla="*/ f78 f24 1"/>
+              <a:gd name="f102" fmla="*/ f79 f25 1"/>
+              <a:gd name="f103" fmla="*/ f80 f24 1"/>
+              <a:gd name="f104" fmla="*/ f81 f25 1"/>
+              <a:gd name="f105" fmla="*/ f82 f24 1"/>
+            </a:gdLst>
+            <a:ahLst/>
+            <a:cxnLst>
+              <a:cxn ang="3cd4">
+                <a:pos x="hc" y="t"/>
+              </a:cxn>
+              <a:cxn ang="0">
+                <a:pos x="r" y="vc"/>
+              </a:cxn>
+              <a:cxn ang="cd4">
+                <a:pos x="hc" y="b"/>
+              </a:cxn>
+              <a:cxn ang="cd2">
+                <a:pos x="l" y="vc"/>
+              </a:cxn>
+              <a:cxn ang="f48">
+                <a:pos x="f87" y="f88"/>
+              </a:cxn>
+              <a:cxn ang="f48">
+                <a:pos x="f89" y="f90"/>
+              </a:cxn>
+              <a:cxn ang="f48">
+                <a:pos x="f87" y="f91"/>
+              </a:cxn>
+              <a:cxn ang="f48">
+                <a:pos x="f92" y="f90"/>
+              </a:cxn>
+              <a:cxn ang="f48">
+                <a:pos x="f87" y="f88"/>
+              </a:cxn>
+              <a:cxn ang="f48">
+                <a:pos x="f93" y="f94"/>
+              </a:cxn>
+              <a:cxn ang="f48">
+                <a:pos x="f95" y="f96"/>
+              </a:cxn>
+              <a:cxn ang="f48">
+                <a:pos x="f97" y="f96"/>
+              </a:cxn>
+              <a:cxn ang="f48">
+                <a:pos x="f98" y="f94"/>
+              </a:cxn>
+              <a:cxn ang="f48">
+                <a:pos x="f93" y="f94"/>
+              </a:cxn>
+              <a:cxn ang="f48">
+                <a:pos x="f99" y="f100"/>
+              </a:cxn>
+              <a:cxn ang="f48">
+                <a:pos x="f101" y="f102"/>
+              </a:cxn>
+              <a:cxn ang="f48">
+                <a:pos x="f103" y="f104"/>
+              </a:cxn>
+              <a:cxn ang="f48">
+                <a:pos x="f105" y="f104"/>
+              </a:cxn>
+              <a:cxn ang="f48">
+                <a:pos x="f99" y="f100"/>
+              </a:cxn>
+            </a:cxnLst>
+            <a:rect l="f83" t="f86" r="f84" b="f85"/>
+            <a:pathLst>
+              <a:path w="1854" h="1854">
+                <a:moveTo>
+                  <a:pt x="f7" y="f5"/>
+                </a:moveTo>
+                <a:cubicBezTo>
+                  <a:pt x="f8" y="f5"/>
+                  <a:pt x="f5" y="f8"/>
+                  <a:pt x="f5" y="f7"/>
+                </a:cubicBezTo>
+                <a:cubicBezTo>
+                  <a:pt x="f5" y="f9"/>
+                  <a:pt x="f8" y="f6"/>
+                  <a:pt x="f7" y="f6"/>
+                </a:cubicBezTo>
+                <a:cubicBezTo>
+                  <a:pt x="f9" y="f6"/>
+                  <a:pt x="f6" y="f9"/>
+                  <a:pt x="f6" y="f7"/>
+                </a:cubicBezTo>
+                <a:cubicBezTo>
+                  <a:pt x="f6" y="f8"/>
+                  <a:pt x="f9" y="f5"/>
+                  <a:pt x="f7" y="f5"/>
+                </a:cubicBezTo>
+                <a:close/>
+                <a:moveTo>
+                  <a:pt x="f10" y="f11"/>
+                </a:moveTo>
+                <a:cubicBezTo>
+                  <a:pt x="f12" y="f13"/>
+                  <a:pt x="f12" y="f13"/>
+                  <a:pt x="f12" y="f13"/>
+                </a:cubicBezTo>
+                <a:cubicBezTo>
+                  <a:pt x="f14" y="f13"/>
+                  <a:pt x="f14" y="f13"/>
+                  <a:pt x="f14" y="f13"/>
+                </a:cubicBezTo>
+                <a:cubicBezTo>
+                  <a:pt x="f15" y="f11"/>
+                  <a:pt x="f15" y="f11"/>
+                  <a:pt x="f15" y="f11"/>
+                </a:cubicBezTo>
+                <a:lnTo>
+                  <a:pt x="f10" y="f11"/>
+                </a:lnTo>
+                <a:close/>
+                <a:moveTo>
+                  <a:pt x="f16" y="f17"/>
+                </a:moveTo>
+                <a:cubicBezTo>
+                  <a:pt x="f18" y="f19"/>
+                  <a:pt x="f18" y="f19"/>
+                  <a:pt x="f18" y="f19"/>
+                </a:cubicBezTo>
+                <a:cubicBezTo>
+                  <a:pt x="f20" y="f21"/>
+                  <a:pt x="f20" y="f21"/>
+                  <a:pt x="f20" y="f21"/>
+                </a:cubicBezTo>
+                <a:cubicBezTo>
+                  <a:pt x="f22" y="f21"/>
+                  <a:pt x="f22" y="f21"/>
+                  <a:pt x="f22" y="f21"/>
+                </a:cubicBezTo>
+                <a:lnTo>
+                  <a:pt x="f16" y="f17"/>
+                </a:lnTo>
+                <a:close/>
+              </a:path>
+            </a:pathLst>
+          </a:custGeom>
+          <a:solidFill>
+            <a:srgbClr val="2F5597"/>
+          </a:solidFill>
+          <a:ln cap="flat">
+            <a:noFill/>
+            <a:prstDash val="solid"/>
+          </a:ln>
+        </p:spPr>
+        <p:txBody>
+          <a:bodyPr vert="horz" wrap="square" lIns="91426" tIns="45717" rIns="91426" bIns="45717" anchor="t" anchorCtr="0" compatLnSpc="1">
+            <a:noAutofit/>
+          </a:bodyPr>
+          <a:lstStyle/>
+          <a:p>
+            <a:pPr defTabSz="914224">
+              <a:defRPr sz="1800" b="0" i="0" u="none" strike="noStrike" kern="0" cap="none" spc="0" baseline="0">
+                <a:solidFill>
+                  <a:srgbClr val="000000"/>
+                </a:solidFill>
+                <a:uFillTx/>
+              </a:defRPr>
+            </a:pPr>
+            <a:endParaRPr lang="en-US">
+              <a:solidFill>
+                <a:srgbClr val="505050"/>
+              </a:solidFill>
+              <a:latin typeface="Segoe UI"/>
+            </a:endParaRPr>
+          </a:p>
+        </p:txBody>
+      </p:sp>
+      <p:cxnSp>
+        <p:nvCxnSpPr>
+          <p:cNvPr id="24" name="Gerader Verbinder 23">
+            <a:extLst>
+              <a:ext uri="{FF2B5EF4-FFF2-40B4-BE49-F238E27FC236}">
+                <a16:creationId xmlns:a16="http://schemas.microsoft.com/office/drawing/2014/main" id="{EAC2143E-E548-4E55-B062-25B07287657A}"/>
+              </a:ext>
+            </a:extLst>
+          </p:cNvPr>
+          <p:cNvCxnSpPr>
+            <a:cxnSpLocks/>
+          </p:cNvCxnSpPr>
+          <p:nvPr/>
+        </p:nvCxnSpPr>
+        <p:spPr>
+          <a:xfrm>
+            <a:off x="4823135" y="363784"/>
+            <a:ext cx="2603240" cy="0"/>
+          </a:xfrm>
+          <a:prstGeom prst="line">
+            <a:avLst/>
+          </a:prstGeom>
+          <a:ln w="31750" cap="rnd">
+            <a:solidFill>
+              <a:schemeClr val="accent1">
+                <a:lumMod val="75000"/>
+              </a:schemeClr>
+            </a:solidFill>
+          </a:ln>
+        </p:spPr>
+        <p:style>
+          <a:lnRef idx="1">
+            <a:schemeClr val="accent1"/>
+          </a:lnRef>
+          <a:fillRef idx="0">
+            <a:schemeClr val="accent1"/>
+          </a:fillRef>
+          <a:effectRef idx="0">
+            <a:schemeClr val="accent1"/>
+          </a:effectRef>
+          <a:fontRef idx="minor">
+            <a:schemeClr val="tx1"/>
+          </a:fontRef>
+        </p:style>
+      </p:cxnSp>
+      <p:cxnSp>
+        <p:nvCxnSpPr>
+          <p:cNvPr id="25" name="Gerader Verbinder 24">
+            <a:extLst>
+              <a:ext uri="{FF2B5EF4-FFF2-40B4-BE49-F238E27FC236}">
+                <a16:creationId xmlns:a16="http://schemas.microsoft.com/office/drawing/2014/main" id="{1A73D2B3-CFCF-4436-BB11-34C760666A0E}"/>
+              </a:ext>
+            </a:extLst>
+          </p:cNvPr>
+          <p:cNvCxnSpPr/>
+          <p:nvPr/>
+        </p:nvCxnSpPr>
+        <p:spPr>
+          <a:xfrm>
+            <a:off x="0" y="881721"/>
+            <a:ext cx="12264887" cy="0"/>
+          </a:xfrm>
+          <a:prstGeom prst="line">
+            <a:avLst/>
+          </a:prstGeom>
+          <a:ln>
+            <a:solidFill>
+              <a:schemeClr val="bg1">
+                <a:lumMod val="85000"/>
+              </a:schemeClr>
+            </a:solidFill>
+          </a:ln>
+        </p:spPr>
+        <p:style>
+          <a:lnRef idx="1">
+            <a:schemeClr val="accent3"/>
+          </a:lnRef>
+          <a:fillRef idx="0">
+            <a:schemeClr val="accent3"/>
+          </a:fillRef>
+          <a:effectRef idx="0">
+            <a:schemeClr val="accent3"/>
+          </a:effectRef>
+          <a:fontRef idx="minor">
+            <a:schemeClr val="tx1"/>
+          </a:fontRef>
+        </p:style>
+      </p:cxnSp>
+      <p:sp>
+        <p:nvSpPr>
+          <p:cNvPr id="9" name="Textfeld 8">
+            <a:extLst>
+              <a:ext uri="{FF2B5EF4-FFF2-40B4-BE49-F238E27FC236}">
+                <a16:creationId xmlns:a16="http://schemas.microsoft.com/office/drawing/2014/main" id="{1DFF570F-09AD-4C59-AB47-ECA8AFAE6188}"/>
+              </a:ext>
+            </a:extLst>
+          </p:cNvPr>
+          <p:cNvSpPr txBox="1"/>
+          <p:nvPr/>
+        </p:nvSpPr>
+        <p:spPr>
+          <a:xfrm>
+            <a:off x="9433944" y="6596390"/>
+            <a:ext cx="2819561" cy="261610"/>
+          </a:xfrm>
+          <a:prstGeom prst="rect">
+            <a:avLst/>
+          </a:prstGeom>
+          <a:noFill/>
+        </p:spPr>
+        <p:txBody>
+          <a:bodyPr wrap="square" rtlCol="0">
+            <a:spAutoFit/>
+          </a:bodyPr>
+          <a:lstStyle/>
+          <a:p>
+            <a:pPr algn="r"/>
+            <a:r>
+              <a:rPr lang="de-CH" sz="1100" dirty="0">
+                <a:solidFill>
+                  <a:schemeClr val="bg2">
+                    <a:lumMod val="75000"/>
+                  </a:schemeClr>
+                </a:solidFill>
+              </a:rPr>
+              <a:t>Bildquelle: unsplash.com</a:t>
+            </a:r>
+          </a:p>
+        </p:txBody>
+      </p:sp>
+      <p:sp>
+        <p:nvSpPr>
+          <p:cNvPr id="28" name="Textfeld 27">
+            <a:extLst>
+              <a:ext uri="{FF2B5EF4-FFF2-40B4-BE49-F238E27FC236}">
+                <a16:creationId xmlns:a16="http://schemas.microsoft.com/office/drawing/2014/main" id="{3DB27C9D-3FF2-4F26-B56C-F4A50EAF6B23}"/>
+              </a:ext>
+            </a:extLst>
+          </p:cNvPr>
+          <p:cNvSpPr txBox="1"/>
+          <p:nvPr/>
+        </p:nvSpPr>
+        <p:spPr>
+          <a:xfrm>
+            <a:off x="3860242" y="482179"/>
+            <a:ext cx="1535370" cy="261610"/>
+          </a:xfrm>
+          <a:prstGeom prst="rect">
+            <a:avLst/>
+          </a:prstGeom>
+          <a:noFill/>
+        </p:spPr>
+        <p:txBody>
+          <a:bodyPr wrap="square" rtlCol="0">
+            <a:spAutoFit/>
+          </a:bodyPr>
+          <a:lstStyle/>
+          <a:p>
+            <a:pPr algn="ctr"/>
+            <a:r>
+              <a:rPr lang="de-CH" sz="1100" dirty="0">
+                <a:solidFill>
+                  <a:schemeClr val="bg2">
+                    <a:lumMod val="75000"/>
+                  </a:schemeClr>
+                </a:solidFill>
+                <a:latin typeface="Helvetica Neue Light" panose="02000403000000020004" pitchFamily="2" charset="0"/>
+                <a:ea typeface="Helvetica Neue Light" panose="02000403000000020004" pitchFamily="2" charset="0"/>
+              </a:rPr>
+              <a:t>EDA/Preprocessing</a:t>
+            </a:r>
+          </a:p>
+        </p:txBody>
+      </p:sp>
+      <p:sp>
+        <p:nvSpPr>
+          <p:cNvPr id="29" name="Textfeld 28">
+            <a:extLst>
+              <a:ext uri="{FF2B5EF4-FFF2-40B4-BE49-F238E27FC236}">
+                <a16:creationId xmlns:a16="http://schemas.microsoft.com/office/drawing/2014/main" id="{3634FFA6-ED34-48CE-B384-0390068621FD}"/>
+              </a:ext>
+            </a:extLst>
+          </p:cNvPr>
+          <p:cNvSpPr txBox="1"/>
+          <p:nvPr/>
+        </p:nvSpPr>
+        <p:spPr>
+          <a:xfrm>
+            <a:off x="1106634" y="486188"/>
+            <a:ext cx="1040130" cy="261610"/>
+          </a:xfrm>
+          <a:prstGeom prst="rect">
+            <a:avLst/>
+          </a:prstGeom>
+          <a:noFill/>
+        </p:spPr>
+        <p:txBody>
+          <a:bodyPr wrap="square" rtlCol="0">
+            <a:spAutoFit/>
+          </a:bodyPr>
+          <a:lstStyle/>
+          <a:p>
+            <a:pPr algn="ctr"/>
+            <a:r>
+              <a:rPr lang="de-CH" sz="1100" dirty="0">
+                <a:solidFill>
+                  <a:schemeClr val="bg2">
+                    <a:lumMod val="75000"/>
+                  </a:schemeClr>
+                </a:solidFill>
+                <a:latin typeface="Helvetica Neue Light" panose="02000403000000020004" pitchFamily="2" charset="0"/>
+                <a:ea typeface="Helvetica Neue Light" panose="02000403000000020004" pitchFamily="2" charset="0"/>
+              </a:rPr>
+              <a:t>Introduction</a:t>
+            </a:r>
+            <a:endParaRPr lang="de-CH" sz="1400" dirty="0">
+              <a:solidFill>
+                <a:schemeClr val="bg2">
+                  <a:lumMod val="75000"/>
+                </a:schemeClr>
+              </a:solidFill>
+              <a:latin typeface="Helvetica Neue Light" panose="02000403000000020004" pitchFamily="2" charset="0"/>
+              <a:ea typeface="Helvetica Neue Light" panose="02000403000000020004" pitchFamily="2" charset="0"/>
+            </a:endParaRPr>
+          </a:p>
+        </p:txBody>
+      </p:sp>
+      <p:sp>
+        <p:nvSpPr>
+          <p:cNvPr id="30" name="Textfeld 29">
+            <a:extLst>
+              <a:ext uri="{FF2B5EF4-FFF2-40B4-BE49-F238E27FC236}">
+                <a16:creationId xmlns:a16="http://schemas.microsoft.com/office/drawing/2014/main" id="{34152CA4-5636-4A36-8235-2C1F616D4DCB}"/>
+              </a:ext>
+            </a:extLst>
+          </p:cNvPr>
+          <p:cNvSpPr txBox="1"/>
+          <p:nvPr/>
+        </p:nvSpPr>
+        <p:spPr>
+          <a:xfrm>
+            <a:off x="6822157" y="481291"/>
+            <a:ext cx="1613996" cy="261610"/>
+          </a:xfrm>
+          <a:prstGeom prst="rect">
+            <a:avLst/>
+          </a:prstGeom>
+          <a:noFill/>
+        </p:spPr>
+        <p:txBody>
+          <a:bodyPr wrap="square" rtlCol="0">
+            <a:spAutoFit/>
+          </a:bodyPr>
+          <a:lstStyle/>
+          <a:p>
+            <a:pPr algn="ctr"/>
+            <a:r>
+              <a:rPr lang="de-CH" sz="1100" dirty="0">
+                <a:solidFill>
+                  <a:schemeClr val="bg2">
+                    <a:lumMod val="75000"/>
+                  </a:schemeClr>
+                </a:solidFill>
+                <a:latin typeface="Helvetica Neue Light" panose="02000403000000020004" pitchFamily="2" charset="0"/>
+                <a:ea typeface="Helvetica Neue Light" panose="02000403000000020004" pitchFamily="2" charset="0"/>
+              </a:rPr>
+              <a:t>Modelling</a:t>
+            </a:r>
+            <a:endParaRPr lang="de-CH" sz="1400" dirty="0">
+              <a:solidFill>
+                <a:schemeClr val="bg2">
+                  <a:lumMod val="75000"/>
+                </a:schemeClr>
+              </a:solidFill>
+              <a:latin typeface="Helvetica Neue Light" panose="02000403000000020004" pitchFamily="2" charset="0"/>
+              <a:ea typeface="Helvetica Neue Light" panose="02000403000000020004" pitchFamily="2" charset="0"/>
+            </a:endParaRPr>
+          </a:p>
+        </p:txBody>
+      </p:sp>
+      <p:sp>
+        <p:nvSpPr>
+          <p:cNvPr id="31" name="Textfeld 30">
+            <a:extLst>
+              <a:ext uri="{FF2B5EF4-FFF2-40B4-BE49-F238E27FC236}">
+                <a16:creationId xmlns:a16="http://schemas.microsoft.com/office/drawing/2014/main" id="{23A58E0A-2A45-40E6-8E3B-30FDCBF5DE00}"/>
+              </a:ext>
+            </a:extLst>
+          </p:cNvPr>
+          <p:cNvSpPr txBox="1"/>
+          <p:nvPr/>
+        </p:nvSpPr>
+        <p:spPr>
+          <a:xfrm>
+            <a:off x="9876199" y="491313"/>
+            <a:ext cx="1508368" cy="261610"/>
+          </a:xfrm>
+          <a:prstGeom prst="rect">
+            <a:avLst/>
+          </a:prstGeom>
+          <a:noFill/>
+        </p:spPr>
+        <p:txBody>
+          <a:bodyPr wrap="square" rtlCol="0">
+            <a:spAutoFit/>
+          </a:bodyPr>
+          <a:lstStyle/>
+          <a:p>
+            <a:pPr algn="ctr"/>
+            <a:r>
+              <a:rPr lang="de-CH" sz="1100" dirty="0">
+                <a:solidFill>
+                  <a:schemeClr val="bg2">
+                    <a:lumMod val="75000"/>
+                  </a:schemeClr>
+                </a:solidFill>
+                <a:latin typeface="Helvetica Neue Light" panose="02000403000000020004" pitchFamily="2" charset="0"/>
+                <a:ea typeface="Helvetica Neue Light" panose="02000403000000020004" pitchFamily="2" charset="0"/>
+              </a:rPr>
+              <a:t>Results</a:t>
+            </a:r>
+            <a:endParaRPr lang="de-CH" sz="1400" dirty="0">
+              <a:solidFill>
+                <a:schemeClr val="bg2">
+                  <a:lumMod val="75000"/>
+                </a:schemeClr>
+              </a:solidFill>
+              <a:latin typeface="Helvetica Neue Light" panose="02000403000000020004" pitchFamily="2" charset="0"/>
+              <a:ea typeface="Helvetica Neue Light" panose="02000403000000020004" pitchFamily="2" charset="0"/>
+            </a:endParaRPr>
+          </a:p>
+        </p:txBody>
+      </p:sp>
+      <p:sp>
+        <p:nvSpPr>
+          <p:cNvPr id="32" name="Titel 1">
+            <a:extLst>
+              <a:ext uri="{FF2B5EF4-FFF2-40B4-BE49-F238E27FC236}">
+                <a16:creationId xmlns:a16="http://schemas.microsoft.com/office/drawing/2014/main" id="{4665678C-BB69-448F-9076-1EA1D3679776}"/>
+              </a:ext>
+            </a:extLst>
+          </p:cNvPr>
+          <p:cNvSpPr>
+            <a:spLocks noGrp="1"/>
+          </p:cNvSpPr>
+          <p:nvPr>
+            <p:ph type="title"/>
+          </p:nvPr>
+        </p:nvSpPr>
+        <p:spPr>
+          <a:xfrm>
+            <a:off x="1198012" y="1971404"/>
+            <a:ext cx="10515600" cy="623045"/>
+          </a:xfrm>
+        </p:spPr>
+        <p:txBody>
+          <a:bodyPr>
+            <a:normAutofit fontScale="90000"/>
+          </a:bodyPr>
+          <a:lstStyle/>
+          <a:p>
+            <a:r>
+              <a:rPr lang="de-CH" dirty="0">
+                <a:latin typeface="Helvetica Neue"/>
+              </a:rPr>
+              <a:t>Conclusion</a:t>
+            </a:r>
+          </a:p>
+        </p:txBody>
+      </p:sp>
+      <p:sp>
+        <p:nvSpPr>
+          <p:cNvPr id="2" name="Datumsplatzhalter 1">
+            <a:extLst>
+              <a:ext uri="{FF2B5EF4-FFF2-40B4-BE49-F238E27FC236}">
+                <a16:creationId xmlns:a16="http://schemas.microsoft.com/office/drawing/2014/main" id="{2114F524-20AA-4BEC-9266-593EC83EA821}"/>
+              </a:ext>
+            </a:extLst>
+          </p:cNvPr>
+          <p:cNvSpPr>
+            <a:spLocks noGrp="1"/>
+          </p:cNvSpPr>
+          <p:nvPr>
+            <p:ph type="dt" sz="half" idx="10"/>
+          </p:nvPr>
+        </p:nvSpPr>
+        <p:spPr/>
+        <p:txBody>
+          <a:bodyPr/>
+          <a:lstStyle/>
+          <a:p>
+            <a:fld id="{2CC03D73-1F34-48E0-AFF1-4F1F8EBA1283}" type="datetime1">
+              <a:rPr lang="en-GB" smtClean="0"/>
+              <a:t>28/06/2021</a:t>
+            </a:fld>
+            <a:endParaRPr lang="de-CH"/>
+          </a:p>
+        </p:txBody>
+      </p:sp>
+      <p:sp>
+        <p:nvSpPr>
+          <p:cNvPr id="3" name="Fußzeilenplatzhalter 2">
+            <a:extLst>
+              <a:ext uri="{FF2B5EF4-FFF2-40B4-BE49-F238E27FC236}">
+                <a16:creationId xmlns:a16="http://schemas.microsoft.com/office/drawing/2014/main" id="{74C86B16-F543-4A7C-8F64-5EF1C838ED60}"/>
+              </a:ext>
+            </a:extLst>
+          </p:cNvPr>
+          <p:cNvSpPr>
+            <a:spLocks noGrp="1"/>
+          </p:cNvSpPr>
+          <p:nvPr>
+            <p:ph type="ftr" sz="quarter" idx="11"/>
+          </p:nvPr>
+        </p:nvSpPr>
+        <p:spPr/>
+        <p:txBody>
+          <a:bodyPr/>
+          <a:lstStyle/>
+          <a:p>
+            <a:r>
+              <a:rPr lang="de-CH"/>
+              <a:t>Roman Studer, Alexandre Rau</a:t>
+            </a:r>
+          </a:p>
+        </p:txBody>
+      </p:sp>
+      <p:sp>
+        <p:nvSpPr>
+          <p:cNvPr id="14" name="Foliennummernplatzhalter 13">
+            <a:extLst>
+              <a:ext uri="{FF2B5EF4-FFF2-40B4-BE49-F238E27FC236}">
+                <a16:creationId xmlns:a16="http://schemas.microsoft.com/office/drawing/2014/main" id="{0B0B3496-33EB-42E4-9973-0AB4A774111D}"/>
+              </a:ext>
+            </a:extLst>
+          </p:cNvPr>
+          <p:cNvSpPr>
+            <a:spLocks noGrp="1"/>
+          </p:cNvSpPr>
+          <p:nvPr>
+            <p:ph type="sldNum" sz="quarter" idx="12"/>
+          </p:nvPr>
+        </p:nvSpPr>
+        <p:spPr/>
+        <p:txBody>
+          <a:bodyPr/>
+          <a:lstStyle/>
+          <a:p>
+            <a:fld id="{2FD792E3-E401-4E03-A367-A0CE4F17704C}" type="slidenum">
+              <a:rPr lang="de-CH" smtClean="0"/>
+              <a:t>10</a:t>
+            </a:fld>
+            <a:endParaRPr lang="de-CH"/>
+          </a:p>
+        </p:txBody>
+      </p:sp>
+      <p:grpSp>
+        <p:nvGrpSpPr>
+          <p:cNvPr id="40" name="Gruppieren 39">
+            <a:extLst>
+              <a:ext uri="{FF2B5EF4-FFF2-40B4-BE49-F238E27FC236}">
+                <a16:creationId xmlns:a16="http://schemas.microsoft.com/office/drawing/2014/main" id="{BE2C95D5-CC52-40F7-9FFD-606394C987AD}"/>
+              </a:ext>
+            </a:extLst>
+          </p:cNvPr>
+          <p:cNvGrpSpPr/>
+          <p:nvPr/>
+        </p:nvGrpSpPr>
+        <p:grpSpPr>
+          <a:xfrm>
+            <a:off x="9285144" y="886846"/>
+            <a:ext cx="3310173" cy="6913099"/>
+            <a:chOff x="9285144" y="886846"/>
+            <a:chExt cx="3310173" cy="6913099"/>
+          </a:xfrm>
+        </p:grpSpPr>
+        <p:pic>
+          <p:nvPicPr>
+            <p:cNvPr id="17" name="Grafik 16">
+              <a:extLst>
+                <a:ext uri="{FF2B5EF4-FFF2-40B4-BE49-F238E27FC236}">
+                  <a16:creationId xmlns:a16="http://schemas.microsoft.com/office/drawing/2014/main" id="{986A0574-F708-4E8D-BB85-FAECD1BF7514}"/>
+                </a:ext>
+              </a:extLst>
+            </p:cNvPr>
+            <p:cNvPicPr>
+              <a:picLocks noChangeAspect="1"/>
+            </p:cNvPicPr>
+            <p:nvPr/>
+          </p:nvPicPr>
+          <p:blipFill>
+            <a:blip r:embed="rId3"/>
+            <a:stretch>
+              <a:fillRect/>
+            </a:stretch>
+          </p:blipFill>
+          <p:spPr>
+            <a:xfrm>
+              <a:off x="9317082" y="886846"/>
+              <a:ext cx="1676906" cy="2388134"/>
+            </a:xfrm>
+            <a:prstGeom prst="rect">
+              <a:avLst/>
+            </a:prstGeom>
+            <a:ln>
+              <a:noFill/>
+            </a:ln>
+          </p:spPr>
+        </p:pic>
+        <p:pic>
+          <p:nvPicPr>
+            <p:cNvPr id="26" name="Grafik 25">
+              <a:extLst>
+                <a:ext uri="{FF2B5EF4-FFF2-40B4-BE49-F238E27FC236}">
+                  <a16:creationId xmlns:a16="http://schemas.microsoft.com/office/drawing/2014/main" id="{57764915-E54D-41E6-BD0B-DA3A609CA018}"/>
+                </a:ext>
+              </a:extLst>
+            </p:cNvPr>
+            <p:cNvPicPr>
+              <a:picLocks noChangeAspect="1"/>
+            </p:cNvPicPr>
+            <p:nvPr/>
+          </p:nvPicPr>
+          <p:blipFill rotWithShape="1">
+            <a:blip r:embed="rId4"/>
+            <a:srcRect t="1220"/>
+            <a:stretch/>
+          </p:blipFill>
+          <p:spPr>
+            <a:xfrm>
+              <a:off x="9285144" y="3224113"/>
+              <a:ext cx="1676906" cy="2350888"/>
+            </a:xfrm>
+            <a:prstGeom prst="rect">
+              <a:avLst/>
+            </a:prstGeom>
+          </p:spPr>
+        </p:pic>
+        <p:pic>
+          <p:nvPicPr>
+            <p:cNvPr id="33" name="Grafik 32">
+              <a:extLst>
+                <a:ext uri="{FF2B5EF4-FFF2-40B4-BE49-F238E27FC236}">
+                  <a16:creationId xmlns:a16="http://schemas.microsoft.com/office/drawing/2014/main" id="{0D1374F8-30E0-4C39-83E0-3EEC0139A7A1}"/>
+                </a:ext>
+              </a:extLst>
+            </p:cNvPr>
+            <p:cNvPicPr>
+              <a:picLocks noChangeAspect="1"/>
+            </p:cNvPicPr>
+            <p:nvPr/>
+          </p:nvPicPr>
+          <p:blipFill>
+            <a:blip r:embed="rId5"/>
+            <a:stretch>
+              <a:fillRect/>
+            </a:stretch>
+          </p:blipFill>
+          <p:spPr>
+            <a:xfrm>
+              <a:off x="9297710" y="5420016"/>
+              <a:ext cx="1680309" cy="2379929"/>
+            </a:xfrm>
+            <a:prstGeom prst="rect">
+              <a:avLst/>
+            </a:prstGeom>
+          </p:spPr>
+        </p:pic>
+        <p:pic>
+          <p:nvPicPr>
+            <p:cNvPr id="35" name="Grafik 34">
+              <a:extLst>
+                <a:ext uri="{FF2B5EF4-FFF2-40B4-BE49-F238E27FC236}">
+                  <a16:creationId xmlns:a16="http://schemas.microsoft.com/office/drawing/2014/main" id="{05ADCFA2-B832-4807-A03D-C20431EFD04F}"/>
+                </a:ext>
+              </a:extLst>
+            </p:cNvPr>
+            <p:cNvPicPr>
+              <a:picLocks noChangeAspect="1"/>
+            </p:cNvPicPr>
+            <p:nvPr/>
+          </p:nvPicPr>
+          <p:blipFill rotWithShape="1">
+            <a:blip r:embed="rId6"/>
+            <a:srcRect t="15856"/>
+            <a:stretch/>
+          </p:blipFill>
+          <p:spPr>
+            <a:xfrm>
+              <a:off x="10905416" y="886846"/>
+              <a:ext cx="1676906" cy="2004715"/>
+            </a:xfrm>
+            <a:prstGeom prst="rect">
+              <a:avLst/>
+            </a:prstGeom>
+          </p:spPr>
+        </p:pic>
+        <p:pic>
+          <p:nvPicPr>
+            <p:cNvPr id="37" name="Grafik 36">
+              <a:extLst>
+                <a:ext uri="{FF2B5EF4-FFF2-40B4-BE49-F238E27FC236}">
+                  <a16:creationId xmlns:a16="http://schemas.microsoft.com/office/drawing/2014/main" id="{B2E0DF4C-FB6B-4DDF-BFCB-5CB46D159404}"/>
+                </a:ext>
+              </a:extLst>
+            </p:cNvPr>
+            <p:cNvPicPr>
+              <a:picLocks noChangeAspect="1"/>
+            </p:cNvPicPr>
+            <p:nvPr/>
+          </p:nvPicPr>
+          <p:blipFill>
+            <a:blip r:embed="rId7"/>
+            <a:stretch>
+              <a:fillRect/>
+            </a:stretch>
+          </p:blipFill>
+          <p:spPr>
+            <a:xfrm>
+              <a:off x="10913976" y="2774115"/>
+              <a:ext cx="1678155" cy="2379929"/>
+            </a:xfrm>
+            <a:prstGeom prst="rect">
+              <a:avLst/>
+            </a:prstGeom>
+          </p:spPr>
+        </p:pic>
+        <p:pic>
+          <p:nvPicPr>
+            <p:cNvPr id="39" name="Grafik 38">
+              <a:extLst>
+                <a:ext uri="{FF2B5EF4-FFF2-40B4-BE49-F238E27FC236}">
+                  <a16:creationId xmlns:a16="http://schemas.microsoft.com/office/drawing/2014/main" id="{DFF78DE5-C09D-4C28-8921-333226FAFA82}"/>
+                </a:ext>
+              </a:extLst>
+            </p:cNvPr>
+            <p:cNvPicPr>
+              <a:picLocks noChangeAspect="1"/>
+            </p:cNvPicPr>
+            <p:nvPr/>
+          </p:nvPicPr>
+          <p:blipFill rotWithShape="1">
+            <a:blip r:embed="rId8"/>
+            <a:srcRect l="758" t="592"/>
+            <a:stretch/>
+          </p:blipFill>
+          <p:spPr>
+            <a:xfrm>
+              <a:off x="10928205" y="5116506"/>
+              <a:ext cx="1667112" cy="2379930"/>
+            </a:xfrm>
+            <a:prstGeom prst="rect">
+              <a:avLst/>
+            </a:prstGeom>
+          </p:spPr>
+        </p:pic>
+      </p:grpSp>
+      <p:sp>
+        <p:nvSpPr>
+          <p:cNvPr id="41" name="Rechteck 40">
+            <a:extLst>
+              <a:ext uri="{FF2B5EF4-FFF2-40B4-BE49-F238E27FC236}">
+                <a16:creationId xmlns:a16="http://schemas.microsoft.com/office/drawing/2014/main" id="{64FD76B6-D5C6-4DE5-88B1-2D16C503FD94}"/>
+              </a:ext>
+            </a:extLst>
+          </p:cNvPr>
+          <p:cNvSpPr/>
+          <p:nvPr/>
+        </p:nvSpPr>
+        <p:spPr>
+          <a:xfrm>
+            <a:off x="9348009" y="876597"/>
+            <a:ext cx="3288143" cy="6710592"/>
+          </a:xfrm>
+          <a:prstGeom prst="rect">
+            <a:avLst/>
+          </a:prstGeom>
+          <a:solidFill>
+            <a:schemeClr val="bg1">
+              <a:lumMod val="85000"/>
+              <a:alpha val="30000"/>
+            </a:schemeClr>
+          </a:solidFill>
+          <a:ln>
+            <a:noFill/>
+          </a:ln>
+        </p:spPr>
+        <p:style>
+          <a:lnRef idx="2">
+            <a:schemeClr val="accent1">
+              <a:shade val="50000"/>
+            </a:schemeClr>
+          </a:lnRef>
+          <a:fillRef idx="1">
+            <a:schemeClr val="accent1"/>
+          </a:fillRef>
+          <a:effectRef idx="0">
+            <a:schemeClr val="accent1"/>
+          </a:effectRef>
+          <a:fontRef idx="minor">
+            <a:schemeClr val="lt1"/>
+          </a:fontRef>
+        </p:style>
+        <p:txBody>
+          <a:bodyPr rtlCol="0" anchor="ctr"/>
+          <a:lstStyle/>
+          <a:p>
+            <a:pPr algn="ctr"/>
+            <a:endParaRPr lang="en-GB"/>
+          </a:p>
+        </p:txBody>
+      </p:sp>
+      <p:sp>
+        <p:nvSpPr>
+          <p:cNvPr id="15" name="Textfeld 14">
+            <a:extLst>
+              <a:ext uri="{FF2B5EF4-FFF2-40B4-BE49-F238E27FC236}">
+                <a16:creationId xmlns:a16="http://schemas.microsoft.com/office/drawing/2014/main" id="{5F29D429-26D2-438A-9084-3C8DA7606DB2}"/>
+              </a:ext>
+            </a:extLst>
+          </p:cNvPr>
+          <p:cNvSpPr txBox="1"/>
+          <p:nvPr/>
+        </p:nvSpPr>
+        <p:spPr>
+          <a:xfrm>
+            <a:off x="1363896" y="2594449"/>
+            <a:ext cx="7503966" cy="2862322"/>
+          </a:xfrm>
+          <a:prstGeom prst="rect">
+            <a:avLst/>
+          </a:prstGeom>
+          <a:noFill/>
+        </p:spPr>
+        <p:txBody>
+          <a:bodyPr wrap="square" rtlCol="0">
+            <a:spAutoFit/>
+          </a:bodyPr>
+          <a:lstStyle/>
+          <a:p>
+            <a:pPr marL="285750" indent="-285750">
+              <a:buFont typeface="Arial" panose="020B0604020202020204" pitchFamily="34" charset="0"/>
+              <a:buChar char="•"/>
+            </a:pPr>
+            <a:r>
+              <a:rPr lang="en-GB" dirty="0">
+                <a:latin typeface="Helvetica Neue Light" panose="02000403000000020004"/>
+              </a:rPr>
+              <a:t>Hard to classify, overlapping groups</a:t>
+            </a:r>
+          </a:p>
+          <a:p>
+            <a:pPr marL="285750" indent="-285750">
+              <a:buFont typeface="Arial" panose="020B0604020202020204" pitchFamily="34" charset="0"/>
+              <a:buChar char="•"/>
+            </a:pPr>
+            <a:r>
+              <a:rPr lang="en-GB" dirty="0">
+                <a:latin typeface="Helvetica Neue Light" panose="02000403000000020004"/>
+              </a:rPr>
+              <a:t>Class imbalance</a:t>
+            </a:r>
+          </a:p>
+          <a:p>
+            <a:pPr marL="285750" indent="-285750">
+              <a:buFont typeface="Arial" panose="020B0604020202020204" pitchFamily="34" charset="0"/>
+              <a:buChar char="•"/>
+            </a:pPr>
+            <a:r>
+              <a:rPr lang="en-GB" dirty="0">
+                <a:latin typeface="Helvetica Neue Light" panose="02000403000000020004"/>
+              </a:rPr>
+              <a:t>Tree based ensemble models yield best results</a:t>
+            </a:r>
+          </a:p>
+          <a:p>
+            <a:pPr marL="285750" indent="-285750">
+              <a:buFont typeface="Arial" panose="020B0604020202020204" pitchFamily="34" charset="0"/>
+              <a:buChar char="•"/>
+            </a:pPr>
+            <a:r>
+              <a:rPr lang="en-GB" dirty="0">
+                <a:latin typeface="Helvetica Neue Light" panose="02000403000000020004"/>
+              </a:rPr>
+              <a:t>Found important features per location, category or specific diagnosis overall</a:t>
+            </a:r>
+          </a:p>
+          <a:p>
+            <a:pPr marL="285750" indent="-285750">
+              <a:buFont typeface="Arial" panose="020B0604020202020204" pitchFamily="34" charset="0"/>
+              <a:buChar char="•"/>
+            </a:pPr>
+            <a:r>
+              <a:rPr lang="en-GB" dirty="0">
+                <a:latin typeface="Helvetica Neue Light" panose="02000403000000020004"/>
+              </a:rPr>
+              <a:t>Some improvement by handling male and female patients differently</a:t>
+            </a:r>
+          </a:p>
+          <a:p>
+            <a:endParaRPr lang="en-GB" dirty="0">
+              <a:latin typeface="Helvetica Neue"/>
+            </a:endParaRPr>
+          </a:p>
+          <a:p>
+            <a:r>
+              <a:rPr lang="en-GB" dirty="0">
+                <a:latin typeface="Helvetica Neue"/>
+              </a:rPr>
+              <a:t>How to continue:</a:t>
+            </a:r>
+          </a:p>
+          <a:p>
+            <a:pPr marL="285750" indent="-285750">
+              <a:buFont typeface="Arial" panose="020B0604020202020204" pitchFamily="34" charset="0"/>
+              <a:buChar char="•"/>
+            </a:pPr>
+            <a:r>
+              <a:rPr lang="en-GB" dirty="0">
+                <a:latin typeface="Helvetica Neue Light" panose="02000403000000020004"/>
+              </a:rPr>
+              <a:t>Refine models</a:t>
+            </a:r>
+          </a:p>
+          <a:p>
+            <a:pPr marL="285750" indent="-285750">
+              <a:buFont typeface="Arial" panose="020B0604020202020204" pitchFamily="34" charset="0"/>
+              <a:buChar char="•"/>
+            </a:pPr>
+            <a:r>
+              <a:rPr lang="en-GB" dirty="0">
+                <a:latin typeface="Helvetica Neue Light" panose="02000403000000020004"/>
+              </a:rPr>
+              <a:t>Strengthen confidence in feature importance</a:t>
+            </a:r>
+          </a:p>
+        </p:txBody>
+      </p:sp>
+    </p:spTree>
+    <p:extLst>
+      <p:ext uri="{BB962C8B-B14F-4D97-AF65-F5344CB8AC3E}">
+        <p14:creationId xmlns:p14="http://schemas.microsoft.com/office/powerpoint/2010/main" val="2386252519"/>
+      </p:ext>
+    </p:extLst>
+  </p:cSld>
+  <p:clrMapOvr>
+    <a:masterClrMapping/>
+  </p:clrMapOvr>
+  <p:timing>
+    <p:tnLst>
+      <p:par>
+        <p:cTn id="1" dur="indefinite" restart="never" nodeType="tmRoot">
+          <p:childTnLst>
+            <p:seq concurrent="1" nextAc="seek">
+              <p:cTn id="2" dur="indefinite" nodeType="mainSeq">
+                <p:childTnLst>
+                  <p:par>
+                    <p:cTn id="3" fill="hold">
+                      <p:stCondLst>
+                        <p:cond delay="indefinite"/>
+                        <p:cond evt="onBegin" delay="0">
+                          <p:tn val="2"/>
+                        </p:cond>
+                      </p:stCondLst>
+                      <p:childTnLst>
+                        <p:par>
+                          <p:cTn id="4" fill="hold">
+                            <p:stCondLst>
+                              <p:cond delay="0"/>
+                            </p:stCondLst>
+                            <p:childTnLst>
+                              <p:par>
+                                <p:cTn id="5" presetID="22" presetClass="entr" presetSubtype="8" fill="hold" nodeType="withEffect">
+                                  <p:stCondLst>
+                                    <p:cond delay="0"/>
+                                  </p:stCondLst>
+                                  <p:childTnLst>
+                                    <p:set>
+                                      <p:cBhvr>
+                                        <p:cTn id="6" dur="1" fill="hold">
+                                          <p:stCondLst>
+                                            <p:cond delay="0"/>
+                                          </p:stCondLst>
+                                        </p:cTn>
+                                        <p:tgtEl>
+                                          <p:spTgt spid="21"/>
+                                        </p:tgtEl>
+                                        <p:attrNameLst>
+                                          <p:attrName>style.visibility</p:attrName>
+                                        </p:attrNameLst>
+                                      </p:cBhvr>
+                                      <p:to>
+                                        <p:strVal val="visible"/>
+                                      </p:to>
+                                    </p:set>
+                                    <p:animEffect transition="in" filter="wipe(left)">
+                                      <p:cBhvr>
+                                        <p:cTn id="7" dur="500"/>
+                                        <p:tgtEl>
+                                          <p:spTgt spid="21"/>
+                                        </p:tgtEl>
+                                      </p:cBhvr>
+                                    </p:animEffect>
+                                  </p:childTnLst>
+                                </p:cTn>
+                              </p:par>
+                            </p:childTnLst>
+                          </p:cTn>
+                        </p:par>
+                        <p:par>
+                          <p:cTn id="8" fill="hold">
+                            <p:stCondLst>
+                              <p:cond delay="500"/>
+                            </p:stCondLst>
+                            <p:childTnLst>
+                              <p:par>
+                                <p:cTn id="9" presetID="1" presetClass="entr" presetSubtype="0" fill="hold" grpId="0" nodeType="afterEffect">
+                                  <p:stCondLst>
+                                    <p:cond delay="0"/>
+                                  </p:stCondLst>
+                                  <p:childTnLst>
+                                    <p:set>
+                                      <p:cBhvr>
+                                        <p:cTn id="10" dur="1" fill="hold">
+                                          <p:stCondLst>
+                                            <p:cond delay="0"/>
+                                          </p:stCondLst>
+                                        </p:cTn>
+                                        <p:tgtEl>
+                                          <p:spTgt spid="22"/>
+                                        </p:tgtEl>
+                                        <p:attrNameLst>
+                                          <p:attrName>style.visibility</p:attrName>
+                                        </p:attrNameLst>
+                                      </p:cBhvr>
+                                      <p:to>
+                                        <p:strVal val="visible"/>
+                                      </p:to>
+                                    </p:set>
+                                  </p:childTnLst>
+                                </p:cTn>
+                              </p:par>
+                            </p:childTnLst>
+                          </p:cTn>
+                        </p:par>
+                      </p:childTnLst>
+                    </p:cTn>
+                  </p:par>
+                </p:childTnLst>
+              </p:cTn>
+              <p:prevCondLst>
+                <p:cond evt="onPrev" delay="0">
+                  <p:tgtEl>
+                    <p:sldTgt/>
+                  </p:tgtEl>
+                </p:cond>
+              </p:prevCondLst>
+              <p:nextCondLst>
+                <p:cond evt="onNext" delay="0">
+                  <p:tgtEl>
+                    <p:sldTgt/>
+                  </p:tgtEl>
+                </p:cond>
+              </p:nextCondLst>
+            </p:seq>
+          </p:childTnLst>
+        </p:cTn>
+      </p:par>
+    </p:tnLst>
+    <p:bldLst>
+      <p:bldP spid="22" grpId="0" animBg="1"/>
+    </p:bldLst>
+  </p:timing>
 </p:sld>
 </file>
 
@@ -6410,7 +9892,7 @@
           <a:p>
             <a:fld id="{93DF1834-CED1-46D6-BB7B-6C52CF0E4649}" type="datetime1">
               <a:rPr lang="en-GB" smtClean="0"/>
-              <a:t>27/06/2021</a:t>
+              <a:t>28/06/2021</a:t>
             </a:fld>
             <a:endParaRPr lang="de-CH"/>
           </a:p>
@@ -10474,7 +13956,7 @@
           <a:p>
             <a:fld id="{76FBC214-A102-40A2-9BF9-8892C6F5CF17}" type="datetime1">
               <a:rPr lang="en-GB" smtClean="0"/>
-              <a:t>27/06/2021</a:t>
+              <a:t>28/06/2021</a:t>
             </a:fld>
             <a:endParaRPr lang="de-CH" dirty="0"/>
           </a:p>
@@ -13196,7 +16678,7 @@
           <a:p>
             <a:fld id="{76FBC214-A102-40A2-9BF9-8892C6F5CF17}" type="datetime1">
               <a:rPr lang="en-GB" smtClean="0"/>
-              <a:t>27/06/2021</a:t>
+              <a:t>28/06/2021</a:t>
             </a:fld>
             <a:endParaRPr lang="de-CH" dirty="0"/>
           </a:p>
@@ -15470,7 +18952,7 @@
           <a:p>
             <a:fld id="{76FBC214-A102-40A2-9BF9-8892C6F5CF17}" type="datetime1">
               <a:rPr lang="en-GB" smtClean="0"/>
-              <a:t>27/06/2021</a:t>
+              <a:t>28/06/2021</a:t>
             </a:fld>
             <a:endParaRPr lang="de-CH" dirty="0"/>
           </a:p>
@@ -18368,7 +21850,7 @@
           <a:p>
             <a:fld id="{603E4F4D-713A-47CD-8511-7FDACD1445BE}" type="datetime1">
               <a:rPr lang="en-GB" smtClean="0"/>
-              <a:t>27/06/2021</a:t>
+              <a:t>28/06/2021</a:t>
             </a:fld>
             <a:endParaRPr lang="de-CH"/>
           </a:p>
@@ -21420,7 +24902,7 @@
           <a:p>
             <a:fld id="{2CC03D73-1F34-48E0-AFF1-4F1F8EBA1283}" type="datetime1">
               <a:rPr lang="en-GB" smtClean="0"/>
-              <a:t>27/06/2021</a:t>
+              <a:t>28/06/2021</a:t>
             </a:fld>
             <a:endParaRPr lang="de-CH"/>
           </a:p>
@@ -27459,7 +30941,7 @@
           <a:p>
             <a:fld id="{2CC03D73-1F34-48E0-AFF1-4F1F8EBA1283}" type="datetime1">
               <a:rPr lang="en-GB" smtClean="0"/>
-              <a:t>27/06/2021</a:t>
+              <a:t>28/06/2021</a:t>
             </a:fld>
             <a:endParaRPr lang="de-CH"/>
           </a:p>
@@ -27537,13 +31019,13 @@
           <p:nvPr>
             <p:extLst>
               <p:ext uri="{D42A27DB-BD31-4B8C-83A1-F6EECF244321}">
-                <p14:modId xmlns:p14="http://schemas.microsoft.com/office/powerpoint/2010/main" val="3815571381"/>
+                <p14:modId xmlns:p14="http://schemas.microsoft.com/office/powerpoint/2010/main" val="996676537"/>
               </p:ext>
             </p:extLst>
           </p:nvPr>
         </p:nvGraphicFramePr>
         <p:xfrm>
-          <a:off x="163935" y="2460735"/>
+          <a:off x="163935" y="1375414"/>
           <a:ext cx="4689872" cy="1928246"/>
         </p:xfrm>
         <a:graphic>
@@ -28850,6 +32332,1359 @@
           </a:graphicData>
         </a:graphic>
       </p:graphicFrame>
+      <p:sp>
+        <p:nvSpPr>
+          <p:cNvPr id="27" name="Textfeld 26">
+            <a:extLst>
+              <a:ext uri="{FF2B5EF4-FFF2-40B4-BE49-F238E27FC236}">
+                <a16:creationId xmlns:a16="http://schemas.microsoft.com/office/drawing/2014/main" id="{83E39C25-F9F8-4603-A54A-374AFA6E11C6}"/>
+              </a:ext>
+            </a:extLst>
+          </p:cNvPr>
+          <p:cNvSpPr txBox="1"/>
+          <p:nvPr/>
+        </p:nvSpPr>
+        <p:spPr>
+          <a:xfrm>
+            <a:off x="89364" y="844496"/>
+            <a:ext cx="4114800" cy="369332"/>
+          </a:xfrm>
+          <a:prstGeom prst="rect">
+            <a:avLst/>
+          </a:prstGeom>
+          <a:noFill/>
+        </p:spPr>
+        <p:txBody>
+          <a:bodyPr wrap="square" rtlCol="0">
+            <a:spAutoFit/>
+          </a:bodyPr>
+          <a:lstStyle/>
+          <a:p>
+            <a:r>
+              <a:rPr lang="en-GB" dirty="0">
+                <a:solidFill>
+                  <a:srgbClr val="2F5597"/>
+                </a:solidFill>
+                <a:latin typeface="Helvetica Neue" panose="02000503000000020004"/>
+              </a:rPr>
+              <a:t>Location: One vs. All</a:t>
+            </a:r>
+          </a:p>
+        </p:txBody>
+      </p:sp>
+      <p:sp>
+        <p:nvSpPr>
+          <p:cNvPr id="32" name="Textfeld 31">
+            <a:extLst>
+              <a:ext uri="{FF2B5EF4-FFF2-40B4-BE49-F238E27FC236}">
+                <a16:creationId xmlns:a16="http://schemas.microsoft.com/office/drawing/2014/main" id="{0EF5392C-2D9C-46D1-A2CD-BA01B1D9C357}"/>
+              </a:ext>
+            </a:extLst>
+          </p:cNvPr>
+          <p:cNvSpPr txBox="1"/>
+          <p:nvPr/>
+        </p:nvSpPr>
+        <p:spPr>
+          <a:xfrm>
+            <a:off x="102886" y="1098611"/>
+            <a:ext cx="4114800" cy="261610"/>
+          </a:xfrm>
+          <a:prstGeom prst="rect">
+            <a:avLst/>
+          </a:prstGeom>
+          <a:noFill/>
+        </p:spPr>
+        <p:txBody>
+          <a:bodyPr wrap="square" rtlCol="0">
+            <a:spAutoFit/>
+          </a:bodyPr>
+          <a:lstStyle/>
+          <a:p>
+            <a:r>
+              <a:rPr lang="en-GB" sz="1050" dirty="0">
+                <a:solidFill>
+                  <a:schemeClr val="bg1">
+                    <a:lumMod val="65000"/>
+                  </a:schemeClr>
+                </a:solidFill>
+                <a:latin typeface="Helvetica Neue" panose="02000503000000020004"/>
+              </a:rPr>
+              <a:t>Macro F1-Score</a:t>
+            </a:r>
+          </a:p>
+        </p:txBody>
+      </p:sp>
+      <p:pic>
+        <p:nvPicPr>
+          <p:cNvPr id="1025" name="Grafik 19" descr="Ein Bild, das Vogel enthält.&#10;&#10;Automatisch generierte Beschreibung">
+            <a:extLst>
+              <a:ext uri="{FF2B5EF4-FFF2-40B4-BE49-F238E27FC236}">
+                <a16:creationId xmlns:a16="http://schemas.microsoft.com/office/drawing/2014/main" id="{C7DCB42E-A852-479D-A726-33C85D655D95}"/>
+              </a:ext>
+            </a:extLst>
+          </p:cNvPr>
+          <p:cNvPicPr>
+            <a:picLocks noChangeAspect="1" noChangeArrowheads="1"/>
+          </p:cNvPicPr>
+          <p:nvPr/>
+        </p:nvPicPr>
+        <p:blipFill>
+          <a:blip r:embed="rId3">
+            <a:extLst>
+              <a:ext uri="{28A0092B-C50C-407E-A947-70E740481C1C}">
+                <a14:useLocalDpi xmlns:a14="http://schemas.microsoft.com/office/drawing/2010/main" val="0"/>
+              </a:ext>
+            </a:extLst>
+          </a:blip>
+          <a:srcRect/>
+          <a:stretch>
+            <a:fillRect/>
+          </a:stretch>
+        </p:blipFill>
+        <p:spPr bwMode="auto">
+          <a:xfrm>
+            <a:off x="5073865" y="1322337"/>
+            <a:ext cx="3496584" cy="1920963"/>
+          </a:xfrm>
+          <a:prstGeom prst="rect">
+            <a:avLst/>
+          </a:prstGeom>
+          <a:noFill/>
+          <a:extLst>
+            <a:ext uri="{909E8E84-426E-40DD-AFC4-6F175D3DCCD1}">
+              <a14:hiddenFill xmlns:a14="http://schemas.microsoft.com/office/drawing/2010/main">
+                <a:solidFill>
+                  <a:srgbClr val="FFFFFF"/>
+                </a:solidFill>
+              </a14:hiddenFill>
+            </a:ext>
+          </a:extLst>
+        </p:spPr>
+      </p:pic>
+      <p:sp>
+        <p:nvSpPr>
+          <p:cNvPr id="16" name="Rectangle 3">
+            <a:extLst>
+              <a:ext uri="{FF2B5EF4-FFF2-40B4-BE49-F238E27FC236}">
+                <a16:creationId xmlns:a16="http://schemas.microsoft.com/office/drawing/2014/main" id="{D0934F0B-BE41-4086-94CC-9B3F9B386B7C}"/>
+              </a:ext>
+            </a:extLst>
+          </p:cNvPr>
+          <p:cNvSpPr>
+            <a:spLocks noChangeArrowheads="1"/>
+          </p:cNvSpPr>
+          <p:nvPr/>
+        </p:nvSpPr>
+        <p:spPr bwMode="auto">
+          <a:xfrm>
+            <a:off x="5073865" y="3412669"/>
+            <a:ext cx="12192000" cy="0"/>
+          </a:xfrm>
+          <a:prstGeom prst="rect">
+            <a:avLst/>
+          </a:prstGeom>
+          <a:noFill/>
+          <a:ln>
+            <a:noFill/>
+          </a:ln>
+          <a:effectLst/>
+          <a:extLst>
+            <a:ext uri="{909E8E84-426E-40DD-AFC4-6F175D3DCCD1}">
+              <a14:hiddenFill xmlns:a14="http://schemas.microsoft.com/office/drawing/2010/main">
+                <a:solidFill>
+                  <a:schemeClr val="accent1"/>
+                </a:solidFill>
+              </a14:hiddenFill>
+            </a:ext>
+            <a:ext uri="{91240B29-F687-4F45-9708-019B960494DF}">
+              <a14:hiddenLine xmlns:a14="http://schemas.microsoft.com/office/drawing/2010/main" w="9525">
+                <a:solidFill>
+                  <a:schemeClr val="tx1"/>
+                </a:solidFill>
+                <a:miter lim="800000"/>
+                <a:headEnd/>
+                <a:tailEnd/>
+              </a14:hiddenLine>
+            </a:ext>
+            <a:ext uri="{AF507438-7753-43E0-B8FC-AC1667EBCBE1}">
+              <a14:hiddenEffects xmlns:a14="http://schemas.microsoft.com/office/drawing/2010/main">
+                <a:effectLst>
+                  <a:outerShdw dist="35921" dir="2700000" algn="ctr" rotWithShape="0">
+                    <a:schemeClr val="bg2"/>
+                  </a:outerShdw>
+                </a:effectLst>
+              </a14:hiddenEffects>
+            </a:ext>
+          </a:extLst>
+        </p:spPr>
+        <p:txBody>
+          <a:bodyPr vert="horz" wrap="none" lIns="91440" tIns="45720" rIns="91440" bIns="45720" numCol="1" anchor="ctr" anchorCtr="0" compatLnSpc="1">
+            <a:prstTxWarp prst="textNoShape">
+              <a:avLst/>
+            </a:prstTxWarp>
+            <a:spAutoFit/>
+          </a:bodyPr>
+          <a:lstStyle/>
+          <a:p>
+            <a:pPr marL="0" marR="0" lvl="0" indent="0" algn="l" defTabSz="914400" rtl="0" eaLnBrk="0" fontAlgn="base" latinLnBrk="0" hangingPunct="0">
+              <a:lnSpc>
+                <a:spcPct val="100000"/>
+              </a:lnSpc>
+              <a:spcBef>
+                <a:spcPct val="0"/>
+              </a:spcBef>
+              <a:spcAft>
+                <a:spcPct val="0"/>
+              </a:spcAft>
+              <a:buClrTx/>
+              <a:buSzTx/>
+              <a:buFontTx/>
+              <a:buNone/>
+              <a:tabLst/>
+            </a:pPr>
+            <a:r>
+              <a:rPr kumimoji="0" lang="en-GB" altLang="de-DE" sz="800" b="0" i="0" u="none" strike="noStrike" cap="none" normalizeH="0" baseline="0" dirty="0">
+                <a:ln>
+                  <a:noFill/>
+                </a:ln>
+                <a:solidFill>
+                  <a:schemeClr val="tx1"/>
+                </a:solidFill>
+                <a:effectLst/>
+                <a:latin typeface="Times New Roman" panose="02020603050405020304" pitchFamily="18" charset="0"/>
+                <a:ea typeface="SimSun" panose="02010600030101010101" pitchFamily="2" charset="-122"/>
+                <a:cs typeface="Times New Roman" panose="02020603050405020304" pitchFamily="18" charset="0"/>
+              </a:rPr>
+              <a:t>Fig. 8, Feature Importance of "Anterior vs. All", XGBoost,</a:t>
+            </a:r>
+            <a:endParaRPr kumimoji="0" lang="en-GB" altLang="de-DE" sz="1800" b="0" i="0" u="none" strike="noStrike" cap="none" normalizeH="0" baseline="0" dirty="0">
+              <a:ln>
+                <a:noFill/>
+              </a:ln>
+              <a:solidFill>
+                <a:schemeClr val="tx1"/>
+              </a:solidFill>
+              <a:effectLst/>
+              <a:latin typeface="Arial" panose="020B0604020202020204" pitchFamily="34" charset="0"/>
+            </a:endParaRPr>
+          </a:p>
+        </p:txBody>
+      </p:sp>
+      <p:sp>
+        <p:nvSpPr>
+          <p:cNvPr id="17" name="Rectangle 5">
+            <a:extLst>
+              <a:ext uri="{FF2B5EF4-FFF2-40B4-BE49-F238E27FC236}">
+                <a16:creationId xmlns:a16="http://schemas.microsoft.com/office/drawing/2014/main" id="{B3597EF1-6A75-4FAF-9C8C-DDAEE13CBDBC}"/>
+              </a:ext>
+            </a:extLst>
+          </p:cNvPr>
+          <p:cNvSpPr>
+            <a:spLocks noChangeArrowheads="1"/>
+          </p:cNvSpPr>
+          <p:nvPr/>
+        </p:nvSpPr>
+        <p:spPr bwMode="auto">
+          <a:xfrm>
+            <a:off x="8790507" y="992963"/>
+            <a:ext cx="12192000" cy="457200"/>
+          </a:xfrm>
+          <a:prstGeom prst="rect">
+            <a:avLst/>
+          </a:prstGeom>
+          <a:noFill/>
+          <a:ln>
+            <a:noFill/>
+          </a:ln>
+          <a:effectLst/>
+          <a:extLst>
+            <a:ext uri="{909E8E84-426E-40DD-AFC4-6F175D3DCCD1}">
+              <a14:hiddenFill xmlns:a14="http://schemas.microsoft.com/office/drawing/2010/main">
+                <a:solidFill>
+                  <a:schemeClr val="accent1"/>
+                </a:solidFill>
+              </a14:hiddenFill>
+            </a:ext>
+            <a:ext uri="{91240B29-F687-4F45-9708-019B960494DF}">
+              <a14:hiddenLine xmlns:a14="http://schemas.microsoft.com/office/drawing/2010/main" w="9525">
+                <a:solidFill>
+                  <a:schemeClr val="tx1"/>
+                </a:solidFill>
+                <a:miter lim="800000"/>
+                <a:headEnd/>
+                <a:tailEnd/>
+              </a14:hiddenLine>
+            </a:ext>
+            <a:ext uri="{AF507438-7753-43E0-B8FC-AC1667EBCBE1}">
+              <a14:hiddenEffects xmlns:a14="http://schemas.microsoft.com/office/drawing/2010/main">
+                <a:effectLst>
+                  <a:outerShdw dist="35921" dir="2700000" algn="ctr" rotWithShape="0">
+                    <a:schemeClr val="bg2"/>
+                  </a:outerShdw>
+                </a:effectLst>
+              </a14:hiddenEffects>
+            </a:ext>
+          </a:extLst>
+        </p:spPr>
+        <p:txBody>
+          <a:bodyPr vert="horz" wrap="none" lIns="91440" tIns="45720" rIns="91440" bIns="45720" numCol="1" anchor="ctr" anchorCtr="0" compatLnSpc="1">
+            <a:prstTxWarp prst="textNoShape">
+              <a:avLst/>
+            </a:prstTxWarp>
+            <a:spAutoFit/>
+          </a:bodyPr>
+          <a:lstStyle/>
+          <a:p>
+            <a:endParaRPr lang="en-GB"/>
+          </a:p>
+        </p:txBody>
+      </p:sp>
+      <p:pic>
+        <p:nvPicPr>
+          <p:cNvPr id="1028" name="Grafik 20" descr="Ein Bild, das Text, Vogel enthält.&#10;&#10;Automatisch generierte Beschreibung">
+            <a:extLst>
+              <a:ext uri="{FF2B5EF4-FFF2-40B4-BE49-F238E27FC236}">
+                <a16:creationId xmlns:a16="http://schemas.microsoft.com/office/drawing/2014/main" id="{7E8271A6-6B32-4F49-B2A2-3901B94A9E9B}"/>
+              </a:ext>
+            </a:extLst>
+          </p:cNvPr>
+          <p:cNvPicPr>
+            <a:picLocks noChangeAspect="1" noChangeArrowheads="1"/>
+          </p:cNvPicPr>
+          <p:nvPr/>
+        </p:nvPicPr>
+        <p:blipFill>
+          <a:blip r:embed="rId4">
+            <a:extLst>
+              <a:ext uri="{28A0092B-C50C-407E-A947-70E740481C1C}">
+                <a14:useLocalDpi xmlns:a14="http://schemas.microsoft.com/office/drawing/2010/main" val="0"/>
+              </a:ext>
+            </a:extLst>
+          </a:blip>
+          <a:srcRect/>
+          <a:stretch>
+            <a:fillRect/>
+          </a:stretch>
+        </p:blipFill>
+        <p:spPr bwMode="auto">
+          <a:xfrm>
+            <a:off x="8618388" y="1334326"/>
+            <a:ext cx="3383152" cy="1858645"/>
+          </a:xfrm>
+          <a:prstGeom prst="rect">
+            <a:avLst/>
+          </a:prstGeom>
+          <a:noFill/>
+          <a:extLst>
+            <a:ext uri="{909E8E84-426E-40DD-AFC4-6F175D3DCCD1}">
+              <a14:hiddenFill xmlns:a14="http://schemas.microsoft.com/office/drawing/2010/main">
+                <a:solidFill>
+                  <a:srgbClr val="FFFFFF"/>
+                </a:solidFill>
+              </a14:hiddenFill>
+            </a:ext>
+          </a:extLst>
+        </p:spPr>
+      </p:pic>
+      <p:sp>
+        <p:nvSpPr>
+          <p:cNvPr id="18" name="Rectangle 6">
+            <a:extLst>
+              <a:ext uri="{FF2B5EF4-FFF2-40B4-BE49-F238E27FC236}">
+                <a16:creationId xmlns:a16="http://schemas.microsoft.com/office/drawing/2014/main" id="{C912FEA8-256D-45E5-99FB-D283E82E0F2E}"/>
+              </a:ext>
+            </a:extLst>
+          </p:cNvPr>
+          <p:cNvSpPr>
+            <a:spLocks noChangeArrowheads="1"/>
+          </p:cNvSpPr>
+          <p:nvPr/>
+        </p:nvSpPr>
+        <p:spPr bwMode="auto">
+          <a:xfrm>
+            <a:off x="8642888" y="3412669"/>
+            <a:ext cx="12192000" cy="0"/>
+          </a:xfrm>
+          <a:prstGeom prst="rect">
+            <a:avLst/>
+          </a:prstGeom>
+          <a:noFill/>
+          <a:ln>
+            <a:noFill/>
+          </a:ln>
+          <a:effectLst/>
+          <a:extLst>
+            <a:ext uri="{909E8E84-426E-40DD-AFC4-6F175D3DCCD1}">
+              <a14:hiddenFill xmlns:a14="http://schemas.microsoft.com/office/drawing/2010/main">
+                <a:solidFill>
+                  <a:schemeClr val="accent1"/>
+                </a:solidFill>
+              </a14:hiddenFill>
+            </a:ext>
+            <a:ext uri="{91240B29-F687-4F45-9708-019B960494DF}">
+              <a14:hiddenLine xmlns:a14="http://schemas.microsoft.com/office/drawing/2010/main" w="9525">
+                <a:solidFill>
+                  <a:schemeClr val="tx1"/>
+                </a:solidFill>
+                <a:miter lim="800000"/>
+                <a:headEnd/>
+                <a:tailEnd/>
+              </a14:hiddenLine>
+            </a:ext>
+            <a:ext uri="{AF507438-7753-43E0-B8FC-AC1667EBCBE1}">
+              <a14:hiddenEffects xmlns:a14="http://schemas.microsoft.com/office/drawing/2010/main">
+                <a:effectLst>
+                  <a:outerShdw dist="35921" dir="2700000" algn="ctr" rotWithShape="0">
+                    <a:schemeClr val="bg2"/>
+                  </a:outerShdw>
+                </a:effectLst>
+              </a14:hiddenEffects>
+            </a:ext>
+          </a:extLst>
+        </p:spPr>
+        <p:txBody>
+          <a:bodyPr vert="horz" wrap="none" lIns="91440" tIns="45720" rIns="91440" bIns="45720" numCol="1" anchor="ctr" anchorCtr="0" compatLnSpc="1">
+            <a:prstTxWarp prst="textNoShape">
+              <a:avLst/>
+            </a:prstTxWarp>
+            <a:spAutoFit/>
+          </a:bodyPr>
+          <a:lstStyle/>
+          <a:p>
+            <a:pPr marL="0" marR="0" lvl="0" indent="0" algn="l" defTabSz="914400" rtl="0" eaLnBrk="0" fontAlgn="base" latinLnBrk="0" hangingPunct="0">
+              <a:lnSpc>
+                <a:spcPct val="100000"/>
+              </a:lnSpc>
+              <a:spcBef>
+                <a:spcPct val="0"/>
+              </a:spcBef>
+              <a:spcAft>
+                <a:spcPct val="0"/>
+              </a:spcAft>
+              <a:buClrTx/>
+              <a:buSzTx/>
+              <a:buFontTx/>
+              <a:buNone/>
+              <a:tabLst/>
+            </a:pPr>
+            <a:r>
+              <a:rPr kumimoji="0" lang="en-GB" altLang="de-DE" sz="800" b="0" i="0" u="none" strike="noStrike" cap="none" normalizeH="0" baseline="0" dirty="0">
+                <a:ln>
+                  <a:noFill/>
+                </a:ln>
+                <a:solidFill>
+                  <a:schemeClr val="tx1"/>
+                </a:solidFill>
+                <a:effectLst/>
+                <a:latin typeface="Times New Roman" panose="02020603050405020304" pitchFamily="18" charset="0"/>
+                <a:ea typeface="SimSun" panose="02010600030101010101" pitchFamily="2" charset="-122"/>
+                <a:cs typeface="Times New Roman" panose="02020603050405020304" pitchFamily="18" charset="0"/>
+              </a:rPr>
+              <a:t>Fig. 9, Feature Importance of "Intermediate vs. All", XGBoost</a:t>
+            </a:r>
+            <a:endParaRPr kumimoji="0" lang="en-GB" altLang="de-DE" sz="1800" b="0" i="0" u="none" strike="noStrike" cap="none" normalizeH="0" baseline="0" dirty="0">
+              <a:ln>
+                <a:noFill/>
+              </a:ln>
+              <a:solidFill>
+                <a:schemeClr val="tx1"/>
+              </a:solidFill>
+              <a:effectLst/>
+              <a:latin typeface="Arial" panose="020B0604020202020204" pitchFamily="34" charset="0"/>
+            </a:endParaRPr>
+          </a:p>
+        </p:txBody>
+      </p:sp>
+      <p:sp>
+        <p:nvSpPr>
+          <p:cNvPr id="26" name="Rectangle 8">
+            <a:extLst>
+              <a:ext uri="{FF2B5EF4-FFF2-40B4-BE49-F238E27FC236}">
+                <a16:creationId xmlns:a16="http://schemas.microsoft.com/office/drawing/2014/main" id="{E358155A-19AA-4DDC-87D4-6AA7591CA841}"/>
+              </a:ext>
+            </a:extLst>
+          </p:cNvPr>
+          <p:cNvSpPr>
+            <a:spLocks noChangeArrowheads="1"/>
+          </p:cNvSpPr>
+          <p:nvPr/>
+        </p:nvSpPr>
+        <p:spPr bwMode="auto">
+          <a:xfrm>
+            <a:off x="276419" y="3540128"/>
+            <a:ext cx="12192000" cy="457200"/>
+          </a:xfrm>
+          <a:prstGeom prst="rect">
+            <a:avLst/>
+          </a:prstGeom>
+          <a:noFill/>
+          <a:ln>
+            <a:noFill/>
+          </a:ln>
+          <a:effectLst/>
+          <a:extLst>
+            <a:ext uri="{909E8E84-426E-40DD-AFC4-6F175D3DCCD1}">
+              <a14:hiddenFill xmlns:a14="http://schemas.microsoft.com/office/drawing/2010/main">
+                <a:solidFill>
+                  <a:schemeClr val="accent1"/>
+                </a:solidFill>
+              </a14:hiddenFill>
+            </a:ext>
+            <a:ext uri="{91240B29-F687-4F45-9708-019B960494DF}">
+              <a14:hiddenLine xmlns:a14="http://schemas.microsoft.com/office/drawing/2010/main" w="9525">
+                <a:solidFill>
+                  <a:schemeClr val="tx1"/>
+                </a:solidFill>
+                <a:miter lim="800000"/>
+                <a:headEnd/>
+                <a:tailEnd/>
+              </a14:hiddenLine>
+            </a:ext>
+            <a:ext uri="{AF507438-7753-43E0-B8FC-AC1667EBCBE1}">
+              <a14:hiddenEffects xmlns:a14="http://schemas.microsoft.com/office/drawing/2010/main">
+                <a:effectLst>
+                  <a:outerShdw dist="35921" dir="2700000" algn="ctr" rotWithShape="0">
+                    <a:schemeClr val="bg2"/>
+                  </a:outerShdw>
+                </a:effectLst>
+              </a14:hiddenEffects>
+            </a:ext>
+          </a:extLst>
+        </p:spPr>
+        <p:txBody>
+          <a:bodyPr vert="horz" wrap="none" lIns="91440" tIns="45720" rIns="91440" bIns="45720" numCol="1" anchor="ctr" anchorCtr="0" compatLnSpc="1">
+            <a:prstTxWarp prst="textNoShape">
+              <a:avLst/>
+            </a:prstTxWarp>
+            <a:spAutoFit/>
+          </a:bodyPr>
+          <a:lstStyle/>
+          <a:p>
+            <a:endParaRPr lang="en-GB"/>
+          </a:p>
+        </p:txBody>
+      </p:sp>
+      <p:pic>
+        <p:nvPicPr>
+          <p:cNvPr id="1031" name="Grafik 21" descr="Ein Bild, das Text, Vogel enthält.&#10;&#10;Automatisch generierte Beschreibung">
+            <a:extLst>
+              <a:ext uri="{FF2B5EF4-FFF2-40B4-BE49-F238E27FC236}">
+                <a16:creationId xmlns:a16="http://schemas.microsoft.com/office/drawing/2014/main" id="{186C1A95-64B1-419F-8A7E-3DA074C73400}"/>
+              </a:ext>
+            </a:extLst>
+          </p:cNvPr>
+          <p:cNvPicPr>
+            <a:picLocks noChangeAspect="1" noChangeArrowheads="1"/>
+          </p:cNvPicPr>
+          <p:nvPr/>
+        </p:nvPicPr>
+        <p:blipFill>
+          <a:blip r:embed="rId5">
+            <a:extLst>
+              <a:ext uri="{28A0092B-C50C-407E-A947-70E740481C1C}">
+                <a14:useLocalDpi xmlns:a14="http://schemas.microsoft.com/office/drawing/2010/main" val="0"/>
+              </a:ext>
+            </a:extLst>
+          </a:blip>
+          <a:srcRect/>
+          <a:stretch>
+            <a:fillRect/>
+          </a:stretch>
+        </p:blipFill>
+        <p:spPr bwMode="auto">
+          <a:xfrm>
+            <a:off x="138403" y="3822293"/>
+            <a:ext cx="3803964" cy="2089832"/>
+          </a:xfrm>
+          <a:prstGeom prst="rect">
+            <a:avLst/>
+          </a:prstGeom>
+          <a:noFill/>
+          <a:extLst>
+            <a:ext uri="{909E8E84-426E-40DD-AFC4-6F175D3DCCD1}">
+              <a14:hiddenFill xmlns:a14="http://schemas.microsoft.com/office/drawing/2010/main">
+                <a:solidFill>
+                  <a:srgbClr val="FFFFFF"/>
+                </a:solidFill>
+              </a14:hiddenFill>
+            </a:ext>
+          </a:extLst>
+        </p:spPr>
+      </p:pic>
+      <p:sp>
+        <p:nvSpPr>
+          <p:cNvPr id="34" name="Rectangle 9">
+            <a:extLst>
+              <a:ext uri="{FF2B5EF4-FFF2-40B4-BE49-F238E27FC236}">
+                <a16:creationId xmlns:a16="http://schemas.microsoft.com/office/drawing/2014/main" id="{8009DCD1-B93D-4696-BFD6-8BC205B35C6C}"/>
+              </a:ext>
+            </a:extLst>
+          </p:cNvPr>
+          <p:cNvSpPr>
+            <a:spLocks noChangeArrowheads="1"/>
+          </p:cNvSpPr>
+          <p:nvPr/>
+        </p:nvSpPr>
+        <p:spPr bwMode="auto">
+          <a:xfrm>
+            <a:off x="276419" y="6085885"/>
+            <a:ext cx="12192000" cy="0"/>
+          </a:xfrm>
+          <a:prstGeom prst="rect">
+            <a:avLst/>
+          </a:prstGeom>
+          <a:noFill/>
+          <a:ln>
+            <a:noFill/>
+          </a:ln>
+          <a:effectLst/>
+          <a:extLst>
+            <a:ext uri="{909E8E84-426E-40DD-AFC4-6F175D3DCCD1}">
+              <a14:hiddenFill xmlns:a14="http://schemas.microsoft.com/office/drawing/2010/main">
+                <a:solidFill>
+                  <a:schemeClr val="accent1"/>
+                </a:solidFill>
+              </a14:hiddenFill>
+            </a:ext>
+            <a:ext uri="{91240B29-F687-4F45-9708-019B960494DF}">
+              <a14:hiddenLine xmlns:a14="http://schemas.microsoft.com/office/drawing/2010/main" w="9525">
+                <a:solidFill>
+                  <a:schemeClr val="tx1"/>
+                </a:solidFill>
+                <a:miter lim="800000"/>
+                <a:headEnd/>
+                <a:tailEnd/>
+              </a14:hiddenLine>
+            </a:ext>
+            <a:ext uri="{AF507438-7753-43E0-B8FC-AC1667EBCBE1}">
+              <a14:hiddenEffects xmlns:a14="http://schemas.microsoft.com/office/drawing/2010/main">
+                <a:effectLst>
+                  <a:outerShdw dist="35921" dir="2700000" algn="ctr" rotWithShape="0">
+                    <a:schemeClr val="bg2"/>
+                  </a:outerShdw>
+                </a:effectLst>
+              </a14:hiddenEffects>
+            </a:ext>
+          </a:extLst>
+        </p:spPr>
+        <p:txBody>
+          <a:bodyPr vert="horz" wrap="none" lIns="91440" tIns="45720" rIns="91440" bIns="45720" numCol="1" anchor="ctr" anchorCtr="0" compatLnSpc="1">
+            <a:prstTxWarp prst="textNoShape">
+              <a:avLst/>
+            </a:prstTxWarp>
+            <a:spAutoFit/>
+          </a:bodyPr>
+          <a:lstStyle/>
+          <a:p>
+            <a:pPr marL="0" marR="0" lvl="0" indent="0" algn="just" defTabSz="914400" rtl="0" eaLnBrk="0" fontAlgn="base" latinLnBrk="0" hangingPunct="0">
+              <a:lnSpc>
+                <a:spcPct val="100000"/>
+              </a:lnSpc>
+              <a:spcBef>
+                <a:spcPct val="0"/>
+              </a:spcBef>
+              <a:spcAft>
+                <a:spcPct val="0"/>
+              </a:spcAft>
+              <a:buClrTx/>
+              <a:buSzTx/>
+              <a:buFontTx/>
+              <a:buNone/>
+              <a:tabLst/>
+            </a:pPr>
+            <a:r>
+              <a:rPr kumimoji="0" lang="en-GB" altLang="de-DE" sz="800" b="0" i="0" u="none" strike="noStrike" cap="none" normalizeH="0" baseline="0" dirty="0">
+                <a:ln>
+                  <a:noFill/>
+                </a:ln>
+                <a:solidFill>
+                  <a:schemeClr val="tx1"/>
+                </a:solidFill>
+                <a:effectLst/>
+                <a:latin typeface="Times New Roman" panose="02020603050405020304" pitchFamily="18" charset="0"/>
+                <a:ea typeface="SimSun" panose="02010600030101010101" pitchFamily="2" charset="-122"/>
+                <a:cs typeface="Times New Roman" panose="02020603050405020304" pitchFamily="18" charset="0"/>
+              </a:rPr>
+              <a:t>Fig. 10, Feature Importance of "Panuveitis vs. All", XGBoost </a:t>
+            </a:r>
+            <a:endParaRPr kumimoji="0" lang="en-GB" altLang="de-DE" sz="1800" b="0" i="0" u="none" strike="noStrike" cap="none" normalizeH="0" baseline="0" dirty="0">
+              <a:ln>
+                <a:noFill/>
+              </a:ln>
+              <a:solidFill>
+                <a:schemeClr val="tx1"/>
+              </a:solidFill>
+              <a:effectLst/>
+              <a:latin typeface="Arial" panose="020B0604020202020204" pitchFamily="34" charset="0"/>
+            </a:endParaRPr>
+          </a:p>
+        </p:txBody>
+      </p:sp>
+      <p:sp>
+        <p:nvSpPr>
+          <p:cNvPr id="35" name="Rectangle 11">
+            <a:extLst>
+              <a:ext uri="{FF2B5EF4-FFF2-40B4-BE49-F238E27FC236}">
+                <a16:creationId xmlns:a16="http://schemas.microsoft.com/office/drawing/2014/main" id="{1C5A8066-A8E6-4CD1-AD5F-98A2D8FB18E5}"/>
+              </a:ext>
+            </a:extLst>
+          </p:cNvPr>
+          <p:cNvSpPr>
+            <a:spLocks noChangeArrowheads="1"/>
+          </p:cNvSpPr>
+          <p:nvPr/>
+        </p:nvSpPr>
+        <p:spPr bwMode="auto">
+          <a:xfrm>
+            <a:off x="4204164" y="3934642"/>
+            <a:ext cx="12192000" cy="457200"/>
+          </a:xfrm>
+          <a:prstGeom prst="rect">
+            <a:avLst/>
+          </a:prstGeom>
+          <a:noFill/>
+          <a:ln>
+            <a:noFill/>
+          </a:ln>
+          <a:effectLst/>
+          <a:extLst>
+            <a:ext uri="{909E8E84-426E-40DD-AFC4-6F175D3DCCD1}">
+              <a14:hiddenFill xmlns:a14="http://schemas.microsoft.com/office/drawing/2010/main">
+                <a:solidFill>
+                  <a:schemeClr val="accent1"/>
+                </a:solidFill>
+              </a14:hiddenFill>
+            </a:ext>
+            <a:ext uri="{91240B29-F687-4F45-9708-019B960494DF}">
+              <a14:hiddenLine xmlns:a14="http://schemas.microsoft.com/office/drawing/2010/main" w="9525">
+                <a:solidFill>
+                  <a:schemeClr val="tx1"/>
+                </a:solidFill>
+                <a:miter lim="800000"/>
+                <a:headEnd/>
+                <a:tailEnd/>
+              </a14:hiddenLine>
+            </a:ext>
+            <a:ext uri="{AF507438-7753-43E0-B8FC-AC1667EBCBE1}">
+              <a14:hiddenEffects xmlns:a14="http://schemas.microsoft.com/office/drawing/2010/main">
+                <a:effectLst>
+                  <a:outerShdw dist="35921" dir="2700000" algn="ctr" rotWithShape="0">
+                    <a:schemeClr val="bg2"/>
+                  </a:outerShdw>
+                </a:effectLst>
+              </a14:hiddenEffects>
+            </a:ext>
+          </a:extLst>
+        </p:spPr>
+        <p:txBody>
+          <a:bodyPr vert="horz" wrap="none" lIns="91440" tIns="45720" rIns="91440" bIns="45720" numCol="1" anchor="ctr" anchorCtr="0" compatLnSpc="1">
+            <a:prstTxWarp prst="textNoShape">
+              <a:avLst/>
+            </a:prstTxWarp>
+            <a:spAutoFit/>
+          </a:bodyPr>
+          <a:lstStyle/>
+          <a:p>
+            <a:endParaRPr lang="en-GB"/>
+          </a:p>
+        </p:txBody>
+      </p:sp>
+      <p:pic>
+        <p:nvPicPr>
+          <p:cNvPr id="1034" name="Grafik 22">
+            <a:extLst>
+              <a:ext uri="{FF2B5EF4-FFF2-40B4-BE49-F238E27FC236}">
+                <a16:creationId xmlns:a16="http://schemas.microsoft.com/office/drawing/2014/main" id="{1291FFE8-B301-43AF-B827-351A4FAA4435}"/>
+              </a:ext>
+            </a:extLst>
+          </p:cNvPr>
+          <p:cNvPicPr>
+            <a:picLocks noChangeAspect="1" noChangeArrowheads="1"/>
+          </p:cNvPicPr>
+          <p:nvPr/>
+        </p:nvPicPr>
+        <p:blipFill>
+          <a:blip r:embed="rId6">
+            <a:extLst>
+              <a:ext uri="{28A0092B-C50C-407E-A947-70E740481C1C}">
+                <a14:useLocalDpi xmlns:a14="http://schemas.microsoft.com/office/drawing/2010/main" val="0"/>
+              </a:ext>
+            </a:extLst>
+          </a:blip>
+          <a:srcRect/>
+          <a:stretch>
+            <a:fillRect/>
+          </a:stretch>
+        </p:blipFill>
+        <p:spPr bwMode="auto">
+          <a:xfrm>
+            <a:off x="3966730" y="3838318"/>
+            <a:ext cx="3732094" cy="2050348"/>
+          </a:xfrm>
+          <a:prstGeom prst="rect">
+            <a:avLst/>
+          </a:prstGeom>
+          <a:noFill/>
+          <a:extLst>
+            <a:ext uri="{909E8E84-426E-40DD-AFC4-6F175D3DCCD1}">
+              <a14:hiddenFill xmlns:a14="http://schemas.microsoft.com/office/drawing/2010/main">
+                <a:solidFill>
+                  <a:srgbClr val="FFFFFF"/>
+                </a:solidFill>
+              </a14:hiddenFill>
+            </a:ext>
+          </a:extLst>
+        </p:spPr>
+      </p:pic>
+      <p:sp>
+        <p:nvSpPr>
+          <p:cNvPr id="36" name="Rectangle 12">
+            <a:extLst>
+              <a:ext uri="{FF2B5EF4-FFF2-40B4-BE49-F238E27FC236}">
+                <a16:creationId xmlns:a16="http://schemas.microsoft.com/office/drawing/2014/main" id="{0B483C71-2D05-43B0-9BE5-4CF618937E6E}"/>
+              </a:ext>
+            </a:extLst>
+          </p:cNvPr>
+          <p:cNvSpPr>
+            <a:spLocks noChangeArrowheads="1"/>
+          </p:cNvSpPr>
+          <p:nvPr/>
+        </p:nvSpPr>
+        <p:spPr bwMode="auto">
+          <a:xfrm>
+            <a:off x="4204164" y="6087292"/>
+            <a:ext cx="12192000" cy="0"/>
+          </a:xfrm>
+          <a:prstGeom prst="rect">
+            <a:avLst/>
+          </a:prstGeom>
+          <a:noFill/>
+          <a:ln>
+            <a:noFill/>
+          </a:ln>
+          <a:effectLst/>
+          <a:extLst>
+            <a:ext uri="{909E8E84-426E-40DD-AFC4-6F175D3DCCD1}">
+              <a14:hiddenFill xmlns:a14="http://schemas.microsoft.com/office/drawing/2010/main">
+                <a:solidFill>
+                  <a:schemeClr val="accent1"/>
+                </a:solidFill>
+              </a14:hiddenFill>
+            </a:ext>
+            <a:ext uri="{91240B29-F687-4F45-9708-019B960494DF}">
+              <a14:hiddenLine xmlns:a14="http://schemas.microsoft.com/office/drawing/2010/main" w="9525">
+                <a:solidFill>
+                  <a:schemeClr val="tx1"/>
+                </a:solidFill>
+                <a:miter lim="800000"/>
+                <a:headEnd/>
+                <a:tailEnd/>
+              </a14:hiddenLine>
+            </a:ext>
+            <a:ext uri="{AF507438-7753-43E0-B8FC-AC1667EBCBE1}">
+              <a14:hiddenEffects xmlns:a14="http://schemas.microsoft.com/office/drawing/2010/main">
+                <a:effectLst>
+                  <a:outerShdw dist="35921" dir="2700000" algn="ctr" rotWithShape="0">
+                    <a:schemeClr val="bg2"/>
+                  </a:outerShdw>
+                </a:effectLst>
+              </a14:hiddenEffects>
+            </a:ext>
+          </a:extLst>
+        </p:spPr>
+        <p:txBody>
+          <a:bodyPr vert="horz" wrap="none" lIns="91440" tIns="45720" rIns="91440" bIns="45720" numCol="1" anchor="ctr" anchorCtr="0" compatLnSpc="1">
+            <a:prstTxWarp prst="textNoShape">
+              <a:avLst/>
+            </a:prstTxWarp>
+            <a:spAutoFit/>
+          </a:bodyPr>
+          <a:lstStyle/>
+          <a:p>
+            <a:pPr marL="0" marR="0" lvl="0" indent="0" algn="just" defTabSz="914400" rtl="0" eaLnBrk="0" fontAlgn="base" latinLnBrk="0" hangingPunct="0">
+              <a:lnSpc>
+                <a:spcPct val="100000"/>
+              </a:lnSpc>
+              <a:spcBef>
+                <a:spcPct val="0"/>
+              </a:spcBef>
+              <a:spcAft>
+                <a:spcPct val="0"/>
+              </a:spcAft>
+              <a:buClrTx/>
+              <a:buSzTx/>
+              <a:buFontTx/>
+              <a:buNone/>
+              <a:tabLst/>
+            </a:pPr>
+            <a:r>
+              <a:rPr kumimoji="0" lang="en-GB" altLang="de-DE" sz="800" b="0" i="0" u="none" strike="noStrike" cap="none" normalizeH="0" baseline="0">
+                <a:ln>
+                  <a:noFill/>
+                </a:ln>
+                <a:solidFill>
+                  <a:schemeClr val="tx1"/>
+                </a:solidFill>
+                <a:effectLst/>
+                <a:latin typeface="Times New Roman" panose="02020603050405020304" pitchFamily="18" charset="0"/>
+                <a:ea typeface="SimSun" panose="02010600030101010101" pitchFamily="2" charset="-122"/>
+                <a:cs typeface="Times New Roman" panose="02020603050405020304" pitchFamily="18" charset="0"/>
+              </a:rPr>
+              <a:t>Fig. 11, Feature Importance of "Posterior vs. All", XGBoost</a:t>
+            </a:r>
+            <a:endParaRPr kumimoji="0" lang="en-GB" altLang="de-DE" sz="1800" b="0" i="0" u="none" strike="noStrike" cap="none" normalizeH="0" baseline="0">
+              <a:ln>
+                <a:noFill/>
+              </a:ln>
+              <a:solidFill>
+                <a:schemeClr val="tx1"/>
+              </a:solidFill>
+              <a:effectLst/>
+              <a:latin typeface="Arial" panose="020B0604020202020204" pitchFamily="34" charset="0"/>
+            </a:endParaRPr>
+          </a:p>
+        </p:txBody>
+      </p:sp>
+      <p:sp>
+        <p:nvSpPr>
+          <p:cNvPr id="37" name="Rectangle 14">
+            <a:extLst>
+              <a:ext uri="{FF2B5EF4-FFF2-40B4-BE49-F238E27FC236}">
+                <a16:creationId xmlns:a16="http://schemas.microsoft.com/office/drawing/2014/main" id="{6AE976AB-B14A-4416-ACDA-3E07D70BD9CF}"/>
+              </a:ext>
+            </a:extLst>
+          </p:cNvPr>
+          <p:cNvSpPr>
+            <a:spLocks noChangeArrowheads="1"/>
+          </p:cNvSpPr>
+          <p:nvPr/>
+        </p:nvSpPr>
+        <p:spPr bwMode="auto">
+          <a:xfrm>
+            <a:off x="7831494" y="3939655"/>
+            <a:ext cx="12192000" cy="457200"/>
+          </a:xfrm>
+          <a:prstGeom prst="rect">
+            <a:avLst/>
+          </a:prstGeom>
+          <a:noFill/>
+          <a:ln>
+            <a:noFill/>
+          </a:ln>
+          <a:effectLst/>
+          <a:extLst>
+            <a:ext uri="{909E8E84-426E-40DD-AFC4-6F175D3DCCD1}">
+              <a14:hiddenFill xmlns:a14="http://schemas.microsoft.com/office/drawing/2010/main">
+                <a:solidFill>
+                  <a:schemeClr val="accent1"/>
+                </a:solidFill>
+              </a14:hiddenFill>
+            </a:ext>
+            <a:ext uri="{91240B29-F687-4F45-9708-019B960494DF}">
+              <a14:hiddenLine xmlns:a14="http://schemas.microsoft.com/office/drawing/2010/main" w="9525">
+                <a:solidFill>
+                  <a:schemeClr val="tx1"/>
+                </a:solidFill>
+                <a:miter lim="800000"/>
+                <a:headEnd/>
+                <a:tailEnd/>
+              </a14:hiddenLine>
+            </a:ext>
+            <a:ext uri="{AF507438-7753-43E0-B8FC-AC1667EBCBE1}">
+              <a14:hiddenEffects xmlns:a14="http://schemas.microsoft.com/office/drawing/2010/main">
+                <a:effectLst>
+                  <a:outerShdw dist="35921" dir="2700000" algn="ctr" rotWithShape="0">
+                    <a:schemeClr val="bg2"/>
+                  </a:outerShdw>
+                </a:effectLst>
+              </a14:hiddenEffects>
+            </a:ext>
+          </a:extLst>
+        </p:spPr>
+        <p:txBody>
+          <a:bodyPr vert="horz" wrap="none" lIns="91440" tIns="45720" rIns="91440" bIns="45720" numCol="1" anchor="ctr" anchorCtr="0" compatLnSpc="1">
+            <a:prstTxWarp prst="textNoShape">
+              <a:avLst/>
+            </a:prstTxWarp>
+            <a:spAutoFit/>
+          </a:bodyPr>
+          <a:lstStyle/>
+          <a:p>
+            <a:endParaRPr lang="en-GB"/>
+          </a:p>
+        </p:txBody>
+      </p:sp>
+      <p:pic>
+        <p:nvPicPr>
+          <p:cNvPr id="1037" name="Grafik 23" descr="Ein Bild, das Vogel, Screenshot enthält.&#10;&#10;Automatisch generierte Beschreibung">
+            <a:extLst>
+              <a:ext uri="{FF2B5EF4-FFF2-40B4-BE49-F238E27FC236}">
+                <a16:creationId xmlns:a16="http://schemas.microsoft.com/office/drawing/2014/main" id="{A477D352-0065-40A1-820C-2A319D7811D4}"/>
+              </a:ext>
+            </a:extLst>
+          </p:cNvPr>
+          <p:cNvPicPr>
+            <a:picLocks noChangeAspect="1" noChangeArrowheads="1"/>
+          </p:cNvPicPr>
+          <p:nvPr/>
+        </p:nvPicPr>
+        <p:blipFill>
+          <a:blip r:embed="rId7">
+            <a:extLst>
+              <a:ext uri="{28A0092B-C50C-407E-A947-70E740481C1C}">
+                <a14:useLocalDpi xmlns:a14="http://schemas.microsoft.com/office/drawing/2010/main" val="0"/>
+              </a:ext>
+            </a:extLst>
+          </a:blip>
+          <a:srcRect/>
+          <a:stretch>
+            <a:fillRect/>
+          </a:stretch>
+        </p:blipFill>
+        <p:spPr bwMode="auto">
+          <a:xfrm>
+            <a:off x="7836840" y="3813846"/>
+            <a:ext cx="3673159" cy="2017970"/>
+          </a:xfrm>
+          <a:prstGeom prst="rect">
+            <a:avLst/>
+          </a:prstGeom>
+          <a:noFill/>
+          <a:extLst>
+            <a:ext uri="{909E8E84-426E-40DD-AFC4-6F175D3DCCD1}">
+              <a14:hiddenFill xmlns:a14="http://schemas.microsoft.com/office/drawing/2010/main">
+                <a:solidFill>
+                  <a:srgbClr val="FFFFFF"/>
+                </a:solidFill>
+              </a14:hiddenFill>
+            </a:ext>
+          </a:extLst>
+        </p:spPr>
+      </p:pic>
+      <p:sp>
+        <p:nvSpPr>
+          <p:cNvPr id="38" name="Rectangle 15">
+            <a:extLst>
+              <a:ext uri="{FF2B5EF4-FFF2-40B4-BE49-F238E27FC236}">
+                <a16:creationId xmlns:a16="http://schemas.microsoft.com/office/drawing/2014/main" id="{349F99CD-5F64-492C-89D0-D261CBF61781}"/>
+              </a:ext>
+            </a:extLst>
+          </p:cNvPr>
+          <p:cNvSpPr>
+            <a:spLocks noChangeArrowheads="1"/>
+          </p:cNvSpPr>
+          <p:nvPr/>
+        </p:nvSpPr>
+        <p:spPr bwMode="auto">
+          <a:xfrm>
+            <a:off x="7831494" y="6092305"/>
+            <a:ext cx="12192000" cy="0"/>
+          </a:xfrm>
+          <a:prstGeom prst="rect">
+            <a:avLst/>
+          </a:prstGeom>
+          <a:noFill/>
+          <a:ln>
+            <a:noFill/>
+          </a:ln>
+          <a:effectLst/>
+          <a:extLst>
+            <a:ext uri="{909E8E84-426E-40DD-AFC4-6F175D3DCCD1}">
+              <a14:hiddenFill xmlns:a14="http://schemas.microsoft.com/office/drawing/2010/main">
+                <a:solidFill>
+                  <a:schemeClr val="accent1"/>
+                </a:solidFill>
+              </a14:hiddenFill>
+            </a:ext>
+            <a:ext uri="{91240B29-F687-4F45-9708-019B960494DF}">
+              <a14:hiddenLine xmlns:a14="http://schemas.microsoft.com/office/drawing/2010/main" w="9525">
+                <a:solidFill>
+                  <a:schemeClr val="tx1"/>
+                </a:solidFill>
+                <a:miter lim="800000"/>
+                <a:headEnd/>
+                <a:tailEnd/>
+              </a14:hiddenLine>
+            </a:ext>
+            <a:ext uri="{AF507438-7753-43E0-B8FC-AC1667EBCBE1}">
+              <a14:hiddenEffects xmlns:a14="http://schemas.microsoft.com/office/drawing/2010/main">
+                <a:effectLst>
+                  <a:outerShdw dist="35921" dir="2700000" algn="ctr" rotWithShape="0">
+                    <a:schemeClr val="bg2"/>
+                  </a:outerShdw>
+                </a:effectLst>
+              </a14:hiddenEffects>
+            </a:ext>
+          </a:extLst>
+        </p:spPr>
+        <p:txBody>
+          <a:bodyPr vert="horz" wrap="none" lIns="91440" tIns="45720" rIns="91440" bIns="45720" numCol="1" anchor="ctr" anchorCtr="0" compatLnSpc="1">
+            <a:prstTxWarp prst="textNoShape">
+              <a:avLst/>
+            </a:prstTxWarp>
+            <a:spAutoFit/>
+          </a:bodyPr>
+          <a:lstStyle/>
+          <a:p>
+            <a:pPr marL="0" marR="0" lvl="0" indent="0" algn="just" defTabSz="914400" rtl="0" eaLnBrk="0" fontAlgn="base" latinLnBrk="0" hangingPunct="0">
+              <a:lnSpc>
+                <a:spcPct val="100000"/>
+              </a:lnSpc>
+              <a:spcBef>
+                <a:spcPct val="0"/>
+              </a:spcBef>
+              <a:spcAft>
+                <a:spcPct val="0"/>
+              </a:spcAft>
+              <a:buClrTx/>
+              <a:buSzTx/>
+              <a:buFontTx/>
+              <a:buNone/>
+              <a:tabLst/>
+            </a:pPr>
+            <a:r>
+              <a:rPr kumimoji="0" lang="en-GB" altLang="de-DE" sz="800" b="0" i="0" u="none" strike="noStrike" cap="none" normalizeH="0" baseline="0">
+                <a:ln>
+                  <a:noFill/>
+                </a:ln>
+                <a:solidFill>
+                  <a:schemeClr val="tx1"/>
+                </a:solidFill>
+                <a:effectLst/>
+                <a:latin typeface="Times New Roman" panose="02020603050405020304" pitchFamily="18" charset="0"/>
+                <a:ea typeface="SimSun" panose="02010600030101010101" pitchFamily="2" charset="-122"/>
+                <a:cs typeface="Times New Roman" panose="02020603050405020304" pitchFamily="18" charset="0"/>
+              </a:rPr>
+              <a:t>Fig. 12, Feature Importance of "Scleritis vs. All", XGBoost</a:t>
+            </a:r>
+            <a:endParaRPr kumimoji="0" lang="en-GB" altLang="de-DE" sz="1800" b="0" i="0" u="none" strike="noStrike" cap="none" normalizeH="0" baseline="0">
+              <a:ln>
+                <a:noFill/>
+              </a:ln>
+              <a:solidFill>
+                <a:schemeClr val="tx1"/>
+              </a:solidFill>
+              <a:effectLst/>
+              <a:latin typeface="Arial" panose="020B0604020202020204" pitchFamily="34" charset="0"/>
+            </a:endParaRPr>
+          </a:p>
+        </p:txBody>
+      </p:sp>
+      <p:sp>
+        <p:nvSpPr>
+          <p:cNvPr id="45" name="Textfeld 44">
+            <a:extLst>
+              <a:ext uri="{FF2B5EF4-FFF2-40B4-BE49-F238E27FC236}">
+                <a16:creationId xmlns:a16="http://schemas.microsoft.com/office/drawing/2014/main" id="{6480E663-7700-440C-A061-D61C1FEBCD14}"/>
+              </a:ext>
+            </a:extLst>
+          </p:cNvPr>
+          <p:cNvSpPr txBox="1"/>
+          <p:nvPr/>
+        </p:nvSpPr>
+        <p:spPr>
+          <a:xfrm>
+            <a:off x="5319144" y="1129316"/>
+            <a:ext cx="4114800" cy="261610"/>
+          </a:xfrm>
+          <a:prstGeom prst="rect">
+            <a:avLst/>
+          </a:prstGeom>
+          <a:noFill/>
+        </p:spPr>
+        <p:txBody>
+          <a:bodyPr wrap="square" rtlCol="0">
+            <a:spAutoFit/>
+          </a:bodyPr>
+          <a:lstStyle/>
+          <a:p>
+            <a:pPr algn="ctr"/>
+            <a:r>
+              <a:rPr lang="en-GB" sz="1050" dirty="0">
+                <a:solidFill>
+                  <a:schemeClr val="bg1">
+                    <a:lumMod val="65000"/>
+                  </a:schemeClr>
+                </a:solidFill>
+                <a:latin typeface="Helvetica Neue" panose="02000503000000020004"/>
+              </a:rPr>
+              <a:t>Anterior vs. All</a:t>
+            </a:r>
+          </a:p>
+        </p:txBody>
+      </p:sp>
+      <p:sp>
+        <p:nvSpPr>
+          <p:cNvPr id="46" name="Textfeld 45">
+            <a:extLst>
+              <a:ext uri="{FF2B5EF4-FFF2-40B4-BE49-F238E27FC236}">
+                <a16:creationId xmlns:a16="http://schemas.microsoft.com/office/drawing/2014/main" id="{375D0682-57E3-4B7E-BCDF-59AB3DFBE296}"/>
+              </a:ext>
+            </a:extLst>
+          </p:cNvPr>
+          <p:cNvSpPr txBox="1"/>
+          <p:nvPr/>
+        </p:nvSpPr>
+        <p:spPr>
+          <a:xfrm>
+            <a:off x="8786324" y="1145431"/>
+            <a:ext cx="4114800" cy="261610"/>
+          </a:xfrm>
+          <a:prstGeom prst="rect">
+            <a:avLst/>
+          </a:prstGeom>
+          <a:noFill/>
+        </p:spPr>
+        <p:txBody>
+          <a:bodyPr wrap="square" rtlCol="0">
+            <a:spAutoFit/>
+          </a:bodyPr>
+          <a:lstStyle/>
+          <a:p>
+            <a:pPr algn="ctr"/>
+            <a:r>
+              <a:rPr lang="en-GB" sz="1050" dirty="0">
+                <a:solidFill>
+                  <a:schemeClr val="bg1">
+                    <a:lumMod val="65000"/>
+                  </a:schemeClr>
+                </a:solidFill>
+                <a:latin typeface="Helvetica Neue" panose="02000503000000020004"/>
+              </a:rPr>
+              <a:t>Intermediate vs. All</a:t>
+            </a:r>
+          </a:p>
+        </p:txBody>
+      </p:sp>
+      <p:sp>
+        <p:nvSpPr>
+          <p:cNvPr id="47" name="Textfeld 46">
+            <a:extLst>
+              <a:ext uri="{FF2B5EF4-FFF2-40B4-BE49-F238E27FC236}">
+                <a16:creationId xmlns:a16="http://schemas.microsoft.com/office/drawing/2014/main" id="{FAAA3A3F-2770-4ACB-851A-CA5E6AEF0B97}"/>
+              </a:ext>
+            </a:extLst>
+          </p:cNvPr>
+          <p:cNvSpPr txBox="1"/>
+          <p:nvPr/>
+        </p:nvSpPr>
+        <p:spPr>
+          <a:xfrm>
+            <a:off x="631340" y="3631232"/>
+            <a:ext cx="4114800" cy="261610"/>
+          </a:xfrm>
+          <a:prstGeom prst="rect">
+            <a:avLst/>
+          </a:prstGeom>
+          <a:noFill/>
+        </p:spPr>
+        <p:txBody>
+          <a:bodyPr wrap="square" rtlCol="0">
+            <a:spAutoFit/>
+          </a:bodyPr>
+          <a:lstStyle/>
+          <a:p>
+            <a:pPr algn="ctr"/>
+            <a:r>
+              <a:rPr lang="en-GB" sz="1050" dirty="0">
+                <a:solidFill>
+                  <a:schemeClr val="bg1">
+                    <a:lumMod val="65000"/>
+                  </a:schemeClr>
+                </a:solidFill>
+                <a:latin typeface="Helvetica Neue" panose="02000503000000020004"/>
+              </a:rPr>
+              <a:t>Panuveitis vs. All</a:t>
+            </a:r>
+          </a:p>
+        </p:txBody>
+      </p:sp>
+      <p:sp>
+        <p:nvSpPr>
+          <p:cNvPr id="48" name="Textfeld 47">
+            <a:extLst>
+              <a:ext uri="{FF2B5EF4-FFF2-40B4-BE49-F238E27FC236}">
+                <a16:creationId xmlns:a16="http://schemas.microsoft.com/office/drawing/2014/main" id="{073E4AD1-3FB6-486F-B18A-83CD348F0C0D}"/>
+              </a:ext>
+            </a:extLst>
+          </p:cNvPr>
+          <p:cNvSpPr txBox="1"/>
+          <p:nvPr/>
+        </p:nvSpPr>
+        <p:spPr>
+          <a:xfrm>
+            <a:off x="4362944" y="3637923"/>
+            <a:ext cx="4114800" cy="261610"/>
+          </a:xfrm>
+          <a:prstGeom prst="rect">
+            <a:avLst/>
+          </a:prstGeom>
+          <a:noFill/>
+        </p:spPr>
+        <p:txBody>
+          <a:bodyPr wrap="square" rtlCol="0">
+            <a:spAutoFit/>
+          </a:bodyPr>
+          <a:lstStyle/>
+          <a:p>
+            <a:pPr algn="ctr"/>
+            <a:r>
+              <a:rPr lang="en-GB" sz="1050" dirty="0">
+                <a:solidFill>
+                  <a:schemeClr val="bg1">
+                    <a:lumMod val="65000"/>
+                  </a:schemeClr>
+                </a:solidFill>
+                <a:latin typeface="Helvetica Neue" panose="02000503000000020004"/>
+              </a:rPr>
+              <a:t>Posterior vs. All</a:t>
+            </a:r>
+          </a:p>
+        </p:txBody>
+      </p:sp>
+      <p:sp>
+        <p:nvSpPr>
+          <p:cNvPr id="49" name="Textfeld 48">
+            <a:extLst>
+              <a:ext uri="{FF2B5EF4-FFF2-40B4-BE49-F238E27FC236}">
+                <a16:creationId xmlns:a16="http://schemas.microsoft.com/office/drawing/2014/main" id="{ECE38398-2535-4522-9944-8C26E96D870C}"/>
+              </a:ext>
+            </a:extLst>
+          </p:cNvPr>
+          <p:cNvSpPr txBox="1"/>
+          <p:nvPr/>
+        </p:nvSpPr>
+        <p:spPr>
+          <a:xfrm>
+            <a:off x="8242764" y="3609922"/>
+            <a:ext cx="4114800" cy="261610"/>
+          </a:xfrm>
+          <a:prstGeom prst="rect">
+            <a:avLst/>
+          </a:prstGeom>
+          <a:noFill/>
+        </p:spPr>
+        <p:txBody>
+          <a:bodyPr wrap="square" rtlCol="0">
+            <a:spAutoFit/>
+          </a:bodyPr>
+          <a:lstStyle/>
+          <a:p>
+            <a:pPr algn="ctr"/>
+            <a:r>
+              <a:rPr lang="en-GB" sz="1050" dirty="0">
+                <a:solidFill>
+                  <a:schemeClr val="bg1">
+                    <a:lumMod val="65000"/>
+                  </a:schemeClr>
+                </a:solidFill>
+                <a:latin typeface="Helvetica Neue" panose="02000503000000020004"/>
+              </a:rPr>
+              <a:t>Scleritis vs. All</a:t>
+            </a:r>
+          </a:p>
+        </p:txBody>
+      </p:sp>
     </p:spTree>
     <p:extLst>
       <p:ext uri="{BB962C8B-B14F-4D97-AF65-F5344CB8AC3E}">
@@ -28991,16 +33826,6 @@
 <file path=ppt/slides/slide9.xml><?xml version="1.0" encoding="utf-8"?>
 <p:sld xmlns:a="http://schemas.openxmlformats.org/drawingml/2006/main" xmlns:r="http://schemas.openxmlformats.org/officeDocument/2006/relationships" xmlns:p="http://schemas.openxmlformats.org/presentationml/2006/main">
   <p:cSld>
-    <p:bg>
-      <p:bgPr>
-        <a:solidFill>
-          <a:schemeClr val="bg1">
-            <a:alpha val="99000"/>
-          </a:schemeClr>
-        </a:solidFill>
-        <a:effectLst/>
-      </p:bgPr>
-    </p:bg>
     <p:spTree>
       <p:nvGrpSpPr>
         <p:cNvPr id="1" name=""/>
@@ -31719,41 +36544,6 @@
       </p:sp>
       <p:sp>
         <p:nvSpPr>
-          <p:cNvPr id="32" name="Titel 1">
-            <a:extLst>
-              <a:ext uri="{FF2B5EF4-FFF2-40B4-BE49-F238E27FC236}">
-                <a16:creationId xmlns:a16="http://schemas.microsoft.com/office/drawing/2014/main" id="{4665678C-BB69-448F-9076-1EA1D3679776}"/>
-              </a:ext>
-            </a:extLst>
-          </p:cNvPr>
-          <p:cNvSpPr>
-            <a:spLocks noGrp="1"/>
-          </p:cNvSpPr>
-          <p:nvPr>
-            <p:ph type="title"/>
-          </p:nvPr>
-        </p:nvSpPr>
-        <p:spPr>
-          <a:xfrm>
-            <a:off x="940750" y="1186215"/>
-            <a:ext cx="10515600" cy="623045"/>
-          </a:xfrm>
-        </p:spPr>
-        <p:txBody>
-          <a:bodyPr>
-            <a:normAutofit fontScale="90000"/>
-          </a:bodyPr>
-          <a:lstStyle/>
-          <a:p>
-            <a:r>
-              <a:rPr lang="de-CH" dirty="0"/>
-              <a:t>Conclusion</a:t>
-            </a:r>
-          </a:p>
-        </p:txBody>
-      </p:sp>
-      <p:sp>
-        <p:nvSpPr>
           <p:cNvPr id="2" name="Datumsplatzhalter 1">
             <a:extLst>
               <a:ext uri="{FF2B5EF4-FFF2-40B4-BE49-F238E27FC236}">
@@ -31775,7 +36565,7 @@
           <a:p>
             <a:fld id="{2CC03D73-1F34-48E0-AFF1-4F1F8EBA1283}" type="datetime1">
               <a:rPr lang="en-GB" smtClean="0"/>
-              <a:t>27/06/2021</a:t>
+              <a:t>28/06/2021</a:t>
             </a:fld>
             <a:endParaRPr lang="de-CH"/>
           </a:p>
@@ -31838,266 +36628,3001 @@
           </a:p>
         </p:txBody>
       </p:sp>
-      <p:grpSp>
-        <p:nvGrpSpPr>
-          <p:cNvPr id="40" name="Gruppieren 39">
+      <p:sp>
+        <p:nvSpPr>
+          <p:cNvPr id="17" name="Rectangle 5">
             <a:extLst>
               <a:ext uri="{FF2B5EF4-FFF2-40B4-BE49-F238E27FC236}">
-                <a16:creationId xmlns:a16="http://schemas.microsoft.com/office/drawing/2014/main" id="{BE2C95D5-CC52-40F7-9FFD-606394C987AD}"/>
+                <a16:creationId xmlns:a16="http://schemas.microsoft.com/office/drawing/2014/main" id="{B3597EF1-6A75-4FAF-9C8C-DDAEE13CBDBC}"/>
               </a:ext>
             </a:extLst>
           </p:cNvPr>
-          <p:cNvGrpSpPr/>
+          <p:cNvSpPr>
+            <a:spLocks noChangeArrowheads="1"/>
+          </p:cNvSpPr>
           <p:nvPr/>
-        </p:nvGrpSpPr>
-        <p:grpSpPr>
+        </p:nvSpPr>
+        <p:spPr bwMode="auto">
           <a:xfrm>
-            <a:off x="9285144" y="886846"/>
-            <a:ext cx="3310173" cy="6913099"/>
-            <a:chOff x="9285144" y="886846"/>
-            <a:chExt cx="3310173" cy="6913099"/>
+            <a:off x="8790507" y="992963"/>
+            <a:ext cx="12192000" cy="457200"/>
           </a:xfrm>
-        </p:grpSpPr>
-        <p:pic>
-          <p:nvPicPr>
-            <p:cNvPr id="17" name="Grafik 16">
-              <a:extLst>
-                <a:ext uri="{FF2B5EF4-FFF2-40B4-BE49-F238E27FC236}">
-                  <a16:creationId xmlns:a16="http://schemas.microsoft.com/office/drawing/2014/main" id="{986A0574-F708-4E8D-BB85-FAECD1BF7514}"/>
-                </a:ext>
-              </a:extLst>
-            </p:cNvPr>
-            <p:cNvPicPr>
-              <a:picLocks noChangeAspect="1"/>
-            </p:cNvPicPr>
-            <p:nvPr/>
-          </p:nvPicPr>
-          <p:blipFill>
-            <a:blip r:embed="rId3"/>
-            <a:stretch>
-              <a:fillRect/>
-            </a:stretch>
-          </p:blipFill>
-          <p:spPr>
-            <a:xfrm>
-              <a:off x="9317082" y="886846"/>
-              <a:ext cx="1676906" cy="2388134"/>
-            </a:xfrm>
-            <a:prstGeom prst="rect">
+          <a:prstGeom prst="rect">
+            <a:avLst/>
+          </a:prstGeom>
+          <a:noFill/>
+          <a:ln>
+            <a:noFill/>
+          </a:ln>
+          <a:effectLst/>
+          <a:extLst>
+            <a:ext uri="{909E8E84-426E-40DD-AFC4-6F175D3DCCD1}">
+              <a14:hiddenFill xmlns:a14="http://schemas.microsoft.com/office/drawing/2010/main">
+                <a:solidFill>
+                  <a:schemeClr val="accent1"/>
+                </a:solidFill>
+              </a14:hiddenFill>
+            </a:ext>
+            <a:ext uri="{91240B29-F687-4F45-9708-019B960494DF}">
+              <a14:hiddenLine xmlns:a14="http://schemas.microsoft.com/office/drawing/2010/main" w="9525">
+                <a:solidFill>
+                  <a:schemeClr val="tx1"/>
+                </a:solidFill>
+                <a:miter lim="800000"/>
+                <a:headEnd/>
+                <a:tailEnd/>
+              </a14:hiddenLine>
+            </a:ext>
+            <a:ext uri="{AF507438-7753-43E0-B8FC-AC1667EBCBE1}">
+              <a14:hiddenEffects xmlns:a14="http://schemas.microsoft.com/office/drawing/2010/main">
+                <a:effectLst>
+                  <a:outerShdw dist="35921" dir="2700000" algn="ctr" rotWithShape="0">
+                    <a:schemeClr val="bg2"/>
+                  </a:outerShdw>
+                </a:effectLst>
+              </a14:hiddenEffects>
+            </a:ext>
+          </a:extLst>
+        </p:spPr>
+        <p:txBody>
+          <a:bodyPr vert="horz" wrap="none" lIns="91440" tIns="45720" rIns="91440" bIns="45720" numCol="1" anchor="ctr" anchorCtr="0" compatLnSpc="1">
+            <a:prstTxWarp prst="textNoShape">
               <a:avLst/>
-            </a:prstGeom>
-            <a:ln>
-              <a:noFill/>
-            </a:ln>
-          </p:spPr>
-        </p:pic>
-        <p:pic>
-          <p:nvPicPr>
-            <p:cNvPr id="26" name="Grafik 25">
-              <a:extLst>
-                <a:ext uri="{FF2B5EF4-FFF2-40B4-BE49-F238E27FC236}">
-                  <a16:creationId xmlns:a16="http://schemas.microsoft.com/office/drawing/2014/main" id="{57764915-E54D-41E6-BD0B-DA3A609CA018}"/>
-                </a:ext>
-              </a:extLst>
-            </p:cNvPr>
-            <p:cNvPicPr>
-              <a:picLocks noChangeAspect="1"/>
-            </p:cNvPicPr>
-            <p:nvPr/>
-          </p:nvPicPr>
-          <p:blipFill rotWithShape="1">
-            <a:blip r:embed="rId4"/>
-            <a:srcRect t="1220"/>
-            <a:stretch/>
-          </p:blipFill>
-          <p:spPr>
-            <a:xfrm>
-              <a:off x="9285144" y="3224113"/>
-              <a:ext cx="1676906" cy="2350888"/>
-            </a:xfrm>
-            <a:prstGeom prst="rect">
-              <a:avLst/>
-            </a:prstGeom>
-          </p:spPr>
-        </p:pic>
-        <p:pic>
-          <p:nvPicPr>
-            <p:cNvPr id="33" name="Grafik 32">
-              <a:extLst>
-                <a:ext uri="{FF2B5EF4-FFF2-40B4-BE49-F238E27FC236}">
-                  <a16:creationId xmlns:a16="http://schemas.microsoft.com/office/drawing/2014/main" id="{0D1374F8-30E0-4C39-83E0-3EEC0139A7A1}"/>
-                </a:ext>
-              </a:extLst>
-            </p:cNvPr>
-            <p:cNvPicPr>
-              <a:picLocks noChangeAspect="1"/>
-            </p:cNvPicPr>
-            <p:nvPr/>
-          </p:nvPicPr>
-          <p:blipFill>
-            <a:blip r:embed="rId5"/>
-            <a:stretch>
-              <a:fillRect/>
-            </a:stretch>
-          </p:blipFill>
-          <p:spPr>
-            <a:xfrm>
-              <a:off x="9297710" y="5420016"/>
-              <a:ext cx="1680309" cy="2379929"/>
-            </a:xfrm>
-            <a:prstGeom prst="rect">
-              <a:avLst/>
-            </a:prstGeom>
-          </p:spPr>
-        </p:pic>
-        <p:pic>
-          <p:nvPicPr>
-            <p:cNvPr id="35" name="Grafik 34">
-              <a:extLst>
-                <a:ext uri="{FF2B5EF4-FFF2-40B4-BE49-F238E27FC236}">
-                  <a16:creationId xmlns:a16="http://schemas.microsoft.com/office/drawing/2014/main" id="{05ADCFA2-B832-4807-A03D-C20431EFD04F}"/>
-                </a:ext>
-              </a:extLst>
-            </p:cNvPr>
-            <p:cNvPicPr>
-              <a:picLocks noChangeAspect="1"/>
-            </p:cNvPicPr>
-            <p:nvPr/>
-          </p:nvPicPr>
-          <p:blipFill rotWithShape="1">
-            <a:blip r:embed="rId6"/>
-            <a:srcRect t="15856"/>
-            <a:stretch/>
-          </p:blipFill>
-          <p:spPr>
-            <a:xfrm>
-              <a:off x="10905416" y="886846"/>
-              <a:ext cx="1676906" cy="2004715"/>
-            </a:xfrm>
-            <a:prstGeom prst="rect">
-              <a:avLst/>
-            </a:prstGeom>
-          </p:spPr>
-        </p:pic>
-        <p:pic>
-          <p:nvPicPr>
-            <p:cNvPr id="37" name="Grafik 36">
-              <a:extLst>
-                <a:ext uri="{FF2B5EF4-FFF2-40B4-BE49-F238E27FC236}">
-                  <a16:creationId xmlns:a16="http://schemas.microsoft.com/office/drawing/2014/main" id="{B2E0DF4C-FB6B-4DDF-BFCB-5CB46D159404}"/>
-                </a:ext>
-              </a:extLst>
-            </p:cNvPr>
-            <p:cNvPicPr>
-              <a:picLocks noChangeAspect="1"/>
-            </p:cNvPicPr>
-            <p:nvPr/>
-          </p:nvPicPr>
-          <p:blipFill>
-            <a:blip r:embed="rId7"/>
-            <a:stretch>
-              <a:fillRect/>
-            </a:stretch>
-          </p:blipFill>
-          <p:spPr>
-            <a:xfrm>
-              <a:off x="10913976" y="2774115"/>
-              <a:ext cx="1678155" cy="2379929"/>
-            </a:xfrm>
-            <a:prstGeom prst="rect">
-              <a:avLst/>
-            </a:prstGeom>
-          </p:spPr>
-        </p:pic>
-        <p:pic>
-          <p:nvPicPr>
-            <p:cNvPr id="39" name="Grafik 38">
-              <a:extLst>
-                <a:ext uri="{FF2B5EF4-FFF2-40B4-BE49-F238E27FC236}">
-                  <a16:creationId xmlns:a16="http://schemas.microsoft.com/office/drawing/2014/main" id="{DFF78DE5-C09D-4C28-8921-333226FAFA82}"/>
-                </a:ext>
-              </a:extLst>
-            </p:cNvPr>
-            <p:cNvPicPr>
-              <a:picLocks noChangeAspect="1"/>
-            </p:cNvPicPr>
-            <p:nvPr/>
-          </p:nvPicPr>
-          <p:blipFill rotWithShape="1">
-            <a:blip r:embed="rId8"/>
-            <a:srcRect l="758" t="592"/>
-            <a:stretch/>
-          </p:blipFill>
-          <p:spPr>
-            <a:xfrm>
-              <a:off x="10928205" y="5116506"/>
-              <a:ext cx="1667112" cy="2379930"/>
-            </a:xfrm>
-            <a:prstGeom prst="rect">
-              <a:avLst/>
-            </a:prstGeom>
-          </p:spPr>
-        </p:pic>
-      </p:grpSp>
+            </a:prstTxWarp>
+            <a:spAutoFit/>
+          </a:bodyPr>
+          <a:lstStyle/>
+          <a:p>
+            <a:endParaRPr lang="en-GB"/>
+          </a:p>
+        </p:txBody>
+      </p:sp>
       <p:sp>
         <p:nvSpPr>
-          <p:cNvPr id="41" name="Rechteck 40">
+          <p:cNvPr id="35" name="Rectangle 11">
             <a:extLst>
               <a:ext uri="{FF2B5EF4-FFF2-40B4-BE49-F238E27FC236}">
-                <a16:creationId xmlns:a16="http://schemas.microsoft.com/office/drawing/2014/main" id="{64FD76B6-D5C6-4DE5-88B1-2D16C503FD94}"/>
+                <a16:creationId xmlns:a16="http://schemas.microsoft.com/office/drawing/2014/main" id="{1C5A8066-A8E6-4CD1-AD5F-98A2D8FB18E5}"/>
               </a:ext>
             </a:extLst>
           </p:cNvPr>
-          <p:cNvSpPr/>
+          <p:cNvSpPr>
+            <a:spLocks noChangeArrowheads="1"/>
+          </p:cNvSpPr>
+          <p:nvPr/>
+        </p:nvSpPr>
+        <p:spPr bwMode="auto">
+          <a:xfrm>
+            <a:off x="4204164" y="3934642"/>
+            <a:ext cx="12192000" cy="457200"/>
+          </a:xfrm>
+          <a:prstGeom prst="rect">
+            <a:avLst/>
+          </a:prstGeom>
+          <a:noFill/>
+          <a:ln>
+            <a:noFill/>
+          </a:ln>
+          <a:effectLst/>
+          <a:extLst>
+            <a:ext uri="{909E8E84-426E-40DD-AFC4-6F175D3DCCD1}">
+              <a14:hiddenFill xmlns:a14="http://schemas.microsoft.com/office/drawing/2010/main">
+                <a:solidFill>
+                  <a:schemeClr val="accent1"/>
+                </a:solidFill>
+              </a14:hiddenFill>
+            </a:ext>
+            <a:ext uri="{91240B29-F687-4F45-9708-019B960494DF}">
+              <a14:hiddenLine xmlns:a14="http://schemas.microsoft.com/office/drawing/2010/main" w="9525">
+                <a:solidFill>
+                  <a:schemeClr val="tx1"/>
+                </a:solidFill>
+                <a:miter lim="800000"/>
+                <a:headEnd/>
+                <a:tailEnd/>
+              </a14:hiddenLine>
+            </a:ext>
+            <a:ext uri="{AF507438-7753-43E0-B8FC-AC1667EBCBE1}">
+              <a14:hiddenEffects xmlns:a14="http://schemas.microsoft.com/office/drawing/2010/main">
+                <a:effectLst>
+                  <a:outerShdw dist="35921" dir="2700000" algn="ctr" rotWithShape="0">
+                    <a:schemeClr val="bg2"/>
+                  </a:outerShdw>
+                </a:effectLst>
+              </a14:hiddenEffects>
+            </a:ext>
+          </a:extLst>
+        </p:spPr>
+        <p:txBody>
+          <a:bodyPr vert="horz" wrap="none" lIns="91440" tIns="45720" rIns="91440" bIns="45720" numCol="1" anchor="ctr" anchorCtr="0" compatLnSpc="1">
+            <a:prstTxWarp prst="textNoShape">
+              <a:avLst/>
+            </a:prstTxWarp>
+            <a:spAutoFit/>
+          </a:bodyPr>
+          <a:lstStyle/>
+          <a:p>
+            <a:endParaRPr lang="en-GB"/>
+          </a:p>
+        </p:txBody>
+      </p:sp>
+      <p:sp>
+        <p:nvSpPr>
+          <p:cNvPr id="37" name="Rectangle 14">
+            <a:extLst>
+              <a:ext uri="{FF2B5EF4-FFF2-40B4-BE49-F238E27FC236}">
+                <a16:creationId xmlns:a16="http://schemas.microsoft.com/office/drawing/2014/main" id="{6AE976AB-B14A-4416-ACDA-3E07D70BD9CF}"/>
+              </a:ext>
+            </a:extLst>
+          </p:cNvPr>
+          <p:cNvSpPr>
+            <a:spLocks noChangeArrowheads="1"/>
+          </p:cNvSpPr>
+          <p:nvPr/>
+        </p:nvSpPr>
+        <p:spPr bwMode="auto">
+          <a:xfrm>
+            <a:off x="7831494" y="3939655"/>
+            <a:ext cx="12192000" cy="457200"/>
+          </a:xfrm>
+          <a:prstGeom prst="rect">
+            <a:avLst/>
+          </a:prstGeom>
+          <a:noFill/>
+          <a:ln>
+            <a:noFill/>
+          </a:ln>
+          <a:effectLst/>
+          <a:extLst>
+            <a:ext uri="{909E8E84-426E-40DD-AFC4-6F175D3DCCD1}">
+              <a14:hiddenFill xmlns:a14="http://schemas.microsoft.com/office/drawing/2010/main">
+                <a:solidFill>
+                  <a:schemeClr val="accent1"/>
+                </a:solidFill>
+              </a14:hiddenFill>
+            </a:ext>
+            <a:ext uri="{91240B29-F687-4F45-9708-019B960494DF}">
+              <a14:hiddenLine xmlns:a14="http://schemas.microsoft.com/office/drawing/2010/main" w="9525">
+                <a:solidFill>
+                  <a:schemeClr val="tx1"/>
+                </a:solidFill>
+                <a:miter lim="800000"/>
+                <a:headEnd/>
+                <a:tailEnd/>
+              </a14:hiddenLine>
+            </a:ext>
+            <a:ext uri="{AF507438-7753-43E0-B8FC-AC1667EBCBE1}">
+              <a14:hiddenEffects xmlns:a14="http://schemas.microsoft.com/office/drawing/2010/main">
+                <a:effectLst>
+                  <a:outerShdw dist="35921" dir="2700000" algn="ctr" rotWithShape="0">
+                    <a:schemeClr val="bg2"/>
+                  </a:outerShdw>
+                </a:effectLst>
+              </a14:hiddenEffects>
+            </a:ext>
+          </a:extLst>
+        </p:spPr>
+        <p:txBody>
+          <a:bodyPr vert="horz" wrap="none" lIns="91440" tIns="45720" rIns="91440" bIns="45720" numCol="1" anchor="ctr" anchorCtr="0" compatLnSpc="1">
+            <a:prstTxWarp prst="textNoShape">
+              <a:avLst/>
+            </a:prstTxWarp>
+            <a:spAutoFit/>
+          </a:bodyPr>
+          <a:lstStyle/>
+          <a:p>
+            <a:endParaRPr lang="en-GB"/>
+          </a:p>
+        </p:txBody>
+      </p:sp>
+      <p:graphicFrame>
+        <p:nvGraphicFramePr>
+          <p:cNvPr id="15" name="Tabelle 14">
+            <a:extLst>
+              <a:ext uri="{FF2B5EF4-FFF2-40B4-BE49-F238E27FC236}">
+                <a16:creationId xmlns:a16="http://schemas.microsoft.com/office/drawing/2014/main" id="{A66EB056-6250-42DA-99D1-7C7E417785D8}"/>
+              </a:ext>
+            </a:extLst>
+          </p:cNvPr>
+          <p:cNvGraphicFramePr>
+            <a:graphicFrameLocks noGrp="1"/>
+          </p:cNvGraphicFramePr>
+          <p:nvPr>
+            <p:extLst>
+              <p:ext uri="{D42A27DB-BD31-4B8C-83A1-F6EECF244321}">
+                <p14:modId xmlns:p14="http://schemas.microsoft.com/office/powerpoint/2010/main" val="1578041075"/>
+              </p:ext>
+            </p:extLst>
+          </p:nvPr>
+        </p:nvGraphicFramePr>
+        <p:xfrm>
+          <a:off x="1141022" y="2484504"/>
+          <a:ext cx="3622313" cy="893949"/>
+        </p:xfrm>
+        <a:graphic>
+          <a:graphicData uri="http://schemas.openxmlformats.org/drawingml/2006/table">
+            <a:tbl>
+              <a:tblPr firstRow="1" firstCol="1" bandRow="1">
+                <a:tableStyleId>{5940675A-B579-460E-94D1-54222C63F5DA}</a:tableStyleId>
+              </a:tblPr>
+              <a:tblGrid>
+                <a:gridCol w="622865">
+                  <a:extLst>
+                    <a:ext uri="{9D8B030D-6E8A-4147-A177-3AD203B41FA5}">
+                      <a16:colId xmlns:a16="http://schemas.microsoft.com/office/drawing/2014/main" val="709243954"/>
+                    </a:ext>
+                  </a:extLst>
+                </a:gridCol>
+                <a:gridCol w="792940">
+                  <a:extLst>
+                    <a:ext uri="{9D8B030D-6E8A-4147-A177-3AD203B41FA5}">
+                      <a16:colId xmlns:a16="http://schemas.microsoft.com/office/drawing/2014/main" val="2437400463"/>
+                    </a:ext>
+                  </a:extLst>
+                </a:gridCol>
+                <a:gridCol w="687762">
+                  <a:extLst>
+                    <a:ext uri="{9D8B030D-6E8A-4147-A177-3AD203B41FA5}">
+                      <a16:colId xmlns:a16="http://schemas.microsoft.com/office/drawing/2014/main" val="121814656"/>
+                    </a:ext>
+                  </a:extLst>
+                </a:gridCol>
+                <a:gridCol w="581838">
+                  <a:extLst>
+                    <a:ext uri="{9D8B030D-6E8A-4147-A177-3AD203B41FA5}">
+                      <a16:colId xmlns:a16="http://schemas.microsoft.com/office/drawing/2014/main" val="3852394084"/>
+                    </a:ext>
+                  </a:extLst>
+                </a:gridCol>
+                <a:gridCol w="444584">
+                  <a:extLst>
+                    <a:ext uri="{9D8B030D-6E8A-4147-A177-3AD203B41FA5}">
+                      <a16:colId xmlns:a16="http://schemas.microsoft.com/office/drawing/2014/main" val="3988496925"/>
+                    </a:ext>
+                  </a:extLst>
+                </a:gridCol>
+                <a:gridCol w="492324">
+                  <a:extLst>
+                    <a:ext uri="{9D8B030D-6E8A-4147-A177-3AD203B41FA5}">
+                      <a16:colId xmlns:a16="http://schemas.microsoft.com/office/drawing/2014/main" val="95789037"/>
+                    </a:ext>
+                  </a:extLst>
+                </a:gridCol>
+              </a:tblGrid>
+              <a:tr h="178790">
+                <a:tc>
+                  <a:txBody>
+                    <a:bodyPr/>
+                    <a:lstStyle/>
+                    <a:p>
+                      <a:pPr algn="ctr"/>
+                      <a:r>
+                        <a:rPr lang="en-GB" sz="900" dirty="0">
+                          <a:effectLst/>
+                        </a:rPr>
+                        <a:t>Dataset</a:t>
+                      </a:r>
+                      <a:endParaRPr lang="de-CH" sz="1100" dirty="0">
+                        <a:effectLst/>
+                        <a:latin typeface="Times New Roman" panose="02020603050405020304" pitchFamily="18" charset="0"/>
+                        <a:ea typeface="SimSun" panose="02010600030101010101" pitchFamily="2" charset="-122"/>
+                        <a:cs typeface="Times New Roman" panose="02020603050405020304" pitchFamily="18" charset="0"/>
+                      </a:endParaRPr>
+                    </a:p>
+                  </a:txBody>
+                  <a:tcPr marL="68580" marR="68580" marT="0" marB="0"/>
+                </a:tc>
+                <a:tc>
+                  <a:txBody>
+                    <a:bodyPr/>
+                    <a:lstStyle/>
+                    <a:p>
+                      <a:pPr algn="ctr"/>
+                      <a:r>
+                        <a:rPr lang="en-GB" sz="900">
+                          <a:effectLst/>
+                        </a:rPr>
+                        <a:t>Strategy</a:t>
+                      </a:r>
+                      <a:endParaRPr lang="de-CH" sz="1100">
+                        <a:effectLst/>
+                        <a:latin typeface="Times New Roman" panose="02020603050405020304" pitchFamily="18" charset="0"/>
+                        <a:ea typeface="SimSun" panose="02010600030101010101" pitchFamily="2" charset="-122"/>
+                        <a:cs typeface="Times New Roman" panose="02020603050405020304" pitchFamily="18" charset="0"/>
+                      </a:endParaRPr>
+                    </a:p>
+                  </a:txBody>
+                  <a:tcPr marL="68580" marR="68580" marT="0" marB="0"/>
+                </a:tc>
+                <a:tc>
+                  <a:txBody>
+                    <a:bodyPr/>
+                    <a:lstStyle/>
+                    <a:p>
+                      <a:pPr algn="ctr"/>
+                      <a:r>
+                        <a:rPr lang="en-GB" sz="900" dirty="0">
+                          <a:effectLst/>
+                        </a:rPr>
+                        <a:t>Algorithm</a:t>
+                      </a:r>
+                      <a:endParaRPr lang="de-CH" sz="1100" dirty="0">
+                        <a:effectLst/>
+                        <a:latin typeface="Times New Roman" panose="02020603050405020304" pitchFamily="18" charset="0"/>
+                        <a:ea typeface="SimSun" panose="02010600030101010101" pitchFamily="2" charset="-122"/>
+                        <a:cs typeface="Times New Roman" panose="02020603050405020304" pitchFamily="18" charset="0"/>
+                      </a:endParaRPr>
+                    </a:p>
+                  </a:txBody>
+                  <a:tcPr marL="68580" marR="68580" marT="0" marB="0"/>
+                </a:tc>
+                <a:tc>
+                  <a:txBody>
+                    <a:bodyPr/>
+                    <a:lstStyle/>
+                    <a:p>
+                      <a:pPr algn="ctr"/>
+                      <a:r>
+                        <a:rPr lang="en-GB" sz="900">
+                          <a:effectLst/>
+                        </a:rPr>
+                        <a:t>Baseline</a:t>
+                      </a:r>
+                      <a:endParaRPr lang="de-CH" sz="1100">
+                        <a:effectLst/>
+                        <a:latin typeface="Times New Roman" panose="02020603050405020304" pitchFamily="18" charset="0"/>
+                        <a:ea typeface="SimSun" panose="02010600030101010101" pitchFamily="2" charset="-122"/>
+                        <a:cs typeface="Times New Roman" panose="02020603050405020304" pitchFamily="18" charset="0"/>
+                      </a:endParaRPr>
+                    </a:p>
+                  </a:txBody>
+                  <a:tcPr marL="68580" marR="68580" marT="0" marB="0"/>
+                </a:tc>
+                <a:tc>
+                  <a:txBody>
+                    <a:bodyPr/>
+                    <a:lstStyle/>
+                    <a:p>
+                      <a:pPr algn="ctr"/>
+                      <a:r>
+                        <a:rPr lang="en-GB" sz="900">
+                          <a:effectLst/>
+                        </a:rPr>
+                        <a:t>Score</a:t>
+                      </a:r>
+                      <a:endParaRPr lang="de-CH" sz="1100">
+                        <a:effectLst/>
+                        <a:latin typeface="Times New Roman" panose="02020603050405020304" pitchFamily="18" charset="0"/>
+                        <a:ea typeface="SimSun" panose="02010600030101010101" pitchFamily="2" charset="-122"/>
+                        <a:cs typeface="Times New Roman" panose="02020603050405020304" pitchFamily="18" charset="0"/>
+                      </a:endParaRPr>
+                    </a:p>
+                  </a:txBody>
+                  <a:tcPr marL="68580" marR="68580" marT="0" marB="0"/>
+                </a:tc>
+                <a:tc>
+                  <a:txBody>
+                    <a:bodyPr/>
+                    <a:lstStyle/>
+                    <a:p>
+                      <a:pPr algn="ctr"/>
+                      <a:r>
+                        <a:rPr lang="en-GB" sz="900">
+                          <a:effectLst/>
+                        </a:rPr>
+                        <a:t>Std</a:t>
+                      </a:r>
+                      <a:endParaRPr lang="de-CH" sz="1100">
+                        <a:effectLst/>
+                        <a:latin typeface="Times New Roman" panose="02020603050405020304" pitchFamily="18" charset="0"/>
+                        <a:ea typeface="SimSun" panose="02010600030101010101" pitchFamily="2" charset="-122"/>
+                        <a:cs typeface="Times New Roman" panose="02020603050405020304" pitchFamily="18" charset="0"/>
+                      </a:endParaRPr>
+                    </a:p>
+                  </a:txBody>
+                  <a:tcPr marL="68580" marR="68580" marT="0" marB="0"/>
+                </a:tc>
+                <a:extLst>
+                  <a:ext uri="{0D108BD9-81ED-4DB2-BD59-A6C34878D82A}">
+                    <a16:rowId xmlns:a16="http://schemas.microsoft.com/office/drawing/2014/main" val="2623648705"/>
+                  </a:ext>
+                </a:extLst>
+              </a:tr>
+              <a:tr h="178790">
+                <a:tc>
+                  <a:txBody>
+                    <a:bodyPr/>
+                    <a:lstStyle/>
+                    <a:p>
+                      <a:pPr algn="ctr"/>
+                      <a:r>
+                        <a:rPr lang="en-GB" sz="900">
+                          <a:effectLst/>
+                        </a:rPr>
+                        <a:t>Complete</a:t>
+                      </a:r>
+                      <a:endParaRPr lang="de-CH" sz="1100">
+                        <a:effectLst/>
+                        <a:latin typeface="Times New Roman" panose="02020603050405020304" pitchFamily="18" charset="0"/>
+                        <a:ea typeface="SimSun" panose="02010600030101010101" pitchFamily="2" charset="-122"/>
+                        <a:cs typeface="Times New Roman" panose="02020603050405020304" pitchFamily="18" charset="0"/>
+                      </a:endParaRPr>
+                    </a:p>
+                  </a:txBody>
+                  <a:tcPr marL="68580" marR="68580" marT="0" marB="0"/>
+                </a:tc>
+                <a:tc>
+                  <a:txBody>
+                    <a:bodyPr/>
+                    <a:lstStyle/>
+                    <a:p>
+                      <a:pPr algn="ctr"/>
+                      <a:r>
+                        <a:rPr lang="en-GB" sz="900" dirty="0">
+                          <a:effectLst/>
+                        </a:rPr>
+                        <a:t>OneHot</a:t>
+                      </a:r>
+                      <a:endParaRPr lang="de-CH" sz="1100" dirty="0">
+                        <a:effectLst/>
+                        <a:latin typeface="Times New Roman" panose="02020603050405020304" pitchFamily="18" charset="0"/>
+                        <a:ea typeface="SimSun" panose="02010600030101010101" pitchFamily="2" charset="-122"/>
+                        <a:cs typeface="Times New Roman" panose="02020603050405020304" pitchFamily="18" charset="0"/>
+                      </a:endParaRPr>
+                    </a:p>
+                  </a:txBody>
+                  <a:tcPr marL="68580" marR="68580" marT="0" marB="0"/>
+                </a:tc>
+                <a:tc>
+                  <a:txBody>
+                    <a:bodyPr/>
+                    <a:lstStyle/>
+                    <a:p>
+                      <a:pPr algn="ctr"/>
+                      <a:r>
+                        <a:rPr lang="en-GB" sz="900" dirty="0">
+                          <a:effectLst/>
+                        </a:rPr>
+                        <a:t>SVM</a:t>
+                      </a:r>
+                      <a:endParaRPr lang="de-CH" sz="1100" dirty="0">
+                        <a:effectLst/>
+                        <a:latin typeface="Times New Roman" panose="02020603050405020304" pitchFamily="18" charset="0"/>
+                        <a:ea typeface="SimSun" panose="02010600030101010101" pitchFamily="2" charset="-122"/>
+                        <a:cs typeface="Times New Roman" panose="02020603050405020304" pitchFamily="18" charset="0"/>
+                      </a:endParaRPr>
+                    </a:p>
+                  </a:txBody>
+                  <a:tcPr marL="68580" marR="68580" marT="0" marB="0"/>
+                </a:tc>
+                <a:tc>
+                  <a:txBody>
+                    <a:bodyPr/>
+                    <a:lstStyle/>
+                    <a:p>
+                      <a:pPr algn="ctr"/>
+                      <a:r>
+                        <a:rPr lang="en-GB" sz="900">
+                          <a:effectLst/>
+                        </a:rPr>
+                        <a:t>0.24</a:t>
+                      </a:r>
+                      <a:endParaRPr lang="de-CH" sz="1100">
+                        <a:effectLst/>
+                        <a:latin typeface="Times New Roman" panose="02020603050405020304" pitchFamily="18" charset="0"/>
+                        <a:ea typeface="SimSun" panose="02010600030101010101" pitchFamily="2" charset="-122"/>
+                        <a:cs typeface="Times New Roman" panose="02020603050405020304" pitchFamily="18" charset="0"/>
+                      </a:endParaRPr>
+                    </a:p>
+                  </a:txBody>
+                  <a:tcPr marL="68580" marR="68580" marT="0" marB="0"/>
+                </a:tc>
+                <a:tc>
+                  <a:txBody>
+                    <a:bodyPr/>
+                    <a:lstStyle/>
+                    <a:p>
+                      <a:pPr algn="ctr"/>
+                      <a:r>
+                        <a:rPr lang="en-GB" sz="900">
+                          <a:effectLst/>
+                        </a:rPr>
+                        <a:t>0.32</a:t>
+                      </a:r>
+                      <a:endParaRPr lang="de-CH" sz="1100">
+                        <a:effectLst/>
+                        <a:latin typeface="Times New Roman" panose="02020603050405020304" pitchFamily="18" charset="0"/>
+                        <a:ea typeface="SimSun" panose="02010600030101010101" pitchFamily="2" charset="-122"/>
+                        <a:cs typeface="Times New Roman" panose="02020603050405020304" pitchFamily="18" charset="0"/>
+                      </a:endParaRPr>
+                    </a:p>
+                  </a:txBody>
+                  <a:tcPr marL="68580" marR="68580" marT="0" marB="0"/>
+                </a:tc>
+                <a:tc>
+                  <a:txBody>
+                    <a:bodyPr/>
+                    <a:lstStyle/>
+                    <a:p>
+                      <a:pPr algn="ctr"/>
+                      <a:r>
+                        <a:rPr lang="en-GB" sz="900">
+                          <a:effectLst/>
+                        </a:rPr>
+                        <a:t>±0.019</a:t>
+                      </a:r>
+                      <a:endParaRPr lang="de-CH" sz="1100">
+                        <a:effectLst/>
+                        <a:latin typeface="Times New Roman" panose="02020603050405020304" pitchFamily="18" charset="0"/>
+                        <a:ea typeface="SimSun" panose="02010600030101010101" pitchFamily="2" charset="-122"/>
+                        <a:cs typeface="Times New Roman" panose="02020603050405020304" pitchFamily="18" charset="0"/>
+                      </a:endParaRPr>
+                    </a:p>
+                  </a:txBody>
+                  <a:tcPr marL="68580" marR="68580" marT="0" marB="0"/>
+                </a:tc>
+                <a:extLst>
+                  <a:ext uri="{0D108BD9-81ED-4DB2-BD59-A6C34878D82A}">
+                    <a16:rowId xmlns:a16="http://schemas.microsoft.com/office/drawing/2014/main" val="1692625613"/>
+                  </a:ext>
+                </a:extLst>
+              </a:tr>
+              <a:tr h="357579">
+                <a:tc>
+                  <a:txBody>
+                    <a:bodyPr/>
+                    <a:lstStyle/>
+                    <a:p>
+                      <a:pPr algn="ctr"/>
+                      <a:r>
+                        <a:rPr lang="en-GB" sz="900">
+                          <a:effectLst/>
+                        </a:rPr>
+                        <a:t>Male</a:t>
+                      </a:r>
+                      <a:endParaRPr lang="de-CH" sz="1100">
+                        <a:effectLst/>
+                        <a:latin typeface="Times New Roman" panose="02020603050405020304" pitchFamily="18" charset="0"/>
+                        <a:ea typeface="SimSun" panose="02010600030101010101" pitchFamily="2" charset="-122"/>
+                        <a:cs typeface="Times New Roman" panose="02020603050405020304" pitchFamily="18" charset="0"/>
+                      </a:endParaRPr>
+                    </a:p>
+                  </a:txBody>
+                  <a:tcPr marL="68580" marR="68580" marT="0" marB="0"/>
+                </a:tc>
+                <a:tc>
+                  <a:txBody>
+                    <a:bodyPr/>
+                    <a:lstStyle/>
+                    <a:p>
+                      <a:pPr algn="ctr"/>
+                      <a:r>
+                        <a:rPr lang="en-GB" sz="900" dirty="0">
+                          <a:effectLst/>
+                        </a:rPr>
+                        <a:t>OneHot</a:t>
+                      </a:r>
+                      <a:endParaRPr lang="de-CH" sz="1100" dirty="0">
+                        <a:effectLst/>
+                        <a:latin typeface="Times New Roman" panose="02020603050405020304" pitchFamily="18" charset="0"/>
+                        <a:ea typeface="SimSun" panose="02010600030101010101" pitchFamily="2" charset="-122"/>
+                        <a:cs typeface="Times New Roman" panose="02020603050405020304" pitchFamily="18" charset="0"/>
+                      </a:endParaRPr>
+                    </a:p>
+                  </a:txBody>
+                  <a:tcPr marL="68580" marR="68580" marT="0" marB="0"/>
+                </a:tc>
+                <a:tc>
+                  <a:txBody>
+                    <a:bodyPr/>
+                    <a:lstStyle/>
+                    <a:p>
+                      <a:pPr algn="ctr"/>
+                      <a:r>
+                        <a:rPr lang="en-GB" sz="900">
+                          <a:effectLst/>
+                        </a:rPr>
+                        <a:t>Decision Tree</a:t>
+                      </a:r>
+                      <a:endParaRPr lang="de-CH" sz="1100">
+                        <a:effectLst/>
+                        <a:latin typeface="Times New Roman" panose="02020603050405020304" pitchFamily="18" charset="0"/>
+                        <a:ea typeface="SimSun" panose="02010600030101010101" pitchFamily="2" charset="-122"/>
+                        <a:cs typeface="Times New Roman" panose="02020603050405020304" pitchFamily="18" charset="0"/>
+                      </a:endParaRPr>
+                    </a:p>
+                  </a:txBody>
+                  <a:tcPr marL="68580" marR="68580" marT="0" marB="0"/>
+                </a:tc>
+                <a:tc>
+                  <a:txBody>
+                    <a:bodyPr/>
+                    <a:lstStyle/>
+                    <a:p>
+                      <a:pPr algn="ctr"/>
+                      <a:r>
+                        <a:rPr lang="en-GB" sz="900" dirty="0">
+                          <a:effectLst/>
+                        </a:rPr>
+                        <a:t>0.24</a:t>
+                      </a:r>
+                      <a:endParaRPr lang="de-CH" sz="1100" dirty="0">
+                        <a:effectLst/>
+                        <a:latin typeface="Times New Roman" panose="02020603050405020304" pitchFamily="18" charset="0"/>
+                        <a:ea typeface="SimSun" panose="02010600030101010101" pitchFamily="2" charset="-122"/>
+                        <a:cs typeface="Times New Roman" panose="02020603050405020304" pitchFamily="18" charset="0"/>
+                      </a:endParaRPr>
+                    </a:p>
+                  </a:txBody>
+                  <a:tcPr marL="68580" marR="68580" marT="0" marB="0"/>
+                </a:tc>
+                <a:tc>
+                  <a:txBody>
+                    <a:bodyPr/>
+                    <a:lstStyle/>
+                    <a:p>
+                      <a:pPr algn="ctr"/>
+                      <a:r>
+                        <a:rPr lang="en-GB" sz="900" dirty="0">
+                          <a:effectLst/>
+                        </a:rPr>
+                        <a:t>0.39</a:t>
+                      </a:r>
+                      <a:endParaRPr lang="de-CH" sz="1100" dirty="0">
+                        <a:effectLst/>
+                        <a:latin typeface="Times New Roman" panose="02020603050405020304" pitchFamily="18" charset="0"/>
+                        <a:ea typeface="SimSun" panose="02010600030101010101" pitchFamily="2" charset="-122"/>
+                        <a:cs typeface="Times New Roman" panose="02020603050405020304" pitchFamily="18" charset="0"/>
+                      </a:endParaRPr>
+                    </a:p>
+                  </a:txBody>
+                  <a:tcPr marL="68580" marR="68580" marT="0" marB="0"/>
+                </a:tc>
+                <a:tc>
+                  <a:txBody>
+                    <a:bodyPr/>
+                    <a:lstStyle/>
+                    <a:p>
+                      <a:pPr algn="ctr"/>
+                      <a:r>
+                        <a:rPr lang="en-GB" sz="900" dirty="0">
+                          <a:effectLst/>
+                        </a:rPr>
+                        <a:t>±0.038</a:t>
+                      </a:r>
+                      <a:endParaRPr lang="de-CH" sz="1100" dirty="0">
+                        <a:effectLst/>
+                        <a:latin typeface="Times New Roman" panose="02020603050405020304" pitchFamily="18" charset="0"/>
+                        <a:ea typeface="SimSun" panose="02010600030101010101" pitchFamily="2" charset="-122"/>
+                        <a:cs typeface="Times New Roman" panose="02020603050405020304" pitchFamily="18" charset="0"/>
+                      </a:endParaRPr>
+                    </a:p>
+                  </a:txBody>
+                  <a:tcPr marL="68580" marR="68580" marT="0" marB="0"/>
+                </a:tc>
+                <a:extLst>
+                  <a:ext uri="{0D108BD9-81ED-4DB2-BD59-A6C34878D82A}">
+                    <a16:rowId xmlns:a16="http://schemas.microsoft.com/office/drawing/2014/main" val="2831827270"/>
+                  </a:ext>
+                </a:extLst>
+              </a:tr>
+              <a:tr h="178790">
+                <a:tc>
+                  <a:txBody>
+                    <a:bodyPr/>
+                    <a:lstStyle/>
+                    <a:p>
+                      <a:pPr algn="ctr"/>
+                      <a:r>
+                        <a:rPr lang="en-GB" sz="900">
+                          <a:effectLst/>
+                        </a:rPr>
+                        <a:t>Female</a:t>
+                      </a:r>
+                      <a:endParaRPr lang="de-CH" sz="1100">
+                        <a:effectLst/>
+                        <a:latin typeface="Times New Roman" panose="02020603050405020304" pitchFamily="18" charset="0"/>
+                        <a:ea typeface="SimSun" panose="02010600030101010101" pitchFamily="2" charset="-122"/>
+                        <a:cs typeface="Times New Roman" panose="02020603050405020304" pitchFamily="18" charset="0"/>
+                      </a:endParaRPr>
+                    </a:p>
+                  </a:txBody>
+                  <a:tcPr marL="68580" marR="68580" marT="0" marB="0"/>
+                </a:tc>
+                <a:tc>
+                  <a:txBody>
+                    <a:bodyPr/>
+                    <a:lstStyle/>
+                    <a:p>
+                      <a:pPr algn="ctr"/>
+                      <a:r>
+                        <a:rPr lang="en-GB" sz="900">
+                          <a:effectLst/>
+                        </a:rPr>
+                        <a:t>OneHot+KNN</a:t>
+                      </a:r>
+                      <a:endParaRPr lang="de-CH" sz="1100">
+                        <a:effectLst/>
+                        <a:latin typeface="Times New Roman" panose="02020603050405020304" pitchFamily="18" charset="0"/>
+                        <a:ea typeface="SimSun" panose="02010600030101010101" pitchFamily="2" charset="-122"/>
+                        <a:cs typeface="Times New Roman" panose="02020603050405020304" pitchFamily="18" charset="0"/>
+                      </a:endParaRPr>
+                    </a:p>
+                  </a:txBody>
+                  <a:tcPr marL="68580" marR="68580" marT="0" marB="0"/>
+                </a:tc>
+                <a:tc>
+                  <a:txBody>
+                    <a:bodyPr/>
+                    <a:lstStyle/>
+                    <a:p>
+                      <a:pPr algn="ctr"/>
+                      <a:r>
+                        <a:rPr lang="en-GB" sz="900">
+                          <a:effectLst/>
+                        </a:rPr>
+                        <a:t>KNN</a:t>
+                      </a:r>
+                      <a:endParaRPr lang="de-CH" sz="1100">
+                        <a:effectLst/>
+                        <a:latin typeface="Times New Roman" panose="02020603050405020304" pitchFamily="18" charset="0"/>
+                        <a:ea typeface="SimSun" panose="02010600030101010101" pitchFamily="2" charset="-122"/>
+                        <a:cs typeface="Times New Roman" panose="02020603050405020304" pitchFamily="18" charset="0"/>
+                      </a:endParaRPr>
+                    </a:p>
+                  </a:txBody>
+                  <a:tcPr marL="68580" marR="68580" marT="0" marB="0"/>
+                </a:tc>
+                <a:tc>
+                  <a:txBody>
+                    <a:bodyPr/>
+                    <a:lstStyle/>
+                    <a:p>
+                      <a:pPr algn="ctr"/>
+                      <a:r>
+                        <a:rPr lang="en-GB" sz="900">
+                          <a:effectLst/>
+                        </a:rPr>
+                        <a:t>0.2</a:t>
+                      </a:r>
+                      <a:endParaRPr lang="de-CH" sz="1100">
+                        <a:effectLst/>
+                        <a:latin typeface="Times New Roman" panose="02020603050405020304" pitchFamily="18" charset="0"/>
+                        <a:ea typeface="SimSun" panose="02010600030101010101" pitchFamily="2" charset="-122"/>
+                        <a:cs typeface="Times New Roman" panose="02020603050405020304" pitchFamily="18" charset="0"/>
+                      </a:endParaRPr>
+                    </a:p>
+                  </a:txBody>
+                  <a:tcPr marL="68580" marR="68580" marT="0" marB="0"/>
+                </a:tc>
+                <a:tc>
+                  <a:txBody>
+                    <a:bodyPr/>
+                    <a:lstStyle/>
+                    <a:p>
+                      <a:pPr algn="ctr"/>
+                      <a:r>
+                        <a:rPr lang="en-GB" sz="900">
+                          <a:effectLst/>
+                        </a:rPr>
+                        <a:t>0.33</a:t>
+                      </a:r>
+                      <a:endParaRPr lang="de-CH" sz="1100">
+                        <a:effectLst/>
+                        <a:latin typeface="Times New Roman" panose="02020603050405020304" pitchFamily="18" charset="0"/>
+                        <a:ea typeface="SimSun" panose="02010600030101010101" pitchFamily="2" charset="-122"/>
+                        <a:cs typeface="Times New Roman" panose="02020603050405020304" pitchFamily="18" charset="0"/>
+                      </a:endParaRPr>
+                    </a:p>
+                  </a:txBody>
+                  <a:tcPr marL="68580" marR="68580" marT="0" marB="0"/>
+                </a:tc>
+                <a:tc>
+                  <a:txBody>
+                    <a:bodyPr/>
+                    <a:lstStyle/>
+                    <a:p>
+                      <a:pPr algn="ctr"/>
+                      <a:r>
+                        <a:rPr lang="en-GB" sz="900" dirty="0">
+                          <a:effectLst/>
+                        </a:rPr>
+                        <a:t>±0.005</a:t>
+                      </a:r>
+                      <a:endParaRPr lang="de-CH" sz="1100" dirty="0">
+                        <a:effectLst/>
+                        <a:latin typeface="Times New Roman" panose="02020603050405020304" pitchFamily="18" charset="0"/>
+                        <a:ea typeface="SimSun" panose="02010600030101010101" pitchFamily="2" charset="-122"/>
+                        <a:cs typeface="Times New Roman" panose="02020603050405020304" pitchFamily="18" charset="0"/>
+                      </a:endParaRPr>
+                    </a:p>
+                  </a:txBody>
+                  <a:tcPr marL="68580" marR="68580" marT="0" marB="0"/>
+                </a:tc>
+                <a:extLst>
+                  <a:ext uri="{0D108BD9-81ED-4DB2-BD59-A6C34878D82A}">
+                    <a16:rowId xmlns:a16="http://schemas.microsoft.com/office/drawing/2014/main" val="1648495516"/>
+                  </a:ext>
+                </a:extLst>
+              </a:tr>
+            </a:tbl>
+          </a:graphicData>
+        </a:graphic>
+      </p:graphicFrame>
+      <p:graphicFrame>
+        <p:nvGraphicFramePr>
+          <p:cNvPr id="33" name="Tabelle 32">
+            <a:extLst>
+              <a:ext uri="{FF2B5EF4-FFF2-40B4-BE49-F238E27FC236}">
+                <a16:creationId xmlns:a16="http://schemas.microsoft.com/office/drawing/2014/main" id="{E01196D5-81CD-40FD-9359-0964A03990D2}"/>
+              </a:ext>
+            </a:extLst>
+          </p:cNvPr>
+          <p:cNvGraphicFramePr>
+            <a:graphicFrameLocks noGrp="1"/>
+          </p:cNvGraphicFramePr>
+          <p:nvPr>
+            <p:extLst>
+              <p:ext uri="{D42A27DB-BD31-4B8C-83A1-F6EECF244321}">
+                <p14:modId xmlns:p14="http://schemas.microsoft.com/office/powerpoint/2010/main" val="803062538"/>
+              </p:ext>
+            </p:extLst>
+          </p:nvPr>
+        </p:nvGraphicFramePr>
+        <p:xfrm>
+          <a:off x="1123828" y="4001788"/>
+          <a:ext cx="3639507" cy="1107948"/>
+        </p:xfrm>
+        <a:graphic>
+          <a:graphicData uri="http://schemas.openxmlformats.org/drawingml/2006/table">
+            <a:tbl>
+              <a:tblPr firstRow="1" firstCol="1" bandRow="1">
+                <a:tableStyleId>{5940675A-B579-460E-94D1-54222C63F5DA}</a:tableStyleId>
+              </a:tblPr>
+              <a:tblGrid>
+                <a:gridCol w="638562">
+                  <a:extLst>
+                    <a:ext uri="{9D8B030D-6E8A-4147-A177-3AD203B41FA5}">
+                      <a16:colId xmlns:a16="http://schemas.microsoft.com/office/drawing/2014/main" val="990171402"/>
+                    </a:ext>
+                  </a:extLst>
+                </a:gridCol>
+                <a:gridCol w="826684">
+                  <a:extLst>
+                    <a:ext uri="{9D8B030D-6E8A-4147-A177-3AD203B41FA5}">
+                      <a16:colId xmlns:a16="http://schemas.microsoft.com/office/drawing/2014/main" val="3300436481"/>
+                    </a:ext>
+                  </a:extLst>
+                </a:gridCol>
+                <a:gridCol w="682033">
+                  <a:extLst>
+                    <a:ext uri="{9D8B030D-6E8A-4147-A177-3AD203B41FA5}">
+                      <a16:colId xmlns:a16="http://schemas.microsoft.com/office/drawing/2014/main" val="2839216691"/>
+                    </a:ext>
+                  </a:extLst>
+                </a:gridCol>
+                <a:gridCol w="566612">
+                  <a:extLst>
+                    <a:ext uri="{9D8B030D-6E8A-4147-A177-3AD203B41FA5}">
+                      <a16:colId xmlns:a16="http://schemas.microsoft.com/office/drawing/2014/main" val="4077428461"/>
+                    </a:ext>
+                  </a:extLst>
+                </a:gridCol>
+                <a:gridCol w="440698">
+                  <a:extLst>
+                    <a:ext uri="{9D8B030D-6E8A-4147-A177-3AD203B41FA5}">
+                      <a16:colId xmlns:a16="http://schemas.microsoft.com/office/drawing/2014/main" val="4251587270"/>
+                    </a:ext>
+                  </a:extLst>
+                </a:gridCol>
+                <a:gridCol w="484918">
+                  <a:extLst>
+                    <a:ext uri="{9D8B030D-6E8A-4147-A177-3AD203B41FA5}">
+                      <a16:colId xmlns:a16="http://schemas.microsoft.com/office/drawing/2014/main" val="4110792808"/>
+                    </a:ext>
+                  </a:extLst>
+                </a:gridCol>
+              </a:tblGrid>
+              <a:tr h="184658">
+                <a:tc>
+                  <a:txBody>
+                    <a:bodyPr/>
+                    <a:lstStyle/>
+                    <a:p>
+                      <a:pPr algn="ctr"/>
+                      <a:r>
+                        <a:rPr lang="en-GB" sz="900" dirty="0">
+                          <a:effectLst/>
+                        </a:rPr>
+                        <a:t>Dataset</a:t>
+                      </a:r>
+                      <a:endParaRPr lang="de-CH" sz="1100" dirty="0">
+                        <a:effectLst/>
+                        <a:latin typeface="Times New Roman" panose="02020603050405020304" pitchFamily="18" charset="0"/>
+                        <a:ea typeface="SimSun" panose="02010600030101010101" pitchFamily="2" charset="-122"/>
+                        <a:cs typeface="Times New Roman" panose="02020603050405020304" pitchFamily="18" charset="0"/>
+                      </a:endParaRPr>
+                    </a:p>
+                  </a:txBody>
+                  <a:tcPr marL="68580" marR="68580" marT="0" marB="0"/>
+                </a:tc>
+                <a:tc>
+                  <a:txBody>
+                    <a:bodyPr/>
+                    <a:lstStyle/>
+                    <a:p>
+                      <a:pPr algn="ctr"/>
+                      <a:r>
+                        <a:rPr lang="en-GB" sz="900" dirty="0">
+                          <a:effectLst/>
+                        </a:rPr>
+                        <a:t>Strategy</a:t>
+                      </a:r>
+                      <a:endParaRPr lang="de-CH" sz="1100" dirty="0">
+                        <a:effectLst/>
+                        <a:latin typeface="Times New Roman" panose="02020603050405020304" pitchFamily="18" charset="0"/>
+                        <a:ea typeface="SimSun" panose="02010600030101010101" pitchFamily="2" charset="-122"/>
+                        <a:cs typeface="Times New Roman" panose="02020603050405020304" pitchFamily="18" charset="0"/>
+                      </a:endParaRPr>
+                    </a:p>
+                  </a:txBody>
+                  <a:tcPr marL="68580" marR="68580" marT="0" marB="0"/>
+                </a:tc>
+                <a:tc>
+                  <a:txBody>
+                    <a:bodyPr/>
+                    <a:lstStyle/>
+                    <a:p>
+                      <a:pPr algn="ctr"/>
+                      <a:r>
+                        <a:rPr lang="en-GB" sz="900">
+                          <a:effectLst/>
+                        </a:rPr>
+                        <a:t>Algorithm</a:t>
+                      </a:r>
+                      <a:endParaRPr lang="de-CH" sz="1100">
+                        <a:effectLst/>
+                        <a:latin typeface="Times New Roman" panose="02020603050405020304" pitchFamily="18" charset="0"/>
+                        <a:ea typeface="SimSun" panose="02010600030101010101" pitchFamily="2" charset="-122"/>
+                        <a:cs typeface="Times New Roman" panose="02020603050405020304" pitchFamily="18" charset="0"/>
+                      </a:endParaRPr>
+                    </a:p>
+                  </a:txBody>
+                  <a:tcPr marL="68580" marR="68580" marT="0" marB="0"/>
+                </a:tc>
+                <a:tc>
+                  <a:txBody>
+                    <a:bodyPr/>
+                    <a:lstStyle/>
+                    <a:p>
+                      <a:pPr algn="ctr"/>
+                      <a:r>
+                        <a:rPr lang="en-GB" sz="900">
+                          <a:effectLst/>
+                        </a:rPr>
+                        <a:t>Baseline</a:t>
+                      </a:r>
+                      <a:endParaRPr lang="de-CH" sz="1100">
+                        <a:effectLst/>
+                        <a:latin typeface="Times New Roman" panose="02020603050405020304" pitchFamily="18" charset="0"/>
+                        <a:ea typeface="SimSun" panose="02010600030101010101" pitchFamily="2" charset="-122"/>
+                        <a:cs typeface="Times New Roman" panose="02020603050405020304" pitchFamily="18" charset="0"/>
+                      </a:endParaRPr>
+                    </a:p>
+                  </a:txBody>
+                  <a:tcPr marL="68580" marR="68580" marT="0" marB="0"/>
+                </a:tc>
+                <a:tc>
+                  <a:txBody>
+                    <a:bodyPr/>
+                    <a:lstStyle/>
+                    <a:p>
+                      <a:pPr algn="ctr"/>
+                      <a:r>
+                        <a:rPr lang="en-GB" sz="900">
+                          <a:effectLst/>
+                        </a:rPr>
+                        <a:t>Score</a:t>
+                      </a:r>
+                      <a:endParaRPr lang="de-CH" sz="1100">
+                        <a:effectLst/>
+                        <a:latin typeface="Times New Roman" panose="02020603050405020304" pitchFamily="18" charset="0"/>
+                        <a:ea typeface="SimSun" panose="02010600030101010101" pitchFamily="2" charset="-122"/>
+                        <a:cs typeface="Times New Roman" panose="02020603050405020304" pitchFamily="18" charset="0"/>
+                      </a:endParaRPr>
+                    </a:p>
+                  </a:txBody>
+                  <a:tcPr marL="68580" marR="68580" marT="0" marB="0"/>
+                </a:tc>
+                <a:tc>
+                  <a:txBody>
+                    <a:bodyPr/>
+                    <a:lstStyle/>
+                    <a:p>
+                      <a:pPr algn="ctr"/>
+                      <a:r>
+                        <a:rPr lang="en-GB" sz="900">
+                          <a:effectLst/>
+                        </a:rPr>
+                        <a:t>Std</a:t>
+                      </a:r>
+                      <a:endParaRPr lang="de-CH" sz="1100">
+                        <a:effectLst/>
+                        <a:latin typeface="Times New Roman" panose="02020603050405020304" pitchFamily="18" charset="0"/>
+                        <a:ea typeface="SimSun" panose="02010600030101010101" pitchFamily="2" charset="-122"/>
+                        <a:cs typeface="Times New Roman" panose="02020603050405020304" pitchFamily="18" charset="0"/>
+                      </a:endParaRPr>
+                    </a:p>
+                  </a:txBody>
+                  <a:tcPr marL="68580" marR="68580" marT="0" marB="0"/>
+                </a:tc>
+                <a:extLst>
+                  <a:ext uri="{0D108BD9-81ED-4DB2-BD59-A6C34878D82A}">
+                    <a16:rowId xmlns:a16="http://schemas.microsoft.com/office/drawing/2014/main" val="3956171181"/>
+                  </a:ext>
+                </a:extLst>
+              </a:tr>
+              <a:tr h="369316">
+                <a:tc>
+                  <a:txBody>
+                    <a:bodyPr/>
+                    <a:lstStyle/>
+                    <a:p>
+                      <a:pPr algn="ctr"/>
+                      <a:r>
+                        <a:rPr lang="en-GB" sz="900">
+                          <a:effectLst/>
+                        </a:rPr>
+                        <a:t>Complete</a:t>
+                      </a:r>
+                      <a:endParaRPr lang="de-CH" sz="1100">
+                        <a:effectLst/>
+                        <a:latin typeface="Times New Roman" panose="02020603050405020304" pitchFamily="18" charset="0"/>
+                        <a:ea typeface="SimSun" panose="02010600030101010101" pitchFamily="2" charset="-122"/>
+                        <a:cs typeface="Times New Roman" panose="02020603050405020304" pitchFamily="18" charset="0"/>
+                      </a:endParaRPr>
+                    </a:p>
+                  </a:txBody>
+                  <a:tcPr marL="68580" marR="68580" marT="0" marB="0"/>
+                </a:tc>
+                <a:tc>
+                  <a:txBody>
+                    <a:bodyPr/>
+                    <a:lstStyle/>
+                    <a:p>
+                      <a:pPr algn="ctr"/>
+                      <a:r>
+                        <a:rPr lang="en-GB" sz="900" dirty="0">
+                          <a:effectLst/>
+                        </a:rPr>
+                        <a:t>KNNImputer</a:t>
+                      </a:r>
+                      <a:endParaRPr lang="de-CH" sz="1100" dirty="0">
+                        <a:effectLst/>
+                        <a:latin typeface="Times New Roman" panose="02020603050405020304" pitchFamily="18" charset="0"/>
+                        <a:ea typeface="SimSun" panose="02010600030101010101" pitchFamily="2" charset="-122"/>
+                        <a:cs typeface="Times New Roman" panose="02020603050405020304" pitchFamily="18" charset="0"/>
+                      </a:endParaRPr>
+                    </a:p>
+                  </a:txBody>
+                  <a:tcPr marL="68580" marR="68580" marT="0" marB="0"/>
+                </a:tc>
+                <a:tc>
+                  <a:txBody>
+                    <a:bodyPr/>
+                    <a:lstStyle/>
+                    <a:p>
+                      <a:pPr algn="ctr"/>
+                      <a:r>
+                        <a:rPr lang="en-GB" sz="900">
+                          <a:effectLst/>
+                        </a:rPr>
+                        <a:t>Decision Tree</a:t>
+                      </a:r>
+                      <a:endParaRPr lang="de-CH" sz="1100">
+                        <a:effectLst/>
+                        <a:latin typeface="Times New Roman" panose="02020603050405020304" pitchFamily="18" charset="0"/>
+                        <a:ea typeface="SimSun" panose="02010600030101010101" pitchFamily="2" charset="-122"/>
+                        <a:cs typeface="Times New Roman" panose="02020603050405020304" pitchFamily="18" charset="0"/>
+                      </a:endParaRPr>
+                    </a:p>
+                  </a:txBody>
+                  <a:tcPr marL="68580" marR="68580" marT="0" marB="0"/>
+                </a:tc>
+                <a:tc>
+                  <a:txBody>
+                    <a:bodyPr/>
+                    <a:lstStyle/>
+                    <a:p>
+                      <a:pPr algn="ctr"/>
+                      <a:r>
+                        <a:rPr lang="en-GB" sz="900">
+                          <a:effectLst/>
+                        </a:rPr>
+                        <a:t>0.24</a:t>
+                      </a:r>
+                      <a:endParaRPr lang="de-CH" sz="1100">
+                        <a:effectLst/>
+                        <a:latin typeface="Times New Roman" panose="02020603050405020304" pitchFamily="18" charset="0"/>
+                        <a:ea typeface="SimSun" panose="02010600030101010101" pitchFamily="2" charset="-122"/>
+                        <a:cs typeface="Times New Roman" panose="02020603050405020304" pitchFamily="18" charset="0"/>
+                      </a:endParaRPr>
+                    </a:p>
+                  </a:txBody>
+                  <a:tcPr marL="68580" marR="68580" marT="0" marB="0"/>
+                </a:tc>
+                <a:tc>
+                  <a:txBody>
+                    <a:bodyPr/>
+                    <a:lstStyle/>
+                    <a:p>
+                      <a:pPr algn="ctr"/>
+                      <a:r>
+                        <a:rPr lang="en-GB" sz="900">
+                          <a:effectLst/>
+                        </a:rPr>
+                        <a:t>0.32</a:t>
+                      </a:r>
+                      <a:endParaRPr lang="de-CH" sz="1100">
+                        <a:effectLst/>
+                        <a:latin typeface="Times New Roman" panose="02020603050405020304" pitchFamily="18" charset="0"/>
+                        <a:ea typeface="SimSun" panose="02010600030101010101" pitchFamily="2" charset="-122"/>
+                        <a:cs typeface="Times New Roman" panose="02020603050405020304" pitchFamily="18" charset="0"/>
+                      </a:endParaRPr>
+                    </a:p>
+                  </a:txBody>
+                  <a:tcPr marL="68580" marR="68580" marT="0" marB="0"/>
+                </a:tc>
+                <a:tc>
+                  <a:txBody>
+                    <a:bodyPr/>
+                    <a:lstStyle/>
+                    <a:p>
+                      <a:pPr algn="ctr"/>
+                      <a:r>
+                        <a:rPr lang="en-GB" sz="900">
+                          <a:effectLst/>
+                        </a:rPr>
+                        <a:t>±0.017</a:t>
+                      </a:r>
+                      <a:endParaRPr lang="de-CH" sz="1100">
+                        <a:effectLst/>
+                        <a:latin typeface="Times New Roman" panose="02020603050405020304" pitchFamily="18" charset="0"/>
+                        <a:ea typeface="SimSun" panose="02010600030101010101" pitchFamily="2" charset="-122"/>
+                        <a:cs typeface="Times New Roman" panose="02020603050405020304" pitchFamily="18" charset="0"/>
+                      </a:endParaRPr>
+                    </a:p>
+                  </a:txBody>
+                  <a:tcPr marL="68580" marR="68580" marT="0" marB="0"/>
+                </a:tc>
+                <a:extLst>
+                  <a:ext uri="{0D108BD9-81ED-4DB2-BD59-A6C34878D82A}">
+                    <a16:rowId xmlns:a16="http://schemas.microsoft.com/office/drawing/2014/main" val="2879586681"/>
+                  </a:ext>
+                </a:extLst>
+              </a:tr>
+              <a:tr h="369316">
+                <a:tc>
+                  <a:txBody>
+                    <a:bodyPr/>
+                    <a:lstStyle/>
+                    <a:p>
+                      <a:pPr algn="ctr"/>
+                      <a:r>
+                        <a:rPr lang="en-GB" sz="900">
+                          <a:effectLst/>
+                        </a:rPr>
+                        <a:t>Male</a:t>
+                      </a:r>
+                      <a:endParaRPr lang="de-CH" sz="1100">
+                        <a:effectLst/>
+                        <a:latin typeface="Times New Roman" panose="02020603050405020304" pitchFamily="18" charset="0"/>
+                        <a:ea typeface="SimSun" panose="02010600030101010101" pitchFamily="2" charset="-122"/>
+                        <a:cs typeface="Times New Roman" panose="02020603050405020304" pitchFamily="18" charset="0"/>
+                      </a:endParaRPr>
+                    </a:p>
+                  </a:txBody>
+                  <a:tcPr marL="68580" marR="68580" marT="0" marB="0"/>
+                </a:tc>
+                <a:tc>
+                  <a:txBody>
+                    <a:bodyPr/>
+                    <a:lstStyle/>
+                    <a:p>
+                      <a:pPr algn="ctr"/>
+                      <a:r>
+                        <a:rPr lang="en-GB" sz="900">
+                          <a:effectLst/>
+                        </a:rPr>
+                        <a:t>OneHot+KNN</a:t>
+                      </a:r>
+                      <a:endParaRPr lang="de-CH" sz="1100">
+                        <a:effectLst/>
+                        <a:latin typeface="Times New Roman" panose="02020603050405020304" pitchFamily="18" charset="0"/>
+                        <a:ea typeface="SimSun" panose="02010600030101010101" pitchFamily="2" charset="-122"/>
+                        <a:cs typeface="Times New Roman" panose="02020603050405020304" pitchFamily="18" charset="0"/>
+                      </a:endParaRPr>
+                    </a:p>
+                  </a:txBody>
+                  <a:tcPr marL="68580" marR="68580" marT="0" marB="0"/>
+                </a:tc>
+                <a:tc>
+                  <a:txBody>
+                    <a:bodyPr/>
+                    <a:lstStyle/>
+                    <a:p>
+                      <a:pPr algn="ctr"/>
+                      <a:r>
+                        <a:rPr lang="en-GB" sz="900" dirty="0">
+                          <a:effectLst/>
+                        </a:rPr>
+                        <a:t>Decision Tree</a:t>
+                      </a:r>
+                      <a:endParaRPr lang="de-CH" sz="1100" dirty="0">
+                        <a:effectLst/>
+                        <a:latin typeface="Times New Roman" panose="02020603050405020304" pitchFamily="18" charset="0"/>
+                        <a:ea typeface="SimSun" panose="02010600030101010101" pitchFamily="2" charset="-122"/>
+                        <a:cs typeface="Times New Roman" panose="02020603050405020304" pitchFamily="18" charset="0"/>
+                      </a:endParaRPr>
+                    </a:p>
+                  </a:txBody>
+                  <a:tcPr marL="68580" marR="68580" marT="0" marB="0"/>
+                </a:tc>
+                <a:tc>
+                  <a:txBody>
+                    <a:bodyPr/>
+                    <a:lstStyle/>
+                    <a:p>
+                      <a:pPr algn="ctr"/>
+                      <a:r>
+                        <a:rPr lang="en-GB" sz="900" dirty="0">
+                          <a:effectLst/>
+                        </a:rPr>
+                        <a:t>0.24 </a:t>
+                      </a:r>
+                      <a:endParaRPr lang="de-CH" sz="1100" dirty="0">
+                        <a:effectLst/>
+                        <a:latin typeface="Times New Roman" panose="02020603050405020304" pitchFamily="18" charset="0"/>
+                        <a:ea typeface="SimSun" panose="02010600030101010101" pitchFamily="2" charset="-122"/>
+                        <a:cs typeface="Times New Roman" panose="02020603050405020304" pitchFamily="18" charset="0"/>
+                      </a:endParaRPr>
+                    </a:p>
+                  </a:txBody>
+                  <a:tcPr marL="68580" marR="68580" marT="0" marB="0"/>
+                </a:tc>
+                <a:tc>
+                  <a:txBody>
+                    <a:bodyPr/>
+                    <a:lstStyle/>
+                    <a:p>
+                      <a:pPr algn="ctr"/>
+                      <a:r>
+                        <a:rPr lang="en-GB" sz="900" dirty="0">
+                          <a:effectLst/>
+                        </a:rPr>
+                        <a:t>0.34</a:t>
+                      </a:r>
+                      <a:endParaRPr lang="de-CH" sz="1100" dirty="0">
+                        <a:effectLst/>
+                        <a:latin typeface="Times New Roman" panose="02020603050405020304" pitchFamily="18" charset="0"/>
+                        <a:ea typeface="SimSun" panose="02010600030101010101" pitchFamily="2" charset="-122"/>
+                        <a:cs typeface="Times New Roman" panose="02020603050405020304" pitchFamily="18" charset="0"/>
+                      </a:endParaRPr>
+                    </a:p>
+                  </a:txBody>
+                  <a:tcPr marL="68580" marR="68580" marT="0" marB="0"/>
+                </a:tc>
+                <a:tc>
+                  <a:txBody>
+                    <a:bodyPr/>
+                    <a:lstStyle/>
+                    <a:p>
+                      <a:pPr algn="ctr"/>
+                      <a:r>
+                        <a:rPr lang="en-GB" sz="900" dirty="0">
+                          <a:effectLst/>
+                        </a:rPr>
+                        <a:t>±0.04</a:t>
+                      </a:r>
+                      <a:endParaRPr lang="de-CH" sz="1100" dirty="0">
+                        <a:effectLst/>
+                        <a:latin typeface="Times New Roman" panose="02020603050405020304" pitchFamily="18" charset="0"/>
+                        <a:ea typeface="SimSun" panose="02010600030101010101" pitchFamily="2" charset="-122"/>
+                        <a:cs typeface="Times New Roman" panose="02020603050405020304" pitchFamily="18" charset="0"/>
+                      </a:endParaRPr>
+                    </a:p>
+                  </a:txBody>
+                  <a:tcPr marL="68580" marR="68580" marT="0" marB="0"/>
+                </a:tc>
+                <a:extLst>
+                  <a:ext uri="{0D108BD9-81ED-4DB2-BD59-A6C34878D82A}">
+                    <a16:rowId xmlns:a16="http://schemas.microsoft.com/office/drawing/2014/main" val="1393472746"/>
+                  </a:ext>
+                </a:extLst>
+              </a:tr>
+              <a:tr h="184658">
+                <a:tc>
+                  <a:txBody>
+                    <a:bodyPr/>
+                    <a:lstStyle/>
+                    <a:p>
+                      <a:pPr algn="ctr"/>
+                      <a:r>
+                        <a:rPr lang="en-GB" sz="900">
+                          <a:effectLst/>
+                        </a:rPr>
+                        <a:t>Female</a:t>
+                      </a:r>
+                      <a:endParaRPr lang="de-CH" sz="1100">
+                        <a:effectLst/>
+                        <a:latin typeface="Times New Roman" panose="02020603050405020304" pitchFamily="18" charset="0"/>
+                        <a:ea typeface="SimSun" panose="02010600030101010101" pitchFamily="2" charset="-122"/>
+                        <a:cs typeface="Times New Roman" panose="02020603050405020304" pitchFamily="18" charset="0"/>
+                      </a:endParaRPr>
+                    </a:p>
+                  </a:txBody>
+                  <a:tcPr marL="68580" marR="68580" marT="0" marB="0"/>
+                </a:tc>
+                <a:tc>
+                  <a:txBody>
+                    <a:bodyPr/>
+                    <a:lstStyle/>
+                    <a:p>
+                      <a:pPr algn="ctr"/>
+                      <a:r>
+                        <a:rPr lang="en-GB" sz="900">
+                          <a:effectLst/>
+                        </a:rPr>
+                        <a:t>OneHot+KNN</a:t>
+                      </a:r>
+                      <a:endParaRPr lang="de-CH" sz="1100">
+                        <a:effectLst/>
+                        <a:latin typeface="Times New Roman" panose="02020603050405020304" pitchFamily="18" charset="0"/>
+                        <a:ea typeface="SimSun" panose="02010600030101010101" pitchFamily="2" charset="-122"/>
+                        <a:cs typeface="Times New Roman" panose="02020603050405020304" pitchFamily="18" charset="0"/>
+                      </a:endParaRPr>
+                    </a:p>
+                  </a:txBody>
+                  <a:tcPr marL="68580" marR="68580" marT="0" marB="0"/>
+                </a:tc>
+                <a:tc>
+                  <a:txBody>
+                    <a:bodyPr/>
+                    <a:lstStyle/>
+                    <a:p>
+                      <a:pPr algn="ctr"/>
+                      <a:r>
+                        <a:rPr lang="en-GB" sz="900">
+                          <a:effectLst/>
+                        </a:rPr>
+                        <a:t>KNN</a:t>
+                      </a:r>
+                      <a:endParaRPr lang="de-CH" sz="1100">
+                        <a:effectLst/>
+                        <a:latin typeface="Times New Roman" panose="02020603050405020304" pitchFamily="18" charset="0"/>
+                        <a:ea typeface="SimSun" panose="02010600030101010101" pitchFamily="2" charset="-122"/>
+                        <a:cs typeface="Times New Roman" panose="02020603050405020304" pitchFamily="18" charset="0"/>
+                      </a:endParaRPr>
+                    </a:p>
+                  </a:txBody>
+                  <a:tcPr marL="68580" marR="68580" marT="0" marB="0"/>
+                </a:tc>
+                <a:tc>
+                  <a:txBody>
+                    <a:bodyPr/>
+                    <a:lstStyle/>
+                    <a:p>
+                      <a:pPr algn="ctr"/>
+                      <a:r>
+                        <a:rPr lang="en-GB" sz="900" dirty="0">
+                          <a:effectLst/>
+                        </a:rPr>
+                        <a:t>0.2</a:t>
+                      </a:r>
+                      <a:endParaRPr lang="de-CH" sz="1100" dirty="0">
+                        <a:effectLst/>
+                        <a:latin typeface="Times New Roman" panose="02020603050405020304" pitchFamily="18" charset="0"/>
+                        <a:ea typeface="SimSun" panose="02010600030101010101" pitchFamily="2" charset="-122"/>
+                        <a:cs typeface="Times New Roman" panose="02020603050405020304" pitchFamily="18" charset="0"/>
+                      </a:endParaRPr>
+                    </a:p>
+                  </a:txBody>
+                  <a:tcPr marL="68580" marR="68580" marT="0" marB="0"/>
+                </a:tc>
+                <a:tc>
+                  <a:txBody>
+                    <a:bodyPr/>
+                    <a:lstStyle/>
+                    <a:p>
+                      <a:pPr algn="ctr"/>
+                      <a:r>
+                        <a:rPr lang="en-GB" sz="900">
+                          <a:effectLst/>
+                        </a:rPr>
+                        <a:t>0.33</a:t>
+                      </a:r>
+                      <a:endParaRPr lang="de-CH" sz="1100">
+                        <a:effectLst/>
+                        <a:latin typeface="Times New Roman" panose="02020603050405020304" pitchFamily="18" charset="0"/>
+                        <a:ea typeface="SimSun" panose="02010600030101010101" pitchFamily="2" charset="-122"/>
+                        <a:cs typeface="Times New Roman" panose="02020603050405020304" pitchFamily="18" charset="0"/>
+                      </a:endParaRPr>
+                    </a:p>
+                  </a:txBody>
+                  <a:tcPr marL="68580" marR="68580" marT="0" marB="0"/>
+                </a:tc>
+                <a:tc>
+                  <a:txBody>
+                    <a:bodyPr/>
+                    <a:lstStyle/>
+                    <a:p>
+                      <a:pPr algn="ctr"/>
+                      <a:r>
+                        <a:rPr lang="en-GB" sz="900" dirty="0">
+                          <a:effectLst/>
+                        </a:rPr>
+                        <a:t>±0.01</a:t>
+                      </a:r>
+                      <a:endParaRPr lang="de-CH" sz="1100" dirty="0">
+                        <a:effectLst/>
+                        <a:latin typeface="Times New Roman" panose="02020603050405020304" pitchFamily="18" charset="0"/>
+                        <a:ea typeface="SimSun" panose="02010600030101010101" pitchFamily="2" charset="-122"/>
+                        <a:cs typeface="Times New Roman" panose="02020603050405020304" pitchFamily="18" charset="0"/>
+                      </a:endParaRPr>
+                    </a:p>
+                  </a:txBody>
+                  <a:tcPr marL="68580" marR="68580" marT="0" marB="0"/>
+                </a:tc>
+                <a:extLst>
+                  <a:ext uri="{0D108BD9-81ED-4DB2-BD59-A6C34878D82A}">
+                    <a16:rowId xmlns:a16="http://schemas.microsoft.com/office/drawing/2014/main" val="1893672414"/>
+                  </a:ext>
+                </a:extLst>
+              </a:tr>
+            </a:tbl>
+          </a:graphicData>
+        </a:graphic>
+      </p:graphicFrame>
+      <p:graphicFrame>
+        <p:nvGraphicFramePr>
+          <p:cNvPr id="39" name="Tabelle 38">
+            <a:extLst>
+              <a:ext uri="{FF2B5EF4-FFF2-40B4-BE49-F238E27FC236}">
+                <a16:creationId xmlns:a16="http://schemas.microsoft.com/office/drawing/2014/main" id="{88760EBF-C33C-422B-9479-1D9903EE15B1}"/>
+              </a:ext>
+            </a:extLst>
+          </p:cNvPr>
+          <p:cNvGraphicFramePr>
+            <a:graphicFrameLocks noGrp="1"/>
+          </p:cNvGraphicFramePr>
+          <p:nvPr>
+            <p:extLst>
+              <p:ext uri="{D42A27DB-BD31-4B8C-83A1-F6EECF244321}">
+                <p14:modId xmlns:p14="http://schemas.microsoft.com/office/powerpoint/2010/main" val="147931847"/>
+              </p:ext>
+            </p:extLst>
+          </p:nvPr>
+        </p:nvGraphicFramePr>
+        <p:xfrm>
+          <a:off x="6972679" y="2491958"/>
+          <a:ext cx="3775915" cy="893948"/>
+        </p:xfrm>
+        <a:graphic>
+          <a:graphicData uri="http://schemas.openxmlformats.org/drawingml/2006/table">
+            <a:tbl>
+              <a:tblPr firstRow="1" firstCol="1" bandRow="1">
+                <a:tableStyleId>{5940675A-B579-460E-94D1-54222C63F5DA}</a:tableStyleId>
+              </a:tblPr>
+              <a:tblGrid>
+                <a:gridCol w="649277">
+                  <a:extLst>
+                    <a:ext uri="{9D8B030D-6E8A-4147-A177-3AD203B41FA5}">
+                      <a16:colId xmlns:a16="http://schemas.microsoft.com/office/drawing/2014/main" val="74394290"/>
+                    </a:ext>
+                  </a:extLst>
+                </a:gridCol>
+                <a:gridCol w="826565">
+                  <a:extLst>
+                    <a:ext uri="{9D8B030D-6E8A-4147-A177-3AD203B41FA5}">
+                      <a16:colId xmlns:a16="http://schemas.microsoft.com/office/drawing/2014/main" val="1019189493"/>
+                    </a:ext>
+                  </a:extLst>
+                </a:gridCol>
+                <a:gridCol w="716926">
+                  <a:extLst>
+                    <a:ext uri="{9D8B030D-6E8A-4147-A177-3AD203B41FA5}">
+                      <a16:colId xmlns:a16="http://schemas.microsoft.com/office/drawing/2014/main" val="696808395"/>
+                    </a:ext>
+                  </a:extLst>
+                </a:gridCol>
+                <a:gridCol w="606510">
+                  <a:extLst>
+                    <a:ext uri="{9D8B030D-6E8A-4147-A177-3AD203B41FA5}">
+                      <a16:colId xmlns:a16="http://schemas.microsoft.com/office/drawing/2014/main" val="2718489384"/>
+                    </a:ext>
+                  </a:extLst>
+                </a:gridCol>
+                <a:gridCol w="463436">
+                  <a:extLst>
+                    <a:ext uri="{9D8B030D-6E8A-4147-A177-3AD203B41FA5}">
+                      <a16:colId xmlns:a16="http://schemas.microsoft.com/office/drawing/2014/main" val="2108583019"/>
+                    </a:ext>
+                  </a:extLst>
+                </a:gridCol>
+                <a:gridCol w="513201">
+                  <a:extLst>
+                    <a:ext uri="{9D8B030D-6E8A-4147-A177-3AD203B41FA5}">
+                      <a16:colId xmlns:a16="http://schemas.microsoft.com/office/drawing/2014/main" val="2387303075"/>
+                    </a:ext>
+                  </a:extLst>
+                </a:gridCol>
+              </a:tblGrid>
+              <a:tr h="223487">
+                <a:tc>
+                  <a:txBody>
+                    <a:bodyPr/>
+                    <a:lstStyle/>
+                    <a:p>
+                      <a:pPr algn="ctr"/>
+                      <a:r>
+                        <a:rPr lang="en-GB" sz="900" dirty="0">
+                          <a:effectLst/>
+                        </a:rPr>
+                        <a:t>Dataset</a:t>
+                      </a:r>
+                      <a:endParaRPr lang="de-CH" sz="1100" dirty="0">
+                        <a:effectLst/>
+                        <a:latin typeface="Times New Roman" panose="02020603050405020304" pitchFamily="18" charset="0"/>
+                        <a:ea typeface="SimSun" panose="02010600030101010101" pitchFamily="2" charset="-122"/>
+                        <a:cs typeface="Times New Roman" panose="02020603050405020304" pitchFamily="18" charset="0"/>
+                      </a:endParaRPr>
+                    </a:p>
+                  </a:txBody>
+                  <a:tcPr marL="68580" marR="68580" marT="0" marB="0"/>
+                </a:tc>
+                <a:tc>
+                  <a:txBody>
+                    <a:bodyPr/>
+                    <a:lstStyle/>
+                    <a:p>
+                      <a:pPr algn="ctr"/>
+                      <a:r>
+                        <a:rPr lang="en-GB" sz="900">
+                          <a:effectLst/>
+                        </a:rPr>
+                        <a:t>Strategy</a:t>
+                      </a:r>
+                      <a:endParaRPr lang="de-CH" sz="1100">
+                        <a:effectLst/>
+                        <a:latin typeface="Times New Roman" panose="02020603050405020304" pitchFamily="18" charset="0"/>
+                        <a:ea typeface="SimSun" panose="02010600030101010101" pitchFamily="2" charset="-122"/>
+                        <a:cs typeface="Times New Roman" panose="02020603050405020304" pitchFamily="18" charset="0"/>
+                      </a:endParaRPr>
+                    </a:p>
+                  </a:txBody>
+                  <a:tcPr marL="68580" marR="68580" marT="0" marB="0"/>
+                </a:tc>
+                <a:tc>
+                  <a:txBody>
+                    <a:bodyPr/>
+                    <a:lstStyle/>
+                    <a:p>
+                      <a:pPr algn="ctr"/>
+                      <a:r>
+                        <a:rPr lang="en-GB" sz="900">
+                          <a:effectLst/>
+                        </a:rPr>
+                        <a:t>Algorithm</a:t>
+                      </a:r>
+                      <a:endParaRPr lang="de-CH" sz="1100">
+                        <a:effectLst/>
+                        <a:latin typeface="Times New Roman" panose="02020603050405020304" pitchFamily="18" charset="0"/>
+                        <a:ea typeface="SimSun" panose="02010600030101010101" pitchFamily="2" charset="-122"/>
+                        <a:cs typeface="Times New Roman" panose="02020603050405020304" pitchFamily="18" charset="0"/>
+                      </a:endParaRPr>
+                    </a:p>
+                  </a:txBody>
+                  <a:tcPr marL="68580" marR="68580" marT="0" marB="0"/>
+                </a:tc>
+                <a:tc>
+                  <a:txBody>
+                    <a:bodyPr/>
+                    <a:lstStyle/>
+                    <a:p>
+                      <a:pPr algn="ctr"/>
+                      <a:r>
+                        <a:rPr lang="en-GB" sz="900">
+                          <a:effectLst/>
+                        </a:rPr>
+                        <a:t>Baseline</a:t>
+                      </a:r>
+                      <a:endParaRPr lang="de-CH" sz="1100">
+                        <a:effectLst/>
+                        <a:latin typeface="Times New Roman" panose="02020603050405020304" pitchFamily="18" charset="0"/>
+                        <a:ea typeface="SimSun" panose="02010600030101010101" pitchFamily="2" charset="-122"/>
+                        <a:cs typeface="Times New Roman" panose="02020603050405020304" pitchFamily="18" charset="0"/>
+                      </a:endParaRPr>
+                    </a:p>
+                  </a:txBody>
+                  <a:tcPr marL="68580" marR="68580" marT="0" marB="0"/>
+                </a:tc>
+                <a:tc>
+                  <a:txBody>
+                    <a:bodyPr/>
+                    <a:lstStyle/>
+                    <a:p>
+                      <a:pPr algn="ctr"/>
+                      <a:r>
+                        <a:rPr lang="en-GB" sz="900">
+                          <a:effectLst/>
+                        </a:rPr>
+                        <a:t>Score</a:t>
+                      </a:r>
+                      <a:endParaRPr lang="de-CH" sz="1100">
+                        <a:effectLst/>
+                        <a:latin typeface="Times New Roman" panose="02020603050405020304" pitchFamily="18" charset="0"/>
+                        <a:ea typeface="SimSun" panose="02010600030101010101" pitchFamily="2" charset="-122"/>
+                        <a:cs typeface="Times New Roman" panose="02020603050405020304" pitchFamily="18" charset="0"/>
+                      </a:endParaRPr>
+                    </a:p>
+                  </a:txBody>
+                  <a:tcPr marL="68580" marR="68580" marT="0" marB="0"/>
+                </a:tc>
+                <a:tc>
+                  <a:txBody>
+                    <a:bodyPr/>
+                    <a:lstStyle/>
+                    <a:p>
+                      <a:pPr algn="ctr"/>
+                      <a:r>
+                        <a:rPr lang="en-GB" sz="900">
+                          <a:effectLst/>
+                        </a:rPr>
+                        <a:t>Std</a:t>
+                      </a:r>
+                      <a:endParaRPr lang="de-CH" sz="1100">
+                        <a:effectLst/>
+                        <a:latin typeface="Times New Roman" panose="02020603050405020304" pitchFamily="18" charset="0"/>
+                        <a:ea typeface="SimSun" panose="02010600030101010101" pitchFamily="2" charset="-122"/>
+                        <a:cs typeface="Times New Roman" panose="02020603050405020304" pitchFamily="18" charset="0"/>
+                      </a:endParaRPr>
+                    </a:p>
+                  </a:txBody>
+                  <a:tcPr marL="68580" marR="68580" marT="0" marB="0"/>
+                </a:tc>
+                <a:extLst>
+                  <a:ext uri="{0D108BD9-81ED-4DB2-BD59-A6C34878D82A}">
+                    <a16:rowId xmlns:a16="http://schemas.microsoft.com/office/drawing/2014/main" val="237928174"/>
+                  </a:ext>
+                </a:extLst>
+              </a:tr>
+              <a:tr h="223487">
+                <a:tc>
+                  <a:txBody>
+                    <a:bodyPr/>
+                    <a:lstStyle/>
+                    <a:p>
+                      <a:pPr algn="ctr"/>
+                      <a:r>
+                        <a:rPr lang="en-GB" sz="900" dirty="0">
+                          <a:effectLst/>
+                        </a:rPr>
+                        <a:t>Complete</a:t>
+                      </a:r>
+                      <a:endParaRPr lang="de-CH" sz="1100" dirty="0">
+                        <a:effectLst/>
+                        <a:latin typeface="Times New Roman" panose="02020603050405020304" pitchFamily="18" charset="0"/>
+                        <a:ea typeface="SimSun" panose="02010600030101010101" pitchFamily="2" charset="-122"/>
+                        <a:cs typeface="Times New Roman" panose="02020603050405020304" pitchFamily="18" charset="0"/>
+                      </a:endParaRPr>
+                    </a:p>
+                  </a:txBody>
+                  <a:tcPr marL="68580" marR="68580" marT="0" marB="0"/>
+                </a:tc>
+                <a:tc>
+                  <a:txBody>
+                    <a:bodyPr/>
+                    <a:lstStyle/>
+                    <a:p>
+                      <a:pPr algn="ctr"/>
+                      <a:r>
+                        <a:rPr lang="en-GB" sz="900" dirty="0">
+                          <a:effectLst/>
+                        </a:rPr>
+                        <a:t>KNNImputer</a:t>
+                      </a:r>
+                      <a:endParaRPr lang="de-CH" sz="1100" dirty="0">
+                        <a:effectLst/>
+                        <a:latin typeface="Times New Roman" panose="02020603050405020304" pitchFamily="18" charset="0"/>
+                        <a:ea typeface="SimSun" panose="02010600030101010101" pitchFamily="2" charset="-122"/>
+                        <a:cs typeface="Times New Roman" panose="02020603050405020304" pitchFamily="18" charset="0"/>
+                      </a:endParaRPr>
+                    </a:p>
+                  </a:txBody>
+                  <a:tcPr marL="68580" marR="68580" marT="0" marB="0"/>
+                </a:tc>
+                <a:tc>
+                  <a:txBody>
+                    <a:bodyPr/>
+                    <a:lstStyle/>
+                    <a:p>
+                      <a:pPr algn="ctr"/>
+                      <a:r>
+                        <a:rPr lang="en-GB" sz="900">
+                          <a:effectLst/>
+                        </a:rPr>
+                        <a:t>KNN</a:t>
+                      </a:r>
+                      <a:endParaRPr lang="de-CH" sz="1100">
+                        <a:effectLst/>
+                        <a:latin typeface="Times New Roman" panose="02020603050405020304" pitchFamily="18" charset="0"/>
+                        <a:ea typeface="SimSun" panose="02010600030101010101" pitchFamily="2" charset="-122"/>
+                        <a:cs typeface="Times New Roman" panose="02020603050405020304" pitchFamily="18" charset="0"/>
+                      </a:endParaRPr>
+                    </a:p>
+                  </a:txBody>
+                  <a:tcPr marL="68580" marR="68580" marT="0" marB="0"/>
+                </a:tc>
+                <a:tc>
+                  <a:txBody>
+                    <a:bodyPr/>
+                    <a:lstStyle/>
+                    <a:p>
+                      <a:pPr algn="ctr"/>
+                      <a:r>
+                        <a:rPr lang="en-GB" sz="900">
+                          <a:effectLst/>
+                        </a:rPr>
+                        <a:t>0.06</a:t>
+                      </a:r>
+                      <a:endParaRPr lang="de-CH" sz="1100">
+                        <a:effectLst/>
+                        <a:latin typeface="Times New Roman" panose="02020603050405020304" pitchFamily="18" charset="0"/>
+                        <a:ea typeface="SimSun" panose="02010600030101010101" pitchFamily="2" charset="-122"/>
+                        <a:cs typeface="Times New Roman" panose="02020603050405020304" pitchFamily="18" charset="0"/>
+                      </a:endParaRPr>
+                    </a:p>
+                  </a:txBody>
+                  <a:tcPr marL="68580" marR="68580" marT="0" marB="0"/>
+                </a:tc>
+                <a:tc>
+                  <a:txBody>
+                    <a:bodyPr/>
+                    <a:lstStyle/>
+                    <a:p>
+                      <a:pPr algn="ctr"/>
+                      <a:r>
+                        <a:rPr lang="en-GB" sz="900">
+                          <a:effectLst/>
+                        </a:rPr>
+                        <a:t>0.2</a:t>
+                      </a:r>
+                      <a:endParaRPr lang="de-CH" sz="1100">
+                        <a:effectLst/>
+                        <a:latin typeface="Times New Roman" panose="02020603050405020304" pitchFamily="18" charset="0"/>
+                        <a:ea typeface="SimSun" panose="02010600030101010101" pitchFamily="2" charset="-122"/>
+                        <a:cs typeface="Times New Roman" panose="02020603050405020304" pitchFamily="18" charset="0"/>
+                      </a:endParaRPr>
+                    </a:p>
+                  </a:txBody>
+                  <a:tcPr marL="68580" marR="68580" marT="0" marB="0"/>
+                </a:tc>
+                <a:tc>
+                  <a:txBody>
+                    <a:bodyPr/>
+                    <a:lstStyle/>
+                    <a:p>
+                      <a:pPr algn="ctr"/>
+                      <a:r>
+                        <a:rPr lang="en-GB" sz="900">
+                          <a:effectLst/>
+                        </a:rPr>
+                        <a:t>±0.021</a:t>
+                      </a:r>
+                      <a:endParaRPr lang="de-CH" sz="1100">
+                        <a:effectLst/>
+                        <a:latin typeface="Times New Roman" panose="02020603050405020304" pitchFamily="18" charset="0"/>
+                        <a:ea typeface="SimSun" panose="02010600030101010101" pitchFamily="2" charset="-122"/>
+                        <a:cs typeface="Times New Roman" panose="02020603050405020304" pitchFamily="18" charset="0"/>
+                      </a:endParaRPr>
+                    </a:p>
+                  </a:txBody>
+                  <a:tcPr marL="68580" marR="68580" marT="0" marB="0"/>
+                </a:tc>
+                <a:extLst>
+                  <a:ext uri="{0D108BD9-81ED-4DB2-BD59-A6C34878D82A}">
+                    <a16:rowId xmlns:a16="http://schemas.microsoft.com/office/drawing/2014/main" val="275376968"/>
+                  </a:ext>
+                </a:extLst>
+              </a:tr>
+              <a:tr h="223487">
+                <a:tc>
+                  <a:txBody>
+                    <a:bodyPr/>
+                    <a:lstStyle/>
+                    <a:p>
+                      <a:pPr algn="ctr"/>
+                      <a:r>
+                        <a:rPr lang="en-GB" sz="900">
+                          <a:effectLst/>
+                        </a:rPr>
+                        <a:t>Male</a:t>
+                      </a:r>
+                      <a:endParaRPr lang="de-CH" sz="1100">
+                        <a:effectLst/>
+                        <a:latin typeface="Times New Roman" panose="02020603050405020304" pitchFamily="18" charset="0"/>
+                        <a:ea typeface="SimSun" panose="02010600030101010101" pitchFamily="2" charset="-122"/>
+                        <a:cs typeface="Times New Roman" panose="02020603050405020304" pitchFamily="18" charset="0"/>
+                      </a:endParaRPr>
+                    </a:p>
+                  </a:txBody>
+                  <a:tcPr marL="68580" marR="68580" marT="0" marB="0"/>
+                </a:tc>
+                <a:tc>
+                  <a:txBody>
+                    <a:bodyPr/>
+                    <a:lstStyle/>
+                    <a:p>
+                      <a:pPr algn="ctr"/>
+                      <a:r>
+                        <a:rPr lang="en-GB" sz="900" dirty="0">
+                          <a:effectLst/>
+                        </a:rPr>
+                        <a:t>OneHot+KNN</a:t>
+                      </a:r>
+                      <a:endParaRPr lang="de-CH" sz="1100" dirty="0">
+                        <a:effectLst/>
+                        <a:latin typeface="Times New Roman" panose="02020603050405020304" pitchFamily="18" charset="0"/>
+                        <a:ea typeface="SimSun" panose="02010600030101010101" pitchFamily="2" charset="-122"/>
+                        <a:cs typeface="Times New Roman" panose="02020603050405020304" pitchFamily="18" charset="0"/>
+                      </a:endParaRPr>
+                    </a:p>
+                  </a:txBody>
+                  <a:tcPr marL="68580" marR="68580" marT="0" marB="0"/>
+                </a:tc>
+                <a:tc>
+                  <a:txBody>
+                    <a:bodyPr/>
+                    <a:lstStyle/>
+                    <a:p>
+                      <a:pPr algn="ctr"/>
+                      <a:r>
+                        <a:rPr lang="en-GB" sz="900">
+                          <a:effectLst/>
+                        </a:rPr>
+                        <a:t>XGBoost</a:t>
+                      </a:r>
+                      <a:endParaRPr lang="de-CH" sz="1100">
+                        <a:effectLst/>
+                        <a:latin typeface="Times New Roman" panose="02020603050405020304" pitchFamily="18" charset="0"/>
+                        <a:ea typeface="SimSun" panose="02010600030101010101" pitchFamily="2" charset="-122"/>
+                        <a:cs typeface="Times New Roman" panose="02020603050405020304" pitchFamily="18" charset="0"/>
+                      </a:endParaRPr>
+                    </a:p>
+                  </a:txBody>
+                  <a:tcPr marL="68580" marR="68580" marT="0" marB="0"/>
+                </a:tc>
+                <a:tc>
+                  <a:txBody>
+                    <a:bodyPr/>
+                    <a:lstStyle/>
+                    <a:p>
+                      <a:pPr algn="ctr"/>
+                      <a:r>
+                        <a:rPr lang="en-GB" sz="900">
+                          <a:effectLst/>
+                        </a:rPr>
+                        <a:t>0.09</a:t>
+                      </a:r>
+                      <a:endParaRPr lang="de-CH" sz="1100">
+                        <a:effectLst/>
+                        <a:latin typeface="Times New Roman" panose="02020603050405020304" pitchFamily="18" charset="0"/>
+                        <a:ea typeface="SimSun" panose="02010600030101010101" pitchFamily="2" charset="-122"/>
+                        <a:cs typeface="Times New Roman" panose="02020603050405020304" pitchFamily="18" charset="0"/>
+                      </a:endParaRPr>
+                    </a:p>
+                  </a:txBody>
+                  <a:tcPr marL="68580" marR="68580" marT="0" marB="0"/>
+                </a:tc>
+                <a:tc>
+                  <a:txBody>
+                    <a:bodyPr/>
+                    <a:lstStyle/>
+                    <a:p>
+                      <a:pPr algn="ctr"/>
+                      <a:r>
+                        <a:rPr lang="en-GB" sz="900">
+                          <a:effectLst/>
+                        </a:rPr>
+                        <a:t>0.19</a:t>
+                      </a:r>
+                      <a:endParaRPr lang="de-CH" sz="1100">
+                        <a:effectLst/>
+                        <a:latin typeface="Times New Roman" panose="02020603050405020304" pitchFamily="18" charset="0"/>
+                        <a:ea typeface="SimSun" panose="02010600030101010101" pitchFamily="2" charset="-122"/>
+                        <a:cs typeface="Times New Roman" panose="02020603050405020304" pitchFamily="18" charset="0"/>
+                      </a:endParaRPr>
+                    </a:p>
+                  </a:txBody>
+                  <a:tcPr marL="68580" marR="68580" marT="0" marB="0"/>
+                </a:tc>
+                <a:tc>
+                  <a:txBody>
+                    <a:bodyPr/>
+                    <a:lstStyle/>
+                    <a:p>
+                      <a:pPr algn="ctr"/>
+                      <a:r>
+                        <a:rPr lang="en-GB" sz="900">
+                          <a:effectLst/>
+                        </a:rPr>
+                        <a:t>±0.017</a:t>
+                      </a:r>
+                      <a:endParaRPr lang="de-CH" sz="1100">
+                        <a:effectLst/>
+                        <a:latin typeface="Times New Roman" panose="02020603050405020304" pitchFamily="18" charset="0"/>
+                        <a:ea typeface="SimSun" panose="02010600030101010101" pitchFamily="2" charset="-122"/>
+                        <a:cs typeface="Times New Roman" panose="02020603050405020304" pitchFamily="18" charset="0"/>
+                      </a:endParaRPr>
+                    </a:p>
+                  </a:txBody>
+                  <a:tcPr marL="68580" marR="68580" marT="0" marB="0"/>
+                </a:tc>
+                <a:extLst>
+                  <a:ext uri="{0D108BD9-81ED-4DB2-BD59-A6C34878D82A}">
+                    <a16:rowId xmlns:a16="http://schemas.microsoft.com/office/drawing/2014/main" val="542136223"/>
+                  </a:ext>
+                </a:extLst>
+              </a:tr>
+              <a:tr h="223487">
+                <a:tc>
+                  <a:txBody>
+                    <a:bodyPr/>
+                    <a:lstStyle/>
+                    <a:p>
+                      <a:pPr algn="ctr"/>
+                      <a:r>
+                        <a:rPr lang="en-GB" sz="900">
+                          <a:effectLst/>
+                        </a:rPr>
+                        <a:t>Female</a:t>
+                      </a:r>
+                      <a:endParaRPr lang="de-CH" sz="1100">
+                        <a:effectLst/>
+                        <a:latin typeface="Times New Roman" panose="02020603050405020304" pitchFamily="18" charset="0"/>
+                        <a:ea typeface="SimSun" panose="02010600030101010101" pitchFamily="2" charset="-122"/>
+                        <a:cs typeface="Times New Roman" panose="02020603050405020304" pitchFamily="18" charset="0"/>
+                      </a:endParaRPr>
+                    </a:p>
+                  </a:txBody>
+                  <a:tcPr marL="68580" marR="68580" marT="0" marB="0"/>
+                </a:tc>
+                <a:tc>
+                  <a:txBody>
+                    <a:bodyPr/>
+                    <a:lstStyle/>
+                    <a:p>
+                      <a:pPr algn="ctr"/>
+                      <a:r>
+                        <a:rPr lang="en-GB" sz="900" dirty="0">
+                          <a:effectLst/>
+                        </a:rPr>
+                        <a:t>OneHot+KNN</a:t>
+                      </a:r>
+                      <a:endParaRPr lang="de-CH" sz="1100" dirty="0">
+                        <a:effectLst/>
+                        <a:latin typeface="Times New Roman" panose="02020603050405020304" pitchFamily="18" charset="0"/>
+                        <a:ea typeface="SimSun" panose="02010600030101010101" pitchFamily="2" charset="-122"/>
+                        <a:cs typeface="Times New Roman" panose="02020603050405020304" pitchFamily="18" charset="0"/>
+                      </a:endParaRPr>
+                    </a:p>
+                  </a:txBody>
+                  <a:tcPr marL="68580" marR="68580" marT="0" marB="0"/>
+                </a:tc>
+                <a:tc>
+                  <a:txBody>
+                    <a:bodyPr/>
+                    <a:lstStyle/>
+                    <a:p>
+                      <a:pPr algn="ctr"/>
+                      <a:r>
+                        <a:rPr lang="en-GB" sz="900" dirty="0">
+                          <a:effectLst/>
+                        </a:rPr>
+                        <a:t>SVM</a:t>
+                      </a:r>
+                      <a:endParaRPr lang="de-CH" sz="1100" dirty="0">
+                        <a:effectLst/>
+                        <a:latin typeface="Times New Roman" panose="02020603050405020304" pitchFamily="18" charset="0"/>
+                        <a:ea typeface="SimSun" panose="02010600030101010101" pitchFamily="2" charset="-122"/>
+                        <a:cs typeface="Times New Roman" panose="02020603050405020304" pitchFamily="18" charset="0"/>
+                      </a:endParaRPr>
+                    </a:p>
+                  </a:txBody>
+                  <a:tcPr marL="68580" marR="68580" marT="0" marB="0"/>
+                </a:tc>
+                <a:tc>
+                  <a:txBody>
+                    <a:bodyPr/>
+                    <a:lstStyle/>
+                    <a:p>
+                      <a:pPr algn="ctr"/>
+                      <a:r>
+                        <a:rPr lang="en-GB" sz="900" dirty="0">
+                          <a:effectLst/>
+                        </a:rPr>
+                        <a:t>0.08</a:t>
+                      </a:r>
+                      <a:endParaRPr lang="de-CH" sz="1100" dirty="0">
+                        <a:effectLst/>
+                        <a:latin typeface="Times New Roman" panose="02020603050405020304" pitchFamily="18" charset="0"/>
+                        <a:ea typeface="SimSun" panose="02010600030101010101" pitchFamily="2" charset="-122"/>
+                        <a:cs typeface="Times New Roman" panose="02020603050405020304" pitchFamily="18" charset="0"/>
+                      </a:endParaRPr>
+                    </a:p>
+                  </a:txBody>
+                  <a:tcPr marL="68580" marR="68580" marT="0" marB="0"/>
+                </a:tc>
+                <a:tc>
+                  <a:txBody>
+                    <a:bodyPr/>
+                    <a:lstStyle/>
+                    <a:p>
+                      <a:pPr algn="ctr"/>
+                      <a:r>
+                        <a:rPr lang="en-GB" sz="900" dirty="0">
+                          <a:effectLst/>
+                        </a:rPr>
+                        <a:t>0.19</a:t>
+                      </a:r>
+                      <a:endParaRPr lang="de-CH" sz="1100" dirty="0">
+                        <a:effectLst/>
+                        <a:latin typeface="Times New Roman" panose="02020603050405020304" pitchFamily="18" charset="0"/>
+                        <a:ea typeface="SimSun" panose="02010600030101010101" pitchFamily="2" charset="-122"/>
+                        <a:cs typeface="Times New Roman" panose="02020603050405020304" pitchFamily="18" charset="0"/>
+                      </a:endParaRPr>
+                    </a:p>
+                  </a:txBody>
+                  <a:tcPr marL="68580" marR="68580" marT="0" marB="0"/>
+                </a:tc>
+                <a:tc>
+                  <a:txBody>
+                    <a:bodyPr/>
+                    <a:lstStyle/>
+                    <a:p>
+                      <a:pPr algn="ctr"/>
+                      <a:r>
+                        <a:rPr lang="en-GB" sz="900" dirty="0">
+                          <a:effectLst/>
+                        </a:rPr>
+                        <a:t>±0.015</a:t>
+                      </a:r>
+                      <a:endParaRPr lang="de-CH" sz="1100" dirty="0">
+                        <a:effectLst/>
+                        <a:latin typeface="Times New Roman" panose="02020603050405020304" pitchFamily="18" charset="0"/>
+                        <a:ea typeface="SimSun" panose="02010600030101010101" pitchFamily="2" charset="-122"/>
+                        <a:cs typeface="Times New Roman" panose="02020603050405020304" pitchFamily="18" charset="0"/>
+                      </a:endParaRPr>
+                    </a:p>
+                  </a:txBody>
+                  <a:tcPr marL="68580" marR="68580" marT="0" marB="0"/>
+                </a:tc>
+                <a:extLst>
+                  <a:ext uri="{0D108BD9-81ED-4DB2-BD59-A6C34878D82A}">
+                    <a16:rowId xmlns:a16="http://schemas.microsoft.com/office/drawing/2014/main" val="4244545547"/>
+                  </a:ext>
+                </a:extLst>
+              </a:tr>
+            </a:tbl>
+          </a:graphicData>
+        </a:graphic>
+      </p:graphicFrame>
+      <p:graphicFrame>
+        <p:nvGraphicFramePr>
+          <p:cNvPr id="40" name="Tabelle 39">
+            <a:extLst>
+              <a:ext uri="{FF2B5EF4-FFF2-40B4-BE49-F238E27FC236}">
+                <a16:creationId xmlns:a16="http://schemas.microsoft.com/office/drawing/2014/main" id="{88509B9D-2BD2-4EF8-945B-915368CCEADC}"/>
+              </a:ext>
+            </a:extLst>
+          </p:cNvPr>
+          <p:cNvGraphicFramePr>
+            <a:graphicFrameLocks noGrp="1"/>
+          </p:cNvGraphicFramePr>
+          <p:nvPr>
+            <p:extLst>
+              <p:ext uri="{D42A27DB-BD31-4B8C-83A1-F6EECF244321}">
+                <p14:modId xmlns:p14="http://schemas.microsoft.com/office/powerpoint/2010/main" val="2637342957"/>
+              </p:ext>
+            </p:extLst>
+          </p:nvPr>
+        </p:nvGraphicFramePr>
+        <p:xfrm>
+          <a:off x="6976225" y="3992728"/>
+          <a:ext cx="3772369" cy="1107947"/>
+        </p:xfrm>
+        <a:graphic>
+          <a:graphicData uri="http://schemas.openxmlformats.org/drawingml/2006/table">
+            <a:tbl>
+              <a:tblPr firstRow="1" firstCol="1" bandRow="1">
+                <a:tableStyleId>{5940675A-B579-460E-94D1-54222C63F5DA}</a:tableStyleId>
+              </a:tblPr>
+              <a:tblGrid>
+                <a:gridCol w="661874">
+                  <a:extLst>
+                    <a:ext uri="{9D8B030D-6E8A-4147-A177-3AD203B41FA5}">
+                      <a16:colId xmlns:a16="http://schemas.microsoft.com/office/drawing/2014/main" val="368385025"/>
+                    </a:ext>
+                  </a:extLst>
+                </a:gridCol>
+                <a:gridCol w="856862">
+                  <a:extLst>
+                    <a:ext uri="{9D8B030D-6E8A-4147-A177-3AD203B41FA5}">
+                      <a16:colId xmlns:a16="http://schemas.microsoft.com/office/drawing/2014/main" val="1703007327"/>
+                    </a:ext>
+                  </a:extLst>
+                </a:gridCol>
+                <a:gridCol w="706931">
+                  <a:extLst>
+                    <a:ext uri="{9D8B030D-6E8A-4147-A177-3AD203B41FA5}">
+                      <a16:colId xmlns:a16="http://schemas.microsoft.com/office/drawing/2014/main" val="3049959562"/>
+                    </a:ext>
+                  </a:extLst>
+                </a:gridCol>
+                <a:gridCol w="587296">
+                  <a:extLst>
+                    <a:ext uri="{9D8B030D-6E8A-4147-A177-3AD203B41FA5}">
+                      <a16:colId xmlns:a16="http://schemas.microsoft.com/office/drawing/2014/main" val="927825915"/>
+                    </a:ext>
+                  </a:extLst>
+                </a:gridCol>
+                <a:gridCol w="456786">
+                  <a:extLst>
+                    <a:ext uri="{9D8B030D-6E8A-4147-A177-3AD203B41FA5}">
+                      <a16:colId xmlns:a16="http://schemas.microsoft.com/office/drawing/2014/main" val="2398368587"/>
+                    </a:ext>
+                  </a:extLst>
+                </a:gridCol>
+                <a:gridCol w="502620">
+                  <a:extLst>
+                    <a:ext uri="{9D8B030D-6E8A-4147-A177-3AD203B41FA5}">
+                      <a16:colId xmlns:a16="http://schemas.microsoft.com/office/drawing/2014/main" val="2118832762"/>
+                    </a:ext>
+                  </a:extLst>
+                </a:gridCol>
+              </a:tblGrid>
+              <a:tr h="221589">
+                <a:tc>
+                  <a:txBody>
+                    <a:bodyPr/>
+                    <a:lstStyle/>
+                    <a:p>
+                      <a:pPr algn="ctr"/>
+                      <a:r>
+                        <a:rPr lang="en-GB" sz="900" dirty="0">
+                          <a:effectLst/>
+                        </a:rPr>
+                        <a:t>Dataset</a:t>
+                      </a:r>
+                      <a:endParaRPr lang="de-CH" sz="1100" dirty="0">
+                        <a:effectLst/>
+                        <a:latin typeface="Times New Roman" panose="02020603050405020304" pitchFamily="18" charset="0"/>
+                        <a:ea typeface="SimSun" panose="02010600030101010101" pitchFamily="2" charset="-122"/>
+                        <a:cs typeface="Times New Roman" panose="02020603050405020304" pitchFamily="18" charset="0"/>
+                      </a:endParaRPr>
+                    </a:p>
+                  </a:txBody>
+                  <a:tcPr marL="68580" marR="68580" marT="0" marB="0"/>
+                </a:tc>
+                <a:tc>
+                  <a:txBody>
+                    <a:bodyPr/>
+                    <a:lstStyle/>
+                    <a:p>
+                      <a:pPr algn="ctr"/>
+                      <a:r>
+                        <a:rPr lang="en-GB" sz="900">
+                          <a:effectLst/>
+                        </a:rPr>
+                        <a:t>Strategy</a:t>
+                      </a:r>
+                      <a:endParaRPr lang="de-CH" sz="1100">
+                        <a:effectLst/>
+                        <a:latin typeface="Times New Roman" panose="02020603050405020304" pitchFamily="18" charset="0"/>
+                        <a:ea typeface="SimSun" panose="02010600030101010101" pitchFamily="2" charset="-122"/>
+                        <a:cs typeface="Times New Roman" panose="02020603050405020304" pitchFamily="18" charset="0"/>
+                      </a:endParaRPr>
+                    </a:p>
+                  </a:txBody>
+                  <a:tcPr marL="68580" marR="68580" marT="0" marB="0"/>
+                </a:tc>
+                <a:tc>
+                  <a:txBody>
+                    <a:bodyPr/>
+                    <a:lstStyle/>
+                    <a:p>
+                      <a:pPr algn="ctr"/>
+                      <a:r>
+                        <a:rPr lang="en-GB" sz="900">
+                          <a:effectLst/>
+                        </a:rPr>
+                        <a:t>Algorithm</a:t>
+                      </a:r>
+                      <a:endParaRPr lang="de-CH" sz="1100">
+                        <a:effectLst/>
+                        <a:latin typeface="Times New Roman" panose="02020603050405020304" pitchFamily="18" charset="0"/>
+                        <a:ea typeface="SimSun" panose="02010600030101010101" pitchFamily="2" charset="-122"/>
+                        <a:cs typeface="Times New Roman" panose="02020603050405020304" pitchFamily="18" charset="0"/>
+                      </a:endParaRPr>
+                    </a:p>
+                  </a:txBody>
+                  <a:tcPr marL="68580" marR="68580" marT="0" marB="0"/>
+                </a:tc>
+                <a:tc>
+                  <a:txBody>
+                    <a:bodyPr/>
+                    <a:lstStyle/>
+                    <a:p>
+                      <a:pPr algn="ctr"/>
+                      <a:r>
+                        <a:rPr lang="en-GB" sz="900">
+                          <a:effectLst/>
+                        </a:rPr>
+                        <a:t>Baseline</a:t>
+                      </a:r>
+                      <a:endParaRPr lang="de-CH" sz="1100">
+                        <a:effectLst/>
+                        <a:latin typeface="Times New Roman" panose="02020603050405020304" pitchFamily="18" charset="0"/>
+                        <a:ea typeface="SimSun" panose="02010600030101010101" pitchFamily="2" charset="-122"/>
+                        <a:cs typeface="Times New Roman" panose="02020603050405020304" pitchFamily="18" charset="0"/>
+                      </a:endParaRPr>
+                    </a:p>
+                  </a:txBody>
+                  <a:tcPr marL="68580" marR="68580" marT="0" marB="0"/>
+                </a:tc>
+                <a:tc>
+                  <a:txBody>
+                    <a:bodyPr/>
+                    <a:lstStyle/>
+                    <a:p>
+                      <a:pPr algn="ctr"/>
+                      <a:r>
+                        <a:rPr lang="en-GB" sz="900">
+                          <a:effectLst/>
+                        </a:rPr>
+                        <a:t>Score</a:t>
+                      </a:r>
+                      <a:endParaRPr lang="de-CH" sz="1100">
+                        <a:effectLst/>
+                        <a:latin typeface="Times New Roman" panose="02020603050405020304" pitchFamily="18" charset="0"/>
+                        <a:ea typeface="SimSun" panose="02010600030101010101" pitchFamily="2" charset="-122"/>
+                        <a:cs typeface="Times New Roman" panose="02020603050405020304" pitchFamily="18" charset="0"/>
+                      </a:endParaRPr>
+                    </a:p>
+                  </a:txBody>
+                  <a:tcPr marL="68580" marR="68580" marT="0" marB="0"/>
+                </a:tc>
+                <a:tc>
+                  <a:txBody>
+                    <a:bodyPr/>
+                    <a:lstStyle/>
+                    <a:p>
+                      <a:pPr algn="ctr"/>
+                      <a:r>
+                        <a:rPr lang="en-GB" sz="900">
+                          <a:effectLst/>
+                        </a:rPr>
+                        <a:t>Std</a:t>
+                      </a:r>
+                      <a:endParaRPr lang="de-CH" sz="1100">
+                        <a:effectLst/>
+                        <a:latin typeface="Times New Roman" panose="02020603050405020304" pitchFamily="18" charset="0"/>
+                        <a:ea typeface="SimSun" panose="02010600030101010101" pitchFamily="2" charset="-122"/>
+                        <a:cs typeface="Times New Roman" panose="02020603050405020304" pitchFamily="18" charset="0"/>
+                      </a:endParaRPr>
+                    </a:p>
+                  </a:txBody>
+                  <a:tcPr marL="68580" marR="68580" marT="0" marB="0"/>
+                </a:tc>
+                <a:extLst>
+                  <a:ext uri="{0D108BD9-81ED-4DB2-BD59-A6C34878D82A}">
+                    <a16:rowId xmlns:a16="http://schemas.microsoft.com/office/drawing/2014/main" val="1603656283"/>
+                  </a:ext>
+                </a:extLst>
+              </a:tr>
+              <a:tr h="221589">
+                <a:tc>
+                  <a:txBody>
+                    <a:bodyPr/>
+                    <a:lstStyle/>
+                    <a:p>
+                      <a:pPr algn="ctr"/>
+                      <a:r>
+                        <a:rPr lang="en-GB" sz="900">
+                          <a:effectLst/>
+                        </a:rPr>
+                        <a:t>Complete</a:t>
+                      </a:r>
+                      <a:endParaRPr lang="de-CH" sz="1100">
+                        <a:effectLst/>
+                        <a:latin typeface="Times New Roman" panose="02020603050405020304" pitchFamily="18" charset="0"/>
+                        <a:ea typeface="SimSun" panose="02010600030101010101" pitchFamily="2" charset="-122"/>
+                        <a:cs typeface="Times New Roman" panose="02020603050405020304" pitchFamily="18" charset="0"/>
+                      </a:endParaRPr>
+                    </a:p>
+                  </a:txBody>
+                  <a:tcPr marL="68580" marR="68580" marT="0" marB="0"/>
+                </a:tc>
+                <a:tc>
+                  <a:txBody>
+                    <a:bodyPr/>
+                    <a:lstStyle/>
+                    <a:p>
+                      <a:pPr algn="ctr"/>
+                      <a:r>
+                        <a:rPr lang="en-GB" sz="900" dirty="0">
+                          <a:effectLst/>
+                        </a:rPr>
+                        <a:t>No OneHot</a:t>
+                      </a:r>
+                      <a:endParaRPr lang="de-CH" sz="1100" dirty="0">
+                        <a:effectLst/>
+                        <a:latin typeface="Times New Roman" panose="02020603050405020304" pitchFamily="18" charset="0"/>
+                        <a:ea typeface="SimSun" panose="02010600030101010101" pitchFamily="2" charset="-122"/>
+                        <a:cs typeface="Times New Roman" panose="02020603050405020304" pitchFamily="18" charset="0"/>
+                      </a:endParaRPr>
+                    </a:p>
+                  </a:txBody>
+                  <a:tcPr marL="68580" marR="68580" marT="0" marB="0"/>
+                </a:tc>
+                <a:tc>
+                  <a:txBody>
+                    <a:bodyPr/>
+                    <a:lstStyle/>
+                    <a:p>
+                      <a:pPr algn="ctr"/>
+                      <a:r>
+                        <a:rPr lang="en-GB" sz="900">
+                          <a:effectLst/>
+                        </a:rPr>
+                        <a:t>XGBoost</a:t>
+                      </a:r>
+                      <a:endParaRPr lang="de-CH" sz="1100">
+                        <a:effectLst/>
+                        <a:latin typeface="Times New Roman" panose="02020603050405020304" pitchFamily="18" charset="0"/>
+                        <a:ea typeface="SimSun" panose="02010600030101010101" pitchFamily="2" charset="-122"/>
+                        <a:cs typeface="Times New Roman" panose="02020603050405020304" pitchFamily="18" charset="0"/>
+                      </a:endParaRPr>
+                    </a:p>
+                  </a:txBody>
+                  <a:tcPr marL="68580" marR="68580" marT="0" marB="0"/>
+                </a:tc>
+                <a:tc>
+                  <a:txBody>
+                    <a:bodyPr/>
+                    <a:lstStyle/>
+                    <a:p>
+                      <a:pPr algn="ctr"/>
+                      <a:r>
+                        <a:rPr lang="en-GB" sz="900">
+                          <a:effectLst/>
+                        </a:rPr>
+                        <a:t>0.06</a:t>
+                      </a:r>
+                      <a:endParaRPr lang="de-CH" sz="1100">
+                        <a:effectLst/>
+                        <a:latin typeface="Times New Roman" panose="02020603050405020304" pitchFamily="18" charset="0"/>
+                        <a:ea typeface="SimSun" panose="02010600030101010101" pitchFamily="2" charset="-122"/>
+                        <a:cs typeface="Times New Roman" panose="02020603050405020304" pitchFamily="18" charset="0"/>
+                      </a:endParaRPr>
+                    </a:p>
+                  </a:txBody>
+                  <a:tcPr marL="68580" marR="68580" marT="0" marB="0"/>
+                </a:tc>
+                <a:tc>
+                  <a:txBody>
+                    <a:bodyPr/>
+                    <a:lstStyle/>
+                    <a:p>
+                      <a:pPr algn="ctr"/>
+                      <a:r>
+                        <a:rPr lang="en-GB" sz="900">
+                          <a:effectLst/>
+                        </a:rPr>
+                        <a:t>0.18</a:t>
+                      </a:r>
+                      <a:endParaRPr lang="de-CH" sz="1100">
+                        <a:effectLst/>
+                        <a:latin typeface="Times New Roman" panose="02020603050405020304" pitchFamily="18" charset="0"/>
+                        <a:ea typeface="SimSun" panose="02010600030101010101" pitchFamily="2" charset="-122"/>
+                        <a:cs typeface="Times New Roman" panose="02020603050405020304" pitchFamily="18" charset="0"/>
+                      </a:endParaRPr>
+                    </a:p>
+                  </a:txBody>
+                  <a:tcPr marL="68580" marR="68580" marT="0" marB="0"/>
+                </a:tc>
+                <a:tc>
+                  <a:txBody>
+                    <a:bodyPr/>
+                    <a:lstStyle/>
+                    <a:p>
+                      <a:pPr algn="ctr"/>
+                      <a:r>
+                        <a:rPr lang="en-GB" sz="900">
+                          <a:effectLst/>
+                        </a:rPr>
+                        <a:t>±0.02</a:t>
+                      </a:r>
+                      <a:endParaRPr lang="de-CH" sz="1100">
+                        <a:effectLst/>
+                        <a:latin typeface="Times New Roman" panose="02020603050405020304" pitchFamily="18" charset="0"/>
+                        <a:ea typeface="SimSun" panose="02010600030101010101" pitchFamily="2" charset="-122"/>
+                        <a:cs typeface="Times New Roman" panose="02020603050405020304" pitchFamily="18" charset="0"/>
+                      </a:endParaRPr>
+                    </a:p>
+                  </a:txBody>
+                  <a:tcPr marL="68580" marR="68580" marT="0" marB="0"/>
+                </a:tc>
+                <a:extLst>
+                  <a:ext uri="{0D108BD9-81ED-4DB2-BD59-A6C34878D82A}">
+                    <a16:rowId xmlns:a16="http://schemas.microsoft.com/office/drawing/2014/main" val="563383497"/>
+                  </a:ext>
+                </a:extLst>
+              </a:tr>
+              <a:tr h="443180">
+                <a:tc>
+                  <a:txBody>
+                    <a:bodyPr/>
+                    <a:lstStyle/>
+                    <a:p>
+                      <a:pPr algn="ctr"/>
+                      <a:r>
+                        <a:rPr lang="en-GB" sz="900">
+                          <a:effectLst/>
+                        </a:rPr>
+                        <a:t>Male</a:t>
+                      </a:r>
+                      <a:endParaRPr lang="de-CH" sz="1100">
+                        <a:effectLst/>
+                        <a:latin typeface="Times New Roman" panose="02020603050405020304" pitchFamily="18" charset="0"/>
+                        <a:ea typeface="SimSun" panose="02010600030101010101" pitchFamily="2" charset="-122"/>
+                        <a:cs typeface="Times New Roman" panose="02020603050405020304" pitchFamily="18" charset="0"/>
+                      </a:endParaRPr>
+                    </a:p>
+                  </a:txBody>
+                  <a:tcPr marL="68580" marR="68580" marT="0" marB="0"/>
+                </a:tc>
+                <a:tc>
+                  <a:txBody>
+                    <a:bodyPr/>
+                    <a:lstStyle/>
+                    <a:p>
+                      <a:pPr algn="ctr"/>
+                      <a:r>
+                        <a:rPr lang="en-GB" sz="900">
+                          <a:effectLst/>
+                        </a:rPr>
+                        <a:t>No OneHot</a:t>
+                      </a:r>
+                      <a:endParaRPr lang="de-CH" sz="1100">
+                        <a:effectLst/>
+                        <a:latin typeface="Times New Roman" panose="02020603050405020304" pitchFamily="18" charset="0"/>
+                        <a:ea typeface="SimSun" panose="02010600030101010101" pitchFamily="2" charset="-122"/>
+                        <a:cs typeface="Times New Roman" panose="02020603050405020304" pitchFamily="18" charset="0"/>
+                      </a:endParaRPr>
+                    </a:p>
+                  </a:txBody>
+                  <a:tcPr marL="68580" marR="68580" marT="0" marB="0"/>
+                </a:tc>
+                <a:tc>
+                  <a:txBody>
+                    <a:bodyPr/>
+                    <a:lstStyle/>
+                    <a:p>
+                      <a:pPr algn="ctr"/>
+                      <a:r>
+                        <a:rPr lang="en-GB" sz="900" dirty="0">
+                          <a:effectLst/>
+                        </a:rPr>
+                        <a:t>Decision Tree</a:t>
+                      </a:r>
+                      <a:endParaRPr lang="de-CH" sz="1100" dirty="0">
+                        <a:effectLst/>
+                        <a:latin typeface="Times New Roman" panose="02020603050405020304" pitchFamily="18" charset="0"/>
+                        <a:ea typeface="SimSun" panose="02010600030101010101" pitchFamily="2" charset="-122"/>
+                        <a:cs typeface="Times New Roman" panose="02020603050405020304" pitchFamily="18" charset="0"/>
+                      </a:endParaRPr>
+                    </a:p>
+                  </a:txBody>
+                  <a:tcPr marL="68580" marR="68580" marT="0" marB="0"/>
+                </a:tc>
+                <a:tc>
+                  <a:txBody>
+                    <a:bodyPr/>
+                    <a:lstStyle/>
+                    <a:p>
+                      <a:pPr algn="ctr"/>
+                      <a:r>
+                        <a:rPr lang="en-GB" sz="900" dirty="0">
+                          <a:effectLst/>
+                        </a:rPr>
+                        <a:t>0.1</a:t>
+                      </a:r>
+                      <a:endParaRPr lang="de-CH" sz="1100" dirty="0">
+                        <a:effectLst/>
+                        <a:latin typeface="Times New Roman" panose="02020603050405020304" pitchFamily="18" charset="0"/>
+                        <a:ea typeface="SimSun" panose="02010600030101010101" pitchFamily="2" charset="-122"/>
+                        <a:cs typeface="Times New Roman" panose="02020603050405020304" pitchFamily="18" charset="0"/>
+                      </a:endParaRPr>
+                    </a:p>
+                  </a:txBody>
+                  <a:tcPr marL="68580" marR="68580" marT="0" marB="0"/>
+                </a:tc>
+                <a:tc>
+                  <a:txBody>
+                    <a:bodyPr/>
+                    <a:lstStyle/>
+                    <a:p>
+                      <a:pPr algn="ctr"/>
+                      <a:r>
+                        <a:rPr lang="en-GB" sz="900" dirty="0">
+                          <a:effectLst/>
+                        </a:rPr>
+                        <a:t>0.22</a:t>
+                      </a:r>
+                      <a:endParaRPr lang="de-CH" sz="1100" dirty="0">
+                        <a:effectLst/>
+                        <a:latin typeface="Times New Roman" panose="02020603050405020304" pitchFamily="18" charset="0"/>
+                        <a:ea typeface="SimSun" panose="02010600030101010101" pitchFamily="2" charset="-122"/>
+                        <a:cs typeface="Times New Roman" panose="02020603050405020304" pitchFamily="18" charset="0"/>
+                      </a:endParaRPr>
+                    </a:p>
+                  </a:txBody>
+                  <a:tcPr marL="68580" marR="68580" marT="0" marB="0"/>
+                </a:tc>
+                <a:tc>
+                  <a:txBody>
+                    <a:bodyPr/>
+                    <a:lstStyle/>
+                    <a:p>
+                      <a:pPr algn="ctr"/>
+                      <a:r>
+                        <a:rPr lang="en-GB" sz="900">
+                          <a:effectLst/>
+                        </a:rPr>
+                        <a:t>±0.017</a:t>
+                      </a:r>
+                      <a:endParaRPr lang="de-CH" sz="1100">
+                        <a:effectLst/>
+                        <a:latin typeface="Times New Roman" panose="02020603050405020304" pitchFamily="18" charset="0"/>
+                        <a:ea typeface="SimSun" panose="02010600030101010101" pitchFamily="2" charset="-122"/>
+                        <a:cs typeface="Times New Roman" panose="02020603050405020304" pitchFamily="18" charset="0"/>
+                      </a:endParaRPr>
+                    </a:p>
+                  </a:txBody>
+                  <a:tcPr marL="68580" marR="68580" marT="0" marB="0"/>
+                </a:tc>
+                <a:extLst>
+                  <a:ext uri="{0D108BD9-81ED-4DB2-BD59-A6C34878D82A}">
+                    <a16:rowId xmlns:a16="http://schemas.microsoft.com/office/drawing/2014/main" val="3900885671"/>
+                  </a:ext>
+                </a:extLst>
+              </a:tr>
+              <a:tr h="221589">
+                <a:tc>
+                  <a:txBody>
+                    <a:bodyPr/>
+                    <a:lstStyle/>
+                    <a:p>
+                      <a:pPr algn="ctr"/>
+                      <a:r>
+                        <a:rPr lang="en-GB" sz="900">
+                          <a:effectLst/>
+                        </a:rPr>
+                        <a:t>Female</a:t>
+                      </a:r>
+                      <a:endParaRPr lang="de-CH" sz="1100">
+                        <a:effectLst/>
+                        <a:latin typeface="Times New Roman" panose="02020603050405020304" pitchFamily="18" charset="0"/>
+                        <a:ea typeface="SimSun" panose="02010600030101010101" pitchFamily="2" charset="-122"/>
+                        <a:cs typeface="Times New Roman" panose="02020603050405020304" pitchFamily="18" charset="0"/>
+                      </a:endParaRPr>
+                    </a:p>
+                  </a:txBody>
+                  <a:tcPr marL="68580" marR="68580" marT="0" marB="0"/>
+                </a:tc>
+                <a:tc>
+                  <a:txBody>
+                    <a:bodyPr/>
+                    <a:lstStyle/>
+                    <a:p>
+                      <a:pPr algn="ctr"/>
+                      <a:r>
+                        <a:rPr lang="en-GB" sz="900">
+                          <a:effectLst/>
+                        </a:rPr>
+                        <a:t>OneHot+KNN</a:t>
+                      </a:r>
+                      <a:endParaRPr lang="de-CH" sz="1100">
+                        <a:effectLst/>
+                        <a:latin typeface="Times New Roman" panose="02020603050405020304" pitchFamily="18" charset="0"/>
+                        <a:ea typeface="SimSun" panose="02010600030101010101" pitchFamily="2" charset="-122"/>
+                        <a:cs typeface="Times New Roman" panose="02020603050405020304" pitchFamily="18" charset="0"/>
+                      </a:endParaRPr>
+                    </a:p>
+                  </a:txBody>
+                  <a:tcPr marL="68580" marR="68580" marT="0" marB="0"/>
+                </a:tc>
+                <a:tc>
+                  <a:txBody>
+                    <a:bodyPr/>
+                    <a:lstStyle/>
+                    <a:p>
+                      <a:pPr algn="ctr"/>
+                      <a:r>
+                        <a:rPr lang="en-GB" sz="900">
+                          <a:effectLst/>
+                        </a:rPr>
+                        <a:t>SVM</a:t>
+                      </a:r>
+                      <a:endParaRPr lang="de-CH" sz="1100">
+                        <a:effectLst/>
+                        <a:latin typeface="Times New Roman" panose="02020603050405020304" pitchFamily="18" charset="0"/>
+                        <a:ea typeface="SimSun" panose="02010600030101010101" pitchFamily="2" charset="-122"/>
+                        <a:cs typeface="Times New Roman" panose="02020603050405020304" pitchFamily="18" charset="0"/>
+                      </a:endParaRPr>
+                    </a:p>
+                  </a:txBody>
+                  <a:tcPr marL="68580" marR="68580" marT="0" marB="0"/>
+                </a:tc>
+                <a:tc>
+                  <a:txBody>
+                    <a:bodyPr/>
+                    <a:lstStyle/>
+                    <a:p>
+                      <a:pPr algn="ctr"/>
+                      <a:r>
+                        <a:rPr lang="en-GB" sz="900">
+                          <a:effectLst/>
+                        </a:rPr>
+                        <a:t>0.08</a:t>
+                      </a:r>
+                      <a:endParaRPr lang="de-CH" sz="1100">
+                        <a:effectLst/>
+                        <a:latin typeface="Times New Roman" panose="02020603050405020304" pitchFamily="18" charset="0"/>
+                        <a:ea typeface="SimSun" panose="02010600030101010101" pitchFamily="2" charset="-122"/>
+                        <a:cs typeface="Times New Roman" panose="02020603050405020304" pitchFamily="18" charset="0"/>
+                      </a:endParaRPr>
+                    </a:p>
+                  </a:txBody>
+                  <a:tcPr marL="68580" marR="68580" marT="0" marB="0"/>
+                </a:tc>
+                <a:tc>
+                  <a:txBody>
+                    <a:bodyPr/>
+                    <a:lstStyle/>
+                    <a:p>
+                      <a:pPr algn="ctr"/>
+                      <a:r>
+                        <a:rPr lang="en-GB" sz="900" dirty="0">
+                          <a:effectLst/>
+                        </a:rPr>
+                        <a:t>0.24</a:t>
+                      </a:r>
+                      <a:endParaRPr lang="de-CH" sz="1100" dirty="0">
+                        <a:effectLst/>
+                        <a:latin typeface="Times New Roman" panose="02020603050405020304" pitchFamily="18" charset="0"/>
+                        <a:ea typeface="SimSun" panose="02010600030101010101" pitchFamily="2" charset="-122"/>
+                        <a:cs typeface="Times New Roman" panose="02020603050405020304" pitchFamily="18" charset="0"/>
+                      </a:endParaRPr>
+                    </a:p>
+                  </a:txBody>
+                  <a:tcPr marL="68580" marR="68580" marT="0" marB="0"/>
+                </a:tc>
+                <a:tc>
+                  <a:txBody>
+                    <a:bodyPr/>
+                    <a:lstStyle/>
+                    <a:p>
+                      <a:pPr algn="ctr"/>
+                      <a:r>
+                        <a:rPr lang="en-GB" sz="900" dirty="0">
+                          <a:effectLst/>
+                        </a:rPr>
+                        <a:t>±0.043</a:t>
+                      </a:r>
+                      <a:endParaRPr lang="de-CH" sz="1100" dirty="0">
+                        <a:effectLst/>
+                        <a:latin typeface="Times New Roman" panose="02020603050405020304" pitchFamily="18" charset="0"/>
+                        <a:ea typeface="SimSun" panose="02010600030101010101" pitchFamily="2" charset="-122"/>
+                        <a:cs typeface="Times New Roman" panose="02020603050405020304" pitchFamily="18" charset="0"/>
+                      </a:endParaRPr>
+                    </a:p>
+                  </a:txBody>
+                  <a:tcPr marL="68580" marR="68580" marT="0" marB="0"/>
+                </a:tc>
+                <a:extLst>
+                  <a:ext uri="{0D108BD9-81ED-4DB2-BD59-A6C34878D82A}">
+                    <a16:rowId xmlns:a16="http://schemas.microsoft.com/office/drawing/2014/main" val="1951168440"/>
+                  </a:ext>
+                </a:extLst>
+              </a:tr>
+            </a:tbl>
+          </a:graphicData>
+        </a:graphic>
+      </p:graphicFrame>
+      <p:sp>
+        <p:nvSpPr>
+          <p:cNvPr id="53" name="Textfeld 52">
+            <a:extLst>
+              <a:ext uri="{FF2B5EF4-FFF2-40B4-BE49-F238E27FC236}">
+                <a16:creationId xmlns:a16="http://schemas.microsoft.com/office/drawing/2014/main" id="{9EF222CF-0B36-4A85-88C3-8618AD4642AC}"/>
+              </a:ext>
+            </a:extLst>
+          </p:cNvPr>
+          <p:cNvSpPr txBox="1"/>
           <p:nvPr/>
         </p:nvSpPr>
         <p:spPr>
           <a:xfrm>
-            <a:off x="9348009" y="876597"/>
-            <a:ext cx="3288143" cy="6710592"/>
+            <a:off x="1059569" y="1895765"/>
+            <a:ext cx="4114800" cy="369332"/>
           </a:xfrm>
           <a:prstGeom prst="rect">
             <a:avLst/>
           </a:prstGeom>
-          <a:solidFill>
-            <a:schemeClr val="bg1">
-              <a:lumMod val="85000"/>
-              <a:alpha val="30000"/>
-            </a:schemeClr>
-          </a:solidFill>
-          <a:ln>
-            <a:noFill/>
-          </a:ln>
+          <a:noFill/>
         </p:spPr>
-        <p:style>
-          <a:lnRef idx="2">
-            <a:schemeClr val="accent1">
-              <a:shade val="50000"/>
-            </a:schemeClr>
-          </a:lnRef>
-          <a:fillRef idx="1">
-            <a:schemeClr val="accent1"/>
-          </a:fillRef>
-          <a:effectRef idx="0">
-            <a:schemeClr val="accent1"/>
-          </a:effectRef>
-          <a:fontRef idx="minor">
-            <a:schemeClr val="lt1"/>
-          </a:fontRef>
-        </p:style>
         <p:txBody>
-          <a:bodyPr rtlCol="0" anchor="ctr"/>
+          <a:bodyPr wrap="square" rtlCol="0">
+            <a:spAutoFit/>
+          </a:bodyPr>
           <a:lstStyle/>
           <a:p>
-            <a:pPr algn="ctr"/>
-            <a:endParaRPr lang="en-GB"/>
+            <a:r>
+              <a:rPr lang="en-GB" dirty="0">
+                <a:solidFill>
+                  <a:srgbClr val="2F5597"/>
+                </a:solidFill>
+                <a:latin typeface="Helvetica Neue" panose="02000503000000020004"/>
+              </a:rPr>
+              <a:t>Category (4 Classes)</a:t>
+            </a:r>
+          </a:p>
+        </p:txBody>
+      </p:sp>
+      <p:sp>
+        <p:nvSpPr>
+          <p:cNvPr id="54" name="Textfeld 53">
+            <a:extLst>
+              <a:ext uri="{FF2B5EF4-FFF2-40B4-BE49-F238E27FC236}">
+                <a16:creationId xmlns:a16="http://schemas.microsoft.com/office/drawing/2014/main" id="{0A0CB229-9163-41A5-AB26-A2715A7A589C}"/>
+              </a:ext>
+            </a:extLst>
+          </p:cNvPr>
+          <p:cNvSpPr txBox="1"/>
+          <p:nvPr/>
+        </p:nvSpPr>
+        <p:spPr>
+          <a:xfrm>
+            <a:off x="1063689" y="2218364"/>
+            <a:ext cx="4114800" cy="261610"/>
+          </a:xfrm>
+          <a:prstGeom prst="rect">
+            <a:avLst/>
+          </a:prstGeom>
+          <a:noFill/>
+        </p:spPr>
+        <p:txBody>
+          <a:bodyPr wrap="square" rtlCol="0">
+            <a:spAutoFit/>
+          </a:bodyPr>
+          <a:lstStyle/>
+          <a:p>
+            <a:r>
+              <a:rPr lang="en-GB" sz="1050" dirty="0">
+                <a:solidFill>
+                  <a:schemeClr val="bg1">
+                    <a:lumMod val="65000"/>
+                  </a:schemeClr>
+                </a:solidFill>
+                <a:latin typeface="Helvetica Neue" panose="02000503000000020004"/>
+              </a:rPr>
+              <a:t>Macro F1-Score</a:t>
+            </a:r>
+          </a:p>
+        </p:txBody>
+      </p:sp>
+      <p:sp>
+        <p:nvSpPr>
+          <p:cNvPr id="55" name="Textfeld 54">
+            <a:extLst>
+              <a:ext uri="{FF2B5EF4-FFF2-40B4-BE49-F238E27FC236}">
+                <a16:creationId xmlns:a16="http://schemas.microsoft.com/office/drawing/2014/main" id="{11FF9FCC-0C06-4C8A-80E1-2C5C0CFFCD6E}"/>
+              </a:ext>
+            </a:extLst>
+          </p:cNvPr>
+          <p:cNvSpPr txBox="1"/>
+          <p:nvPr/>
+        </p:nvSpPr>
+        <p:spPr>
+          <a:xfrm>
+            <a:off x="1063689" y="3731118"/>
+            <a:ext cx="4114800" cy="261610"/>
+          </a:xfrm>
+          <a:prstGeom prst="rect">
+            <a:avLst/>
+          </a:prstGeom>
+          <a:noFill/>
+        </p:spPr>
+        <p:txBody>
+          <a:bodyPr wrap="square" rtlCol="0">
+            <a:spAutoFit/>
+          </a:bodyPr>
+          <a:lstStyle/>
+          <a:p>
+            <a:r>
+              <a:rPr lang="en-GB" sz="1050" dirty="0">
+                <a:solidFill>
+                  <a:schemeClr val="bg1">
+                    <a:lumMod val="65000"/>
+                  </a:schemeClr>
+                </a:solidFill>
+                <a:latin typeface="Helvetica Neue" panose="02000503000000020004"/>
+              </a:rPr>
+              <a:t>Balanced Accuracy</a:t>
+            </a:r>
+          </a:p>
+        </p:txBody>
+      </p:sp>
+      <p:sp>
+        <p:nvSpPr>
+          <p:cNvPr id="56" name="Textfeld 55">
+            <a:extLst>
+              <a:ext uri="{FF2B5EF4-FFF2-40B4-BE49-F238E27FC236}">
+                <a16:creationId xmlns:a16="http://schemas.microsoft.com/office/drawing/2014/main" id="{60C0C633-17DC-498F-91FA-04FA7ED68945}"/>
+              </a:ext>
+            </a:extLst>
+          </p:cNvPr>
+          <p:cNvSpPr txBox="1"/>
+          <p:nvPr/>
+        </p:nvSpPr>
+        <p:spPr>
+          <a:xfrm>
+            <a:off x="6932058" y="1866955"/>
+            <a:ext cx="4114800" cy="369332"/>
+          </a:xfrm>
+          <a:prstGeom prst="rect">
+            <a:avLst/>
+          </a:prstGeom>
+          <a:noFill/>
+        </p:spPr>
+        <p:txBody>
+          <a:bodyPr wrap="square" rtlCol="0">
+            <a:spAutoFit/>
+          </a:bodyPr>
+          <a:lstStyle/>
+          <a:p>
+            <a:r>
+              <a:rPr lang="en-GB" dirty="0">
+                <a:solidFill>
+                  <a:srgbClr val="2F5597"/>
+                </a:solidFill>
+                <a:latin typeface="Helvetica Neue" panose="02000503000000020004"/>
+              </a:rPr>
+              <a:t>Specific Diagnosis (12 Classes)</a:t>
+            </a:r>
+          </a:p>
+        </p:txBody>
+      </p:sp>
+      <p:sp>
+        <p:nvSpPr>
+          <p:cNvPr id="57" name="Textfeld 56">
+            <a:extLst>
+              <a:ext uri="{FF2B5EF4-FFF2-40B4-BE49-F238E27FC236}">
+                <a16:creationId xmlns:a16="http://schemas.microsoft.com/office/drawing/2014/main" id="{8910F10D-944A-454F-8ED1-781AB5C0F366}"/>
+              </a:ext>
+            </a:extLst>
+          </p:cNvPr>
+          <p:cNvSpPr txBox="1"/>
+          <p:nvPr/>
+        </p:nvSpPr>
+        <p:spPr>
+          <a:xfrm>
+            <a:off x="6936178" y="2189554"/>
+            <a:ext cx="4114800" cy="261610"/>
+          </a:xfrm>
+          <a:prstGeom prst="rect">
+            <a:avLst/>
+          </a:prstGeom>
+          <a:noFill/>
+        </p:spPr>
+        <p:txBody>
+          <a:bodyPr wrap="square" rtlCol="0">
+            <a:spAutoFit/>
+          </a:bodyPr>
+          <a:lstStyle/>
+          <a:p>
+            <a:r>
+              <a:rPr lang="en-GB" sz="1050" dirty="0">
+                <a:solidFill>
+                  <a:schemeClr val="bg1">
+                    <a:lumMod val="65000"/>
+                  </a:schemeClr>
+                </a:solidFill>
+                <a:latin typeface="Helvetica Neue" panose="02000503000000020004"/>
+              </a:rPr>
+              <a:t>Macro F1-Score</a:t>
+            </a:r>
+          </a:p>
+        </p:txBody>
+      </p:sp>
+      <p:sp>
+        <p:nvSpPr>
+          <p:cNvPr id="58" name="Textfeld 57">
+            <a:extLst>
+              <a:ext uri="{FF2B5EF4-FFF2-40B4-BE49-F238E27FC236}">
+                <a16:creationId xmlns:a16="http://schemas.microsoft.com/office/drawing/2014/main" id="{1CBA3F00-C896-4803-89B1-43124BE13195}"/>
+              </a:ext>
+            </a:extLst>
+          </p:cNvPr>
+          <p:cNvSpPr txBox="1"/>
+          <p:nvPr/>
+        </p:nvSpPr>
+        <p:spPr>
+          <a:xfrm>
+            <a:off x="6936178" y="3702308"/>
+            <a:ext cx="4114800" cy="261610"/>
+          </a:xfrm>
+          <a:prstGeom prst="rect">
+            <a:avLst/>
+          </a:prstGeom>
+          <a:noFill/>
+        </p:spPr>
+        <p:txBody>
+          <a:bodyPr wrap="square" rtlCol="0">
+            <a:spAutoFit/>
+          </a:bodyPr>
+          <a:lstStyle/>
+          <a:p>
+            <a:r>
+              <a:rPr lang="en-GB" sz="1050" dirty="0">
+                <a:solidFill>
+                  <a:schemeClr val="bg1">
+                    <a:lumMod val="65000"/>
+                  </a:schemeClr>
+                </a:solidFill>
+                <a:latin typeface="Helvetica Neue" panose="02000503000000020004"/>
+              </a:rPr>
+              <a:t>Balanced Accuracy</a:t>
+            </a:r>
           </a:p>
         </p:txBody>
       </p:sp>
     </p:spTree>
     <p:extLst>
       <p:ext uri="{BB962C8B-B14F-4D97-AF65-F5344CB8AC3E}">
-        <p14:creationId xmlns:p14="http://schemas.microsoft.com/office/powerpoint/2010/main" val="2386252519"/>
+        <p14:creationId xmlns:p14="http://schemas.microsoft.com/office/powerpoint/2010/main" val="3583679371"/>
       </p:ext>
     </p:extLst>
   </p:cSld>
